--- a/Slides_and_R_ Notebooks/GST_Pract_2022_01_Intro to R.pptx
+++ b/Slides_and_R_ Notebooks/GST_Pract_2022_01_Intro to R.pptx
@@ -5,10 +5,10 @@
     <p:sldMasterId id="2147483694" r:id="rId1"/>
   </p:sldMasterIdLst>
   <p:notesMasterIdLst>
-    <p:notesMasterId r:id="rId30"/>
+    <p:notesMasterId r:id="rId14"/>
   </p:notesMasterIdLst>
   <p:handoutMasterIdLst>
-    <p:handoutMasterId r:id="rId31"/>
+    <p:handoutMasterId r:id="rId15"/>
   </p:handoutMasterIdLst>
   <p:sldIdLst>
     <p:sldId id="620" r:id="rId2"/>
@@ -23,22 +23,6 @@
     <p:sldId id="682" r:id="rId11"/>
     <p:sldId id="683" r:id="rId12"/>
     <p:sldId id="672" r:id="rId13"/>
-    <p:sldId id="684" r:id="rId14"/>
-    <p:sldId id="669" r:id="rId15"/>
-    <p:sldId id="675" r:id="rId16"/>
-    <p:sldId id="678" r:id="rId17"/>
-    <p:sldId id="663" r:id="rId18"/>
-    <p:sldId id="655" r:id="rId19"/>
-    <p:sldId id="657" r:id="rId20"/>
-    <p:sldId id="656" r:id="rId21"/>
-    <p:sldId id="667" r:id="rId22"/>
-    <p:sldId id="677" r:id="rId23"/>
-    <p:sldId id="673" r:id="rId24"/>
-    <p:sldId id="660" r:id="rId25"/>
-    <p:sldId id="670" r:id="rId26"/>
-    <p:sldId id="671" r:id="rId27"/>
-    <p:sldId id="665" r:id="rId28"/>
-    <p:sldId id="666" r:id="rId29"/>
   </p:sldIdLst>
   <p:sldSz cx="9144000" cy="6858000" type="screen4x3"/>
   <p:notesSz cx="6797675" cy="9872663"/>
@@ -1199,186 +1183,6 @@
 </p:notes>
 </file>
 
-<file path=ppt/notesSlides/notesSlide10.xml><?xml version="1.0" encoding="utf-8"?>
-<p:notes xmlns:a="http://schemas.openxmlformats.org/drawingml/2006/main" xmlns:r="http://schemas.openxmlformats.org/officeDocument/2006/relationships" xmlns:p="http://schemas.openxmlformats.org/presentationml/2006/main">
-  <p:cSld>
-    <p:spTree>
-      <p:nvGrpSpPr>
-        <p:cNvPr id="1" name=""/>
-        <p:cNvGrpSpPr/>
-        <p:nvPr/>
-      </p:nvGrpSpPr>
-      <p:grpSpPr>
-        <a:xfrm>
-          <a:off x="0" y="0"/>
-          <a:ext cx="0" cy="0"/>
-          <a:chOff x="0" y="0"/>
-          <a:chExt cx="0" cy="0"/>
-        </a:xfrm>
-      </p:grpSpPr>
-      <p:sp>
-        <p:nvSpPr>
-          <p:cNvPr id="2" name="Espaço Reservado para Imagem de Slide 1"/>
-          <p:cNvSpPr>
-            <a:spLocks noGrp="1" noRot="1" noChangeAspect="1"/>
-          </p:cNvSpPr>
-          <p:nvPr>
-            <p:ph type="sldImg"/>
-          </p:nvPr>
-        </p:nvSpPr>
-        <p:spPr/>
-      </p:sp>
-      <p:sp>
-        <p:nvSpPr>
-          <p:cNvPr id="3" name="Espaço Reservado para Anotações 2"/>
-          <p:cNvSpPr>
-            <a:spLocks noGrp="1"/>
-          </p:cNvSpPr>
-          <p:nvPr>
-            <p:ph type="body" idx="1"/>
-          </p:nvPr>
-        </p:nvSpPr>
-        <p:spPr/>
-        <p:txBody>
-          <a:bodyPr/>
-          <a:lstStyle/>
-          <a:p>
-            <a:endParaRPr lang="en-US" dirty="0"/>
-          </a:p>
-        </p:txBody>
-      </p:sp>
-      <p:sp>
-        <p:nvSpPr>
-          <p:cNvPr id="4" name="Espaço Reservado para Número de Slide 3"/>
-          <p:cNvSpPr>
-            <a:spLocks noGrp="1"/>
-          </p:cNvSpPr>
-          <p:nvPr>
-            <p:ph type="sldNum" sz="quarter" idx="5"/>
-          </p:nvPr>
-        </p:nvSpPr>
-        <p:spPr/>
-        <p:txBody>
-          <a:bodyPr/>
-          <a:lstStyle/>
-          <a:p>
-            <a:pPr>
-              <a:defRPr/>
-            </a:pPr>
-            <a:fld id="{CCF50032-4F35-4F83-95D4-9BD11C7D399C}" type="slidenum">
-              <a:rPr lang="fr-BE" smtClean="0"/>
-              <a:pPr>
-                <a:defRPr/>
-              </a:pPr>
-              <a:t>27</a:t>
-            </a:fld>
-            <a:endParaRPr lang="fr-BE"/>
-          </a:p>
-        </p:txBody>
-      </p:sp>
-    </p:spTree>
-    <p:extLst>
-      <p:ext uri="{BB962C8B-B14F-4D97-AF65-F5344CB8AC3E}">
-        <p14:creationId xmlns:p14="http://schemas.microsoft.com/office/powerpoint/2010/main" val="3486029531"/>
-      </p:ext>
-    </p:extLst>
-  </p:cSld>
-  <p:clrMapOvr>
-    <a:masterClrMapping/>
-  </p:clrMapOvr>
-</p:notes>
-</file>
-
-<file path=ppt/notesSlides/notesSlide11.xml><?xml version="1.0" encoding="utf-8"?>
-<p:notes xmlns:a="http://schemas.openxmlformats.org/drawingml/2006/main" xmlns:r="http://schemas.openxmlformats.org/officeDocument/2006/relationships" xmlns:p="http://schemas.openxmlformats.org/presentationml/2006/main">
-  <p:cSld>
-    <p:spTree>
-      <p:nvGrpSpPr>
-        <p:cNvPr id="1" name=""/>
-        <p:cNvGrpSpPr/>
-        <p:nvPr/>
-      </p:nvGrpSpPr>
-      <p:grpSpPr>
-        <a:xfrm>
-          <a:off x="0" y="0"/>
-          <a:ext cx="0" cy="0"/>
-          <a:chOff x="0" y="0"/>
-          <a:chExt cx="0" cy="0"/>
-        </a:xfrm>
-      </p:grpSpPr>
-      <p:sp>
-        <p:nvSpPr>
-          <p:cNvPr id="2" name="Espaço Reservado para Imagem de Slide 1"/>
-          <p:cNvSpPr>
-            <a:spLocks noGrp="1" noRot="1" noChangeAspect="1"/>
-          </p:cNvSpPr>
-          <p:nvPr>
-            <p:ph type="sldImg"/>
-          </p:nvPr>
-        </p:nvSpPr>
-        <p:spPr/>
-      </p:sp>
-      <p:sp>
-        <p:nvSpPr>
-          <p:cNvPr id="3" name="Espaço Reservado para Anotações 2"/>
-          <p:cNvSpPr>
-            <a:spLocks noGrp="1"/>
-          </p:cNvSpPr>
-          <p:nvPr>
-            <p:ph type="body" idx="1"/>
-          </p:nvPr>
-        </p:nvSpPr>
-        <p:spPr/>
-        <p:txBody>
-          <a:bodyPr/>
-          <a:lstStyle/>
-          <a:p>
-            <a:endParaRPr lang="en-US" dirty="0"/>
-          </a:p>
-        </p:txBody>
-      </p:sp>
-      <p:sp>
-        <p:nvSpPr>
-          <p:cNvPr id="4" name="Espaço Reservado para Número de Slide 3"/>
-          <p:cNvSpPr>
-            <a:spLocks noGrp="1"/>
-          </p:cNvSpPr>
-          <p:nvPr>
-            <p:ph type="sldNum" sz="quarter" idx="5"/>
-          </p:nvPr>
-        </p:nvSpPr>
-        <p:spPr/>
-        <p:txBody>
-          <a:bodyPr/>
-          <a:lstStyle/>
-          <a:p>
-            <a:pPr>
-              <a:defRPr/>
-            </a:pPr>
-            <a:fld id="{CCF50032-4F35-4F83-95D4-9BD11C7D399C}" type="slidenum">
-              <a:rPr lang="fr-BE" smtClean="0"/>
-              <a:pPr>
-                <a:defRPr/>
-              </a:pPr>
-              <a:t>28</a:t>
-            </a:fld>
-            <a:endParaRPr lang="fr-BE"/>
-          </a:p>
-        </p:txBody>
-      </p:sp>
-    </p:spTree>
-    <p:extLst>
-      <p:ext uri="{BB962C8B-B14F-4D97-AF65-F5344CB8AC3E}">
-        <p14:creationId xmlns:p14="http://schemas.microsoft.com/office/powerpoint/2010/main" val="3844831695"/>
-      </p:ext>
-    </p:extLst>
-  </p:cSld>
-  <p:clrMapOvr>
-    <a:masterClrMapping/>
-  </p:clrMapOvr>
-</p:notes>
-</file>
-
 <file path=ppt/notesSlides/notesSlide2.xml><?xml version="1.0" encoding="utf-8"?>
 <p:notes xmlns:a="http://schemas.openxmlformats.org/drawingml/2006/main" xmlns:r="http://schemas.openxmlformats.org/officeDocument/2006/relationships" xmlns:p="http://schemas.openxmlformats.org/presentationml/2006/main">
   <p:cSld>
@@ -1707,1488 +1511,6 @@
     <p:extLst>
       <p:ext uri="{BB962C8B-B14F-4D97-AF65-F5344CB8AC3E}">
         <p14:creationId xmlns:p14="http://schemas.microsoft.com/office/powerpoint/2010/main" val="2316050312"/>
-      </p:ext>
-    </p:extLst>
-  </p:cSld>
-  <p:clrMapOvr>
-    <a:masterClrMapping/>
-  </p:clrMapOvr>
-</p:notes>
-</file>
-
-<file path=ppt/notesSlides/notesSlide4.xml><?xml version="1.0" encoding="utf-8"?>
-<p:notes xmlns:a="http://schemas.openxmlformats.org/drawingml/2006/main" xmlns:r="http://schemas.openxmlformats.org/officeDocument/2006/relationships" xmlns:p="http://schemas.openxmlformats.org/presentationml/2006/main">
-  <p:cSld>
-    <p:spTree>
-      <p:nvGrpSpPr>
-        <p:cNvPr id="1" name=""/>
-        <p:cNvGrpSpPr/>
-        <p:nvPr/>
-      </p:nvGrpSpPr>
-      <p:grpSpPr>
-        <a:xfrm>
-          <a:off x="0" y="0"/>
-          <a:ext cx="0" cy="0"/>
-          <a:chOff x="0" y="0"/>
-          <a:chExt cx="0" cy="0"/>
-        </a:xfrm>
-      </p:grpSpPr>
-      <p:sp>
-        <p:nvSpPr>
-          <p:cNvPr id="2" name="Espaço Reservado para Imagem de Slide 1"/>
-          <p:cNvSpPr>
-            <a:spLocks noGrp="1" noRot="1" noChangeAspect="1"/>
-          </p:cNvSpPr>
-          <p:nvPr>
-            <p:ph type="sldImg"/>
-          </p:nvPr>
-        </p:nvSpPr>
-        <p:spPr/>
-      </p:sp>
-      <p:sp>
-        <p:nvSpPr>
-          <p:cNvPr id="3" name="Espaço Reservado para Anotações 2"/>
-          <p:cNvSpPr>
-            <a:spLocks noGrp="1"/>
-          </p:cNvSpPr>
-          <p:nvPr>
-            <p:ph type="body" idx="1"/>
-          </p:nvPr>
-        </p:nvSpPr>
-        <p:spPr/>
-        <p:txBody>
-          <a:bodyPr/>
-          <a:lstStyle/>
-          <a:p>
-            <a:r>
-              <a:rPr lang="en-US" dirty="0"/>
-              <a:t>“plot3D” - </a:t>
-            </a:r>
-            <a:r>
-              <a:rPr lang="pt-BR" sz="1200" b="0" i="0" kern="1200" dirty="0" err="1">
-                <a:solidFill>
-                  <a:schemeClr val="tx1"/>
-                </a:solidFill>
-                <a:effectLst/>
-                <a:latin typeface="Arial" charset="0"/>
-                <a:ea typeface="+mn-ea"/>
-                <a:cs typeface="Arial" charset="0"/>
-              </a:rPr>
-              <a:t>Draws</a:t>
-            </a:r>
-            <a:r>
-              <a:rPr lang="pt-BR" sz="1200" b="0" i="0" kern="1200" dirty="0">
-                <a:solidFill>
-                  <a:schemeClr val="tx1"/>
-                </a:solidFill>
-                <a:effectLst/>
-                <a:latin typeface="Arial" charset="0"/>
-                <a:ea typeface="+mn-ea"/>
-                <a:cs typeface="Arial" charset="0"/>
-              </a:rPr>
-              <a:t> a 3D </a:t>
-            </a:r>
-            <a:r>
-              <a:rPr lang="pt-BR" sz="1200" b="0" i="0" kern="1200" dirty="0" err="1">
-                <a:solidFill>
-                  <a:schemeClr val="tx1"/>
-                </a:solidFill>
-                <a:effectLst/>
-                <a:latin typeface="Arial" charset="0"/>
-                <a:ea typeface="+mn-ea"/>
-                <a:cs typeface="Arial" charset="0"/>
-              </a:rPr>
-              <a:t>scatterplot</a:t>
-            </a:r>
-            <a:r>
-              <a:rPr lang="pt-BR" sz="1200" b="0" i="0" kern="1200" dirty="0">
-                <a:solidFill>
-                  <a:schemeClr val="tx1"/>
-                </a:solidFill>
-                <a:effectLst/>
-                <a:latin typeface="Arial" charset="0"/>
-                <a:ea typeface="+mn-ea"/>
-                <a:cs typeface="Arial" charset="0"/>
-              </a:rPr>
-              <a:t>, </a:t>
-            </a:r>
-            <a:r>
-              <a:rPr lang="en-US" sz="1200" b="0" i="0" kern="1200" dirty="0" err="1">
-                <a:solidFill>
-                  <a:schemeClr val="tx1"/>
-                </a:solidFill>
-                <a:effectLst/>
-                <a:latin typeface="Arial" charset="0"/>
-                <a:ea typeface="+mn-ea"/>
-                <a:cs typeface="Arial" charset="0"/>
-              </a:rPr>
-              <a:t>visualising</a:t>
-            </a:r>
-            <a:r>
-              <a:rPr lang="en-US" sz="1200" b="0" i="0" kern="1200" dirty="0">
-                <a:solidFill>
-                  <a:schemeClr val="tx1"/>
-                </a:solidFill>
-                <a:effectLst/>
-                <a:latin typeface="Arial" charset="0"/>
-                <a:ea typeface="+mn-ea"/>
-                <a:cs typeface="Arial" charset="0"/>
-              </a:rPr>
-              <a:t> 2-D and 3-D data.</a:t>
-            </a:r>
-          </a:p>
-          <a:p>
-            <a:endParaRPr lang="en-US" dirty="0"/>
-          </a:p>
-          <a:p>
-            <a:r>
-              <a:rPr lang="en-US" dirty="0"/>
-              <a:t>“fields” - For curve, surface and function fitting with emphasis on spatial data, geostatistics and spatial statistics.</a:t>
-            </a:r>
-          </a:p>
-          <a:p>
-            <a:endParaRPr lang="en-US" dirty="0"/>
-          </a:p>
-          <a:p>
-            <a:r>
-              <a:rPr lang="en-US" dirty="0"/>
-              <a:t>“lattice” - </a:t>
-            </a:r>
-            <a:r>
-              <a:rPr lang="en-US" sz="1200" b="0" i="0" kern="1200" dirty="0">
-                <a:solidFill>
-                  <a:schemeClr val="tx1"/>
-                </a:solidFill>
-                <a:effectLst/>
-                <a:latin typeface="Arial" charset="0"/>
-                <a:ea typeface="+mn-ea"/>
-                <a:cs typeface="Arial" charset="0"/>
-              </a:rPr>
-              <a:t>Improve the graphics by providing better defaults and the ability to easily display multivariate relationships</a:t>
-            </a:r>
-          </a:p>
-          <a:p>
-            <a:endParaRPr lang="en-US" sz="1200" b="0" i="0" kern="1200" dirty="0">
-              <a:solidFill>
-                <a:schemeClr val="tx1"/>
-              </a:solidFill>
-              <a:effectLst/>
-              <a:latin typeface="Arial" charset="0"/>
-              <a:ea typeface="+mn-ea"/>
-              <a:cs typeface="Arial" charset="0"/>
-            </a:endParaRPr>
-          </a:p>
-          <a:p>
-            <a:r>
-              <a:rPr lang="en-US" sz="1200" b="0" i="0" kern="1200" dirty="0">
-                <a:solidFill>
-                  <a:schemeClr val="tx1"/>
-                </a:solidFill>
-                <a:effectLst/>
-                <a:latin typeface="Arial" charset="0"/>
-                <a:ea typeface="+mn-ea"/>
-                <a:cs typeface="Arial" charset="0"/>
-              </a:rPr>
-              <a:t>“</a:t>
-            </a:r>
-            <a:r>
-              <a:rPr lang="en-US" sz="1200" b="0" i="0" kern="1200" dirty="0" err="1">
-                <a:solidFill>
-                  <a:schemeClr val="tx1"/>
-                </a:solidFill>
-                <a:effectLst/>
-                <a:latin typeface="Arial" charset="0"/>
-                <a:ea typeface="+mn-ea"/>
-                <a:cs typeface="Arial" charset="0"/>
-              </a:rPr>
-              <a:t>corrplot</a:t>
-            </a:r>
-            <a:r>
-              <a:rPr lang="en-US" sz="1200" b="0" i="0" kern="1200" dirty="0">
-                <a:solidFill>
-                  <a:schemeClr val="tx1"/>
-                </a:solidFill>
-                <a:effectLst/>
-                <a:latin typeface="Arial" charset="0"/>
-                <a:ea typeface="+mn-ea"/>
-                <a:cs typeface="Arial" charset="0"/>
-              </a:rPr>
-              <a:t>” - graphical display of a correlation matrix</a:t>
-            </a:r>
-          </a:p>
-          <a:p>
-            <a:endParaRPr lang="en-US" dirty="0"/>
-          </a:p>
-        </p:txBody>
-      </p:sp>
-      <p:sp>
-        <p:nvSpPr>
-          <p:cNvPr id="4" name="Espaço Reservado para Número de Slide 3"/>
-          <p:cNvSpPr>
-            <a:spLocks noGrp="1"/>
-          </p:cNvSpPr>
-          <p:nvPr>
-            <p:ph type="sldNum" sz="quarter" idx="5"/>
-          </p:nvPr>
-        </p:nvSpPr>
-        <p:spPr/>
-        <p:txBody>
-          <a:bodyPr/>
-          <a:lstStyle/>
-          <a:p>
-            <a:pPr>
-              <a:defRPr/>
-            </a:pPr>
-            <a:fld id="{CCF50032-4F35-4F83-95D4-9BD11C7D399C}" type="slidenum">
-              <a:rPr lang="fr-BE" smtClean="0"/>
-              <a:pPr>
-                <a:defRPr/>
-              </a:pPr>
-              <a:t>13</a:t>
-            </a:fld>
-            <a:endParaRPr lang="fr-BE"/>
-          </a:p>
-        </p:txBody>
-      </p:sp>
-    </p:spTree>
-    <p:extLst>
-      <p:ext uri="{BB962C8B-B14F-4D97-AF65-F5344CB8AC3E}">
-        <p14:creationId xmlns:p14="http://schemas.microsoft.com/office/powerpoint/2010/main" val="2467067502"/>
-      </p:ext>
-    </p:extLst>
-  </p:cSld>
-  <p:clrMapOvr>
-    <a:masterClrMapping/>
-  </p:clrMapOvr>
-</p:notes>
-</file>
-
-<file path=ppt/notesSlides/notesSlide5.xml><?xml version="1.0" encoding="utf-8"?>
-<p:notes xmlns:a="http://schemas.openxmlformats.org/drawingml/2006/main" xmlns:r="http://schemas.openxmlformats.org/officeDocument/2006/relationships" xmlns:p="http://schemas.openxmlformats.org/presentationml/2006/main">
-  <p:cSld>
-    <p:spTree>
-      <p:nvGrpSpPr>
-        <p:cNvPr id="1" name=""/>
-        <p:cNvGrpSpPr/>
-        <p:nvPr/>
-      </p:nvGrpSpPr>
-      <p:grpSpPr>
-        <a:xfrm>
-          <a:off x="0" y="0"/>
-          <a:ext cx="0" cy="0"/>
-          <a:chOff x="0" y="0"/>
-          <a:chExt cx="0" cy="0"/>
-        </a:xfrm>
-      </p:grpSpPr>
-      <p:sp>
-        <p:nvSpPr>
-          <p:cNvPr id="2" name="Espaço Reservado para Imagem de Slide 1"/>
-          <p:cNvSpPr>
-            <a:spLocks noGrp="1" noRot="1" noChangeAspect="1"/>
-          </p:cNvSpPr>
-          <p:nvPr>
-            <p:ph type="sldImg"/>
-          </p:nvPr>
-        </p:nvSpPr>
-        <p:spPr/>
-      </p:sp>
-      <p:sp>
-        <p:nvSpPr>
-          <p:cNvPr id="3" name="Espaço Reservado para Anotações 2"/>
-          <p:cNvSpPr>
-            <a:spLocks noGrp="1"/>
-          </p:cNvSpPr>
-          <p:nvPr>
-            <p:ph type="body" idx="1"/>
-          </p:nvPr>
-        </p:nvSpPr>
-        <p:spPr/>
-        <p:txBody>
-          <a:bodyPr/>
-          <a:lstStyle/>
-          <a:p>
-            <a:r>
-              <a:rPr lang="en-US" dirty="0"/>
-              <a:t>“plot3D” - </a:t>
-            </a:r>
-            <a:r>
-              <a:rPr lang="pt-BR" sz="1200" b="0" i="0" kern="1200" dirty="0" err="1">
-                <a:solidFill>
-                  <a:schemeClr val="tx1"/>
-                </a:solidFill>
-                <a:effectLst/>
-                <a:latin typeface="Arial" charset="0"/>
-                <a:ea typeface="+mn-ea"/>
-                <a:cs typeface="Arial" charset="0"/>
-              </a:rPr>
-              <a:t>Draws</a:t>
-            </a:r>
-            <a:r>
-              <a:rPr lang="pt-BR" sz="1200" b="0" i="0" kern="1200" dirty="0">
-                <a:solidFill>
-                  <a:schemeClr val="tx1"/>
-                </a:solidFill>
-                <a:effectLst/>
-                <a:latin typeface="Arial" charset="0"/>
-                <a:ea typeface="+mn-ea"/>
-                <a:cs typeface="Arial" charset="0"/>
-              </a:rPr>
-              <a:t> a 3D </a:t>
-            </a:r>
-            <a:r>
-              <a:rPr lang="pt-BR" sz="1200" b="0" i="0" kern="1200" dirty="0" err="1">
-                <a:solidFill>
-                  <a:schemeClr val="tx1"/>
-                </a:solidFill>
-                <a:effectLst/>
-                <a:latin typeface="Arial" charset="0"/>
-                <a:ea typeface="+mn-ea"/>
-                <a:cs typeface="Arial" charset="0"/>
-              </a:rPr>
-              <a:t>scatterplot</a:t>
-            </a:r>
-            <a:r>
-              <a:rPr lang="pt-BR" sz="1200" b="0" i="0" kern="1200" dirty="0">
-                <a:solidFill>
-                  <a:schemeClr val="tx1"/>
-                </a:solidFill>
-                <a:effectLst/>
-                <a:latin typeface="Arial" charset="0"/>
-                <a:ea typeface="+mn-ea"/>
-                <a:cs typeface="Arial" charset="0"/>
-              </a:rPr>
-              <a:t>, </a:t>
-            </a:r>
-            <a:r>
-              <a:rPr lang="en-US" sz="1200" b="0" i="0" kern="1200" dirty="0" err="1">
-                <a:solidFill>
-                  <a:schemeClr val="tx1"/>
-                </a:solidFill>
-                <a:effectLst/>
-                <a:latin typeface="Arial" charset="0"/>
-                <a:ea typeface="+mn-ea"/>
-                <a:cs typeface="Arial" charset="0"/>
-              </a:rPr>
-              <a:t>visualising</a:t>
-            </a:r>
-            <a:r>
-              <a:rPr lang="en-US" sz="1200" b="0" i="0" kern="1200" dirty="0">
-                <a:solidFill>
-                  <a:schemeClr val="tx1"/>
-                </a:solidFill>
-                <a:effectLst/>
-                <a:latin typeface="Arial" charset="0"/>
-                <a:ea typeface="+mn-ea"/>
-                <a:cs typeface="Arial" charset="0"/>
-              </a:rPr>
-              <a:t> 2-D and 3-D data.</a:t>
-            </a:r>
-          </a:p>
-          <a:p>
-            <a:endParaRPr lang="en-US" dirty="0"/>
-          </a:p>
-          <a:p>
-            <a:r>
-              <a:rPr lang="en-US" dirty="0"/>
-              <a:t>“fields” - For curve, surface and function fitting with emphasis on spatial data, geostatistics and spatial statistics.</a:t>
-            </a:r>
-          </a:p>
-          <a:p>
-            <a:endParaRPr lang="en-US" dirty="0"/>
-          </a:p>
-          <a:p>
-            <a:r>
-              <a:rPr lang="en-US" dirty="0"/>
-              <a:t>“lattice” - </a:t>
-            </a:r>
-            <a:r>
-              <a:rPr lang="en-US" sz="1200" b="0" i="0" kern="1200" dirty="0">
-                <a:solidFill>
-                  <a:schemeClr val="tx1"/>
-                </a:solidFill>
-                <a:effectLst/>
-                <a:latin typeface="Arial" charset="0"/>
-                <a:ea typeface="+mn-ea"/>
-                <a:cs typeface="Arial" charset="0"/>
-              </a:rPr>
-              <a:t>Improve the graphics by providing better defaults and the ability to easily display multivariate relationships</a:t>
-            </a:r>
-          </a:p>
-          <a:p>
-            <a:endParaRPr lang="en-US" sz="1200" b="0" i="0" kern="1200" dirty="0">
-              <a:solidFill>
-                <a:schemeClr val="tx1"/>
-              </a:solidFill>
-              <a:effectLst/>
-              <a:latin typeface="Arial" charset="0"/>
-              <a:ea typeface="+mn-ea"/>
-              <a:cs typeface="Arial" charset="0"/>
-            </a:endParaRPr>
-          </a:p>
-          <a:p>
-            <a:r>
-              <a:rPr lang="en-US" sz="1200" b="0" i="0" kern="1200" dirty="0">
-                <a:solidFill>
-                  <a:schemeClr val="tx1"/>
-                </a:solidFill>
-                <a:effectLst/>
-                <a:latin typeface="Arial" charset="0"/>
-                <a:ea typeface="+mn-ea"/>
-                <a:cs typeface="Arial" charset="0"/>
-              </a:rPr>
-              <a:t>“</a:t>
-            </a:r>
-            <a:r>
-              <a:rPr lang="en-US" sz="1200" b="0" i="0" kern="1200" dirty="0" err="1">
-                <a:solidFill>
-                  <a:schemeClr val="tx1"/>
-                </a:solidFill>
-                <a:effectLst/>
-                <a:latin typeface="Arial" charset="0"/>
-                <a:ea typeface="+mn-ea"/>
-                <a:cs typeface="Arial" charset="0"/>
-              </a:rPr>
-              <a:t>corrplot</a:t>
-            </a:r>
-            <a:r>
-              <a:rPr lang="en-US" sz="1200" b="0" i="0" kern="1200" dirty="0">
-                <a:solidFill>
-                  <a:schemeClr val="tx1"/>
-                </a:solidFill>
-                <a:effectLst/>
-                <a:latin typeface="Arial" charset="0"/>
-                <a:ea typeface="+mn-ea"/>
-                <a:cs typeface="Arial" charset="0"/>
-              </a:rPr>
-              <a:t>” - graphical display of a correlation matrix</a:t>
-            </a:r>
-          </a:p>
-          <a:p>
-            <a:endParaRPr lang="en-US" dirty="0"/>
-          </a:p>
-        </p:txBody>
-      </p:sp>
-      <p:sp>
-        <p:nvSpPr>
-          <p:cNvPr id="4" name="Espaço Reservado para Número de Slide 3"/>
-          <p:cNvSpPr>
-            <a:spLocks noGrp="1"/>
-          </p:cNvSpPr>
-          <p:nvPr>
-            <p:ph type="sldNum" sz="quarter" idx="5"/>
-          </p:nvPr>
-        </p:nvSpPr>
-        <p:spPr/>
-        <p:txBody>
-          <a:bodyPr/>
-          <a:lstStyle/>
-          <a:p>
-            <a:pPr>
-              <a:defRPr/>
-            </a:pPr>
-            <a:fld id="{CCF50032-4F35-4F83-95D4-9BD11C7D399C}" type="slidenum">
-              <a:rPr lang="fr-BE" smtClean="0"/>
-              <a:pPr>
-                <a:defRPr/>
-              </a:pPr>
-              <a:t>14</a:t>
-            </a:fld>
-            <a:endParaRPr lang="fr-BE"/>
-          </a:p>
-        </p:txBody>
-      </p:sp>
-    </p:spTree>
-    <p:extLst>
-      <p:ext uri="{BB962C8B-B14F-4D97-AF65-F5344CB8AC3E}">
-        <p14:creationId xmlns:p14="http://schemas.microsoft.com/office/powerpoint/2010/main" val="891316113"/>
-      </p:ext>
-    </p:extLst>
-  </p:cSld>
-  <p:clrMapOvr>
-    <a:masterClrMapping/>
-  </p:clrMapOvr>
-</p:notes>
-</file>
-
-<file path=ppt/notesSlides/notesSlide6.xml><?xml version="1.0" encoding="utf-8"?>
-<p:notes xmlns:a="http://schemas.openxmlformats.org/drawingml/2006/main" xmlns:r="http://schemas.openxmlformats.org/officeDocument/2006/relationships" xmlns:p="http://schemas.openxmlformats.org/presentationml/2006/main">
-  <p:cSld>
-    <p:spTree>
-      <p:nvGrpSpPr>
-        <p:cNvPr id="1" name=""/>
-        <p:cNvGrpSpPr/>
-        <p:nvPr/>
-      </p:nvGrpSpPr>
-      <p:grpSpPr>
-        <a:xfrm>
-          <a:off x="0" y="0"/>
-          <a:ext cx="0" cy="0"/>
-          <a:chOff x="0" y="0"/>
-          <a:chExt cx="0" cy="0"/>
-        </a:xfrm>
-      </p:grpSpPr>
-      <p:sp>
-        <p:nvSpPr>
-          <p:cNvPr id="2" name="Espaço Reservado para Imagem de Slide 1"/>
-          <p:cNvSpPr>
-            <a:spLocks noGrp="1" noRot="1" noChangeAspect="1"/>
-          </p:cNvSpPr>
-          <p:nvPr>
-            <p:ph type="sldImg"/>
-          </p:nvPr>
-        </p:nvSpPr>
-        <p:spPr/>
-      </p:sp>
-      <p:sp>
-        <p:nvSpPr>
-          <p:cNvPr id="3" name="Espaço Reservado para Anotações 2"/>
-          <p:cNvSpPr>
-            <a:spLocks noGrp="1"/>
-          </p:cNvSpPr>
-          <p:nvPr>
-            <p:ph type="body" idx="1"/>
-          </p:nvPr>
-        </p:nvSpPr>
-        <p:spPr/>
-        <p:txBody>
-          <a:bodyPr/>
-          <a:lstStyle/>
-          <a:p>
-            <a:r>
-              <a:rPr lang="en-US" dirty="0"/>
-              <a:t>“plot3D” - </a:t>
-            </a:r>
-            <a:r>
-              <a:rPr lang="pt-BR" sz="1200" b="0" i="0" kern="1200" dirty="0" err="1">
-                <a:solidFill>
-                  <a:schemeClr val="tx1"/>
-                </a:solidFill>
-                <a:effectLst/>
-                <a:latin typeface="Arial" charset="0"/>
-                <a:ea typeface="+mn-ea"/>
-                <a:cs typeface="Arial" charset="0"/>
-              </a:rPr>
-              <a:t>Draws</a:t>
-            </a:r>
-            <a:r>
-              <a:rPr lang="pt-BR" sz="1200" b="0" i="0" kern="1200" dirty="0">
-                <a:solidFill>
-                  <a:schemeClr val="tx1"/>
-                </a:solidFill>
-                <a:effectLst/>
-                <a:latin typeface="Arial" charset="0"/>
-                <a:ea typeface="+mn-ea"/>
-                <a:cs typeface="Arial" charset="0"/>
-              </a:rPr>
-              <a:t> a 3D </a:t>
-            </a:r>
-            <a:r>
-              <a:rPr lang="pt-BR" sz="1200" b="0" i="0" kern="1200" dirty="0" err="1">
-                <a:solidFill>
-                  <a:schemeClr val="tx1"/>
-                </a:solidFill>
-                <a:effectLst/>
-                <a:latin typeface="Arial" charset="0"/>
-                <a:ea typeface="+mn-ea"/>
-                <a:cs typeface="Arial" charset="0"/>
-              </a:rPr>
-              <a:t>scatterplot</a:t>
-            </a:r>
-            <a:r>
-              <a:rPr lang="pt-BR" sz="1200" b="0" i="0" kern="1200" dirty="0">
-                <a:solidFill>
-                  <a:schemeClr val="tx1"/>
-                </a:solidFill>
-                <a:effectLst/>
-                <a:latin typeface="Arial" charset="0"/>
-                <a:ea typeface="+mn-ea"/>
-                <a:cs typeface="Arial" charset="0"/>
-              </a:rPr>
-              <a:t>, </a:t>
-            </a:r>
-            <a:r>
-              <a:rPr lang="en-US" sz="1200" b="0" i="0" kern="1200" dirty="0" err="1">
-                <a:solidFill>
-                  <a:schemeClr val="tx1"/>
-                </a:solidFill>
-                <a:effectLst/>
-                <a:latin typeface="Arial" charset="0"/>
-                <a:ea typeface="+mn-ea"/>
-                <a:cs typeface="Arial" charset="0"/>
-              </a:rPr>
-              <a:t>visualising</a:t>
-            </a:r>
-            <a:r>
-              <a:rPr lang="en-US" sz="1200" b="0" i="0" kern="1200" dirty="0">
-                <a:solidFill>
-                  <a:schemeClr val="tx1"/>
-                </a:solidFill>
-                <a:effectLst/>
-                <a:latin typeface="Arial" charset="0"/>
-                <a:ea typeface="+mn-ea"/>
-                <a:cs typeface="Arial" charset="0"/>
-              </a:rPr>
-              <a:t> 2-D and 3-D data.</a:t>
-            </a:r>
-          </a:p>
-          <a:p>
-            <a:endParaRPr lang="en-US" dirty="0"/>
-          </a:p>
-          <a:p>
-            <a:r>
-              <a:rPr lang="en-US" dirty="0"/>
-              <a:t>“fields” - For curve, surface and function fitting with emphasis on spatial data, geostatistics and spatial statistics.</a:t>
-            </a:r>
-          </a:p>
-          <a:p>
-            <a:endParaRPr lang="en-US" dirty="0"/>
-          </a:p>
-          <a:p>
-            <a:r>
-              <a:rPr lang="en-US" dirty="0"/>
-              <a:t>“lattice” - </a:t>
-            </a:r>
-            <a:r>
-              <a:rPr lang="en-US" sz="1200" b="0" i="0" kern="1200" dirty="0">
-                <a:solidFill>
-                  <a:schemeClr val="tx1"/>
-                </a:solidFill>
-                <a:effectLst/>
-                <a:latin typeface="Arial" charset="0"/>
-                <a:ea typeface="+mn-ea"/>
-                <a:cs typeface="Arial" charset="0"/>
-              </a:rPr>
-              <a:t>Improve the graphics by providing better defaults and the ability to easily display multivariate relationships</a:t>
-            </a:r>
-          </a:p>
-          <a:p>
-            <a:endParaRPr lang="en-US" sz="1200" b="0" i="0" kern="1200" dirty="0">
-              <a:solidFill>
-                <a:schemeClr val="tx1"/>
-              </a:solidFill>
-              <a:effectLst/>
-              <a:latin typeface="Arial" charset="0"/>
-              <a:ea typeface="+mn-ea"/>
-              <a:cs typeface="Arial" charset="0"/>
-            </a:endParaRPr>
-          </a:p>
-          <a:p>
-            <a:r>
-              <a:rPr lang="en-US" sz="1200" b="0" i="0" kern="1200" dirty="0">
-                <a:solidFill>
-                  <a:schemeClr val="tx1"/>
-                </a:solidFill>
-                <a:effectLst/>
-                <a:latin typeface="Arial" charset="0"/>
-                <a:ea typeface="+mn-ea"/>
-                <a:cs typeface="Arial" charset="0"/>
-              </a:rPr>
-              <a:t>“</a:t>
-            </a:r>
-            <a:r>
-              <a:rPr lang="en-US" sz="1200" b="0" i="0" kern="1200" dirty="0" err="1">
-                <a:solidFill>
-                  <a:schemeClr val="tx1"/>
-                </a:solidFill>
-                <a:effectLst/>
-                <a:latin typeface="Arial" charset="0"/>
-                <a:ea typeface="+mn-ea"/>
-                <a:cs typeface="Arial" charset="0"/>
-              </a:rPr>
-              <a:t>corrplot</a:t>
-            </a:r>
-            <a:r>
-              <a:rPr lang="en-US" sz="1200" b="0" i="0" kern="1200" dirty="0">
-                <a:solidFill>
-                  <a:schemeClr val="tx1"/>
-                </a:solidFill>
-                <a:effectLst/>
-                <a:latin typeface="Arial" charset="0"/>
-                <a:ea typeface="+mn-ea"/>
-                <a:cs typeface="Arial" charset="0"/>
-              </a:rPr>
-              <a:t>” - graphical display of a correlation matrix</a:t>
-            </a:r>
-          </a:p>
-          <a:p>
-            <a:endParaRPr lang="en-US" dirty="0"/>
-          </a:p>
-        </p:txBody>
-      </p:sp>
-      <p:sp>
-        <p:nvSpPr>
-          <p:cNvPr id="4" name="Espaço Reservado para Número de Slide 3"/>
-          <p:cNvSpPr>
-            <a:spLocks noGrp="1"/>
-          </p:cNvSpPr>
-          <p:nvPr>
-            <p:ph type="sldNum" sz="quarter" idx="5"/>
-          </p:nvPr>
-        </p:nvSpPr>
-        <p:spPr/>
-        <p:txBody>
-          <a:bodyPr/>
-          <a:lstStyle/>
-          <a:p>
-            <a:pPr>
-              <a:defRPr/>
-            </a:pPr>
-            <a:fld id="{CCF50032-4F35-4F83-95D4-9BD11C7D399C}" type="slidenum">
-              <a:rPr lang="fr-BE" smtClean="0"/>
-              <a:pPr>
-                <a:defRPr/>
-              </a:pPr>
-              <a:t>15</a:t>
-            </a:fld>
-            <a:endParaRPr lang="fr-BE"/>
-          </a:p>
-        </p:txBody>
-      </p:sp>
-    </p:spTree>
-    <p:extLst>
-      <p:ext uri="{BB962C8B-B14F-4D97-AF65-F5344CB8AC3E}">
-        <p14:creationId xmlns:p14="http://schemas.microsoft.com/office/powerpoint/2010/main" val="2493033118"/>
-      </p:ext>
-    </p:extLst>
-  </p:cSld>
-  <p:clrMapOvr>
-    <a:masterClrMapping/>
-  </p:clrMapOvr>
-</p:notes>
-</file>
-
-<file path=ppt/notesSlides/notesSlide7.xml><?xml version="1.0" encoding="utf-8"?>
-<p:notes xmlns:a="http://schemas.openxmlformats.org/drawingml/2006/main" xmlns:r="http://schemas.openxmlformats.org/officeDocument/2006/relationships" xmlns:p="http://schemas.openxmlformats.org/presentationml/2006/main">
-  <p:cSld>
-    <p:spTree>
-      <p:nvGrpSpPr>
-        <p:cNvPr id="1" name=""/>
-        <p:cNvGrpSpPr/>
-        <p:nvPr/>
-      </p:nvGrpSpPr>
-      <p:grpSpPr>
-        <a:xfrm>
-          <a:off x="0" y="0"/>
-          <a:ext cx="0" cy="0"/>
-          <a:chOff x="0" y="0"/>
-          <a:chExt cx="0" cy="0"/>
-        </a:xfrm>
-      </p:grpSpPr>
-      <p:sp>
-        <p:nvSpPr>
-          <p:cNvPr id="2" name="Espaço Reservado para Imagem de Slide 1"/>
-          <p:cNvSpPr>
-            <a:spLocks noGrp="1" noRot="1" noChangeAspect="1"/>
-          </p:cNvSpPr>
-          <p:nvPr>
-            <p:ph type="sldImg"/>
-          </p:nvPr>
-        </p:nvSpPr>
-        <p:spPr/>
-      </p:sp>
-      <p:sp>
-        <p:nvSpPr>
-          <p:cNvPr id="3" name="Espaço Reservado para Anotações 2"/>
-          <p:cNvSpPr>
-            <a:spLocks noGrp="1"/>
-          </p:cNvSpPr>
-          <p:nvPr>
-            <p:ph type="body" idx="1"/>
-          </p:nvPr>
-        </p:nvSpPr>
-        <p:spPr/>
-        <p:txBody>
-          <a:bodyPr/>
-          <a:lstStyle/>
-          <a:p>
-            <a:r>
-              <a:rPr lang="en-US" dirty="0"/>
-              <a:t>“plot3D” - </a:t>
-            </a:r>
-            <a:r>
-              <a:rPr lang="pt-BR" sz="1200" b="0" i="0" kern="1200" dirty="0" err="1">
-                <a:solidFill>
-                  <a:schemeClr val="tx1"/>
-                </a:solidFill>
-                <a:effectLst/>
-                <a:latin typeface="Arial" charset="0"/>
-                <a:ea typeface="+mn-ea"/>
-                <a:cs typeface="Arial" charset="0"/>
-              </a:rPr>
-              <a:t>Draws</a:t>
-            </a:r>
-            <a:r>
-              <a:rPr lang="pt-BR" sz="1200" b="0" i="0" kern="1200" dirty="0">
-                <a:solidFill>
-                  <a:schemeClr val="tx1"/>
-                </a:solidFill>
-                <a:effectLst/>
-                <a:latin typeface="Arial" charset="0"/>
-                <a:ea typeface="+mn-ea"/>
-                <a:cs typeface="Arial" charset="0"/>
-              </a:rPr>
-              <a:t> a 3D </a:t>
-            </a:r>
-            <a:r>
-              <a:rPr lang="pt-BR" sz="1200" b="0" i="0" kern="1200" dirty="0" err="1">
-                <a:solidFill>
-                  <a:schemeClr val="tx1"/>
-                </a:solidFill>
-                <a:effectLst/>
-                <a:latin typeface="Arial" charset="0"/>
-                <a:ea typeface="+mn-ea"/>
-                <a:cs typeface="Arial" charset="0"/>
-              </a:rPr>
-              <a:t>scatterplot</a:t>
-            </a:r>
-            <a:r>
-              <a:rPr lang="pt-BR" sz="1200" b="0" i="0" kern="1200" dirty="0">
-                <a:solidFill>
-                  <a:schemeClr val="tx1"/>
-                </a:solidFill>
-                <a:effectLst/>
-                <a:latin typeface="Arial" charset="0"/>
-                <a:ea typeface="+mn-ea"/>
-                <a:cs typeface="Arial" charset="0"/>
-              </a:rPr>
-              <a:t>, </a:t>
-            </a:r>
-            <a:r>
-              <a:rPr lang="en-US" sz="1200" b="0" i="0" kern="1200" dirty="0" err="1">
-                <a:solidFill>
-                  <a:schemeClr val="tx1"/>
-                </a:solidFill>
-                <a:effectLst/>
-                <a:latin typeface="Arial" charset="0"/>
-                <a:ea typeface="+mn-ea"/>
-                <a:cs typeface="Arial" charset="0"/>
-              </a:rPr>
-              <a:t>visualising</a:t>
-            </a:r>
-            <a:r>
-              <a:rPr lang="en-US" sz="1200" b="0" i="0" kern="1200" dirty="0">
-                <a:solidFill>
-                  <a:schemeClr val="tx1"/>
-                </a:solidFill>
-                <a:effectLst/>
-                <a:latin typeface="Arial" charset="0"/>
-                <a:ea typeface="+mn-ea"/>
-                <a:cs typeface="Arial" charset="0"/>
-              </a:rPr>
-              <a:t> 2-D and 3-D data.</a:t>
-            </a:r>
-          </a:p>
-          <a:p>
-            <a:endParaRPr lang="en-US" dirty="0"/>
-          </a:p>
-          <a:p>
-            <a:r>
-              <a:rPr lang="en-US" dirty="0"/>
-              <a:t>“fields” - For curve, surface and function fitting with emphasis on spatial data, geostatistics and spatial statistics.</a:t>
-            </a:r>
-          </a:p>
-          <a:p>
-            <a:endParaRPr lang="en-US" dirty="0"/>
-          </a:p>
-          <a:p>
-            <a:r>
-              <a:rPr lang="en-US" dirty="0"/>
-              <a:t>“lattice” - </a:t>
-            </a:r>
-            <a:r>
-              <a:rPr lang="en-US" sz="1200" b="0" i="0" kern="1200" dirty="0">
-                <a:solidFill>
-                  <a:schemeClr val="tx1"/>
-                </a:solidFill>
-                <a:effectLst/>
-                <a:latin typeface="Arial" charset="0"/>
-                <a:ea typeface="+mn-ea"/>
-                <a:cs typeface="Arial" charset="0"/>
-              </a:rPr>
-              <a:t>Improve the graphics by providing better defaults and the ability to easily display multivariate relationships</a:t>
-            </a:r>
-          </a:p>
-          <a:p>
-            <a:endParaRPr lang="en-US" sz="1200" b="0" i="0" kern="1200" dirty="0">
-              <a:solidFill>
-                <a:schemeClr val="tx1"/>
-              </a:solidFill>
-              <a:effectLst/>
-              <a:latin typeface="Arial" charset="0"/>
-              <a:ea typeface="+mn-ea"/>
-              <a:cs typeface="Arial" charset="0"/>
-            </a:endParaRPr>
-          </a:p>
-          <a:p>
-            <a:r>
-              <a:rPr lang="en-US" sz="1200" b="0" i="0" kern="1200" dirty="0">
-                <a:solidFill>
-                  <a:schemeClr val="tx1"/>
-                </a:solidFill>
-                <a:effectLst/>
-                <a:latin typeface="Arial" charset="0"/>
-                <a:ea typeface="+mn-ea"/>
-                <a:cs typeface="Arial" charset="0"/>
-              </a:rPr>
-              <a:t>“</a:t>
-            </a:r>
-            <a:r>
-              <a:rPr lang="en-US" sz="1200" b="0" i="0" kern="1200" dirty="0" err="1">
-                <a:solidFill>
-                  <a:schemeClr val="tx1"/>
-                </a:solidFill>
-                <a:effectLst/>
-                <a:latin typeface="Arial" charset="0"/>
-                <a:ea typeface="+mn-ea"/>
-                <a:cs typeface="Arial" charset="0"/>
-              </a:rPr>
-              <a:t>corrplot</a:t>
-            </a:r>
-            <a:r>
-              <a:rPr lang="en-US" sz="1200" b="0" i="0" kern="1200" dirty="0">
-                <a:solidFill>
-                  <a:schemeClr val="tx1"/>
-                </a:solidFill>
-                <a:effectLst/>
-                <a:latin typeface="Arial" charset="0"/>
-                <a:ea typeface="+mn-ea"/>
-                <a:cs typeface="Arial" charset="0"/>
-              </a:rPr>
-              <a:t>” - graphical display of a correlation matrix</a:t>
-            </a:r>
-          </a:p>
-          <a:p>
-            <a:endParaRPr lang="en-US" dirty="0"/>
-          </a:p>
-        </p:txBody>
-      </p:sp>
-      <p:sp>
-        <p:nvSpPr>
-          <p:cNvPr id="4" name="Espaço Reservado para Número de Slide 3"/>
-          <p:cNvSpPr>
-            <a:spLocks noGrp="1"/>
-          </p:cNvSpPr>
-          <p:nvPr>
-            <p:ph type="sldNum" sz="quarter" idx="5"/>
-          </p:nvPr>
-        </p:nvSpPr>
-        <p:spPr/>
-        <p:txBody>
-          <a:bodyPr/>
-          <a:lstStyle/>
-          <a:p>
-            <a:pPr>
-              <a:defRPr/>
-            </a:pPr>
-            <a:fld id="{CCF50032-4F35-4F83-95D4-9BD11C7D399C}" type="slidenum">
-              <a:rPr lang="fr-BE" smtClean="0"/>
-              <a:pPr>
-                <a:defRPr/>
-              </a:pPr>
-              <a:t>23</a:t>
-            </a:fld>
-            <a:endParaRPr lang="fr-BE"/>
-          </a:p>
-        </p:txBody>
-      </p:sp>
-    </p:spTree>
-    <p:extLst>
-      <p:ext uri="{BB962C8B-B14F-4D97-AF65-F5344CB8AC3E}">
-        <p14:creationId xmlns:p14="http://schemas.microsoft.com/office/powerpoint/2010/main" val="4087533036"/>
-      </p:ext>
-    </p:extLst>
-  </p:cSld>
-  <p:clrMapOvr>
-    <a:masterClrMapping/>
-  </p:clrMapOvr>
-</p:notes>
-</file>
-
-<file path=ppt/notesSlides/notesSlide8.xml><?xml version="1.0" encoding="utf-8"?>
-<p:notes xmlns:a="http://schemas.openxmlformats.org/drawingml/2006/main" xmlns:r="http://schemas.openxmlformats.org/officeDocument/2006/relationships" xmlns:p="http://schemas.openxmlformats.org/presentationml/2006/main">
-  <p:cSld>
-    <p:spTree>
-      <p:nvGrpSpPr>
-        <p:cNvPr id="1" name=""/>
-        <p:cNvGrpSpPr/>
-        <p:nvPr/>
-      </p:nvGrpSpPr>
-      <p:grpSpPr>
-        <a:xfrm>
-          <a:off x="0" y="0"/>
-          <a:ext cx="0" cy="0"/>
-          <a:chOff x="0" y="0"/>
-          <a:chExt cx="0" cy="0"/>
-        </a:xfrm>
-      </p:grpSpPr>
-      <p:sp>
-        <p:nvSpPr>
-          <p:cNvPr id="2" name="Espaço Reservado para Imagem de Slide 1"/>
-          <p:cNvSpPr>
-            <a:spLocks noGrp="1" noRot="1" noChangeAspect="1"/>
-          </p:cNvSpPr>
-          <p:nvPr>
-            <p:ph type="sldImg"/>
-          </p:nvPr>
-        </p:nvSpPr>
-        <p:spPr/>
-      </p:sp>
-      <p:sp>
-        <p:nvSpPr>
-          <p:cNvPr id="3" name="Espaço Reservado para Anotações 2"/>
-          <p:cNvSpPr>
-            <a:spLocks noGrp="1"/>
-          </p:cNvSpPr>
-          <p:nvPr>
-            <p:ph type="body" idx="1"/>
-          </p:nvPr>
-        </p:nvSpPr>
-        <p:spPr/>
-        <p:txBody>
-          <a:bodyPr/>
-          <a:lstStyle/>
-          <a:p>
-            <a:r>
-              <a:rPr lang="en-US" dirty="0"/>
-              <a:t>“plot3D” - </a:t>
-            </a:r>
-            <a:r>
-              <a:rPr lang="pt-BR" sz="1200" b="0" i="0" kern="1200" dirty="0" err="1">
-                <a:solidFill>
-                  <a:schemeClr val="tx1"/>
-                </a:solidFill>
-                <a:effectLst/>
-                <a:latin typeface="Arial" charset="0"/>
-                <a:ea typeface="+mn-ea"/>
-                <a:cs typeface="Arial" charset="0"/>
-              </a:rPr>
-              <a:t>Draws</a:t>
-            </a:r>
-            <a:r>
-              <a:rPr lang="pt-BR" sz="1200" b="0" i="0" kern="1200" dirty="0">
-                <a:solidFill>
-                  <a:schemeClr val="tx1"/>
-                </a:solidFill>
-                <a:effectLst/>
-                <a:latin typeface="Arial" charset="0"/>
-                <a:ea typeface="+mn-ea"/>
-                <a:cs typeface="Arial" charset="0"/>
-              </a:rPr>
-              <a:t> a 3D </a:t>
-            </a:r>
-            <a:r>
-              <a:rPr lang="pt-BR" sz="1200" b="0" i="0" kern="1200" dirty="0" err="1">
-                <a:solidFill>
-                  <a:schemeClr val="tx1"/>
-                </a:solidFill>
-                <a:effectLst/>
-                <a:latin typeface="Arial" charset="0"/>
-                <a:ea typeface="+mn-ea"/>
-                <a:cs typeface="Arial" charset="0"/>
-              </a:rPr>
-              <a:t>scatterplot</a:t>
-            </a:r>
-            <a:r>
-              <a:rPr lang="pt-BR" sz="1200" b="0" i="0" kern="1200" dirty="0">
-                <a:solidFill>
-                  <a:schemeClr val="tx1"/>
-                </a:solidFill>
-                <a:effectLst/>
-                <a:latin typeface="Arial" charset="0"/>
-                <a:ea typeface="+mn-ea"/>
-                <a:cs typeface="Arial" charset="0"/>
-              </a:rPr>
-              <a:t>, </a:t>
-            </a:r>
-            <a:r>
-              <a:rPr lang="en-US" sz="1200" b="0" i="0" kern="1200" dirty="0" err="1">
-                <a:solidFill>
-                  <a:schemeClr val="tx1"/>
-                </a:solidFill>
-                <a:effectLst/>
-                <a:latin typeface="Arial" charset="0"/>
-                <a:ea typeface="+mn-ea"/>
-                <a:cs typeface="Arial" charset="0"/>
-              </a:rPr>
-              <a:t>visualising</a:t>
-            </a:r>
-            <a:r>
-              <a:rPr lang="en-US" sz="1200" b="0" i="0" kern="1200" dirty="0">
-                <a:solidFill>
-                  <a:schemeClr val="tx1"/>
-                </a:solidFill>
-                <a:effectLst/>
-                <a:latin typeface="Arial" charset="0"/>
-                <a:ea typeface="+mn-ea"/>
-                <a:cs typeface="Arial" charset="0"/>
-              </a:rPr>
-              <a:t> 2-D and 3-D data.</a:t>
-            </a:r>
-          </a:p>
-          <a:p>
-            <a:endParaRPr lang="en-US" dirty="0"/>
-          </a:p>
-          <a:p>
-            <a:r>
-              <a:rPr lang="en-US" dirty="0"/>
-              <a:t>“fields” - For curve, surface and function fitting with emphasis on spatial data, geostatistics and spatial statistics.</a:t>
-            </a:r>
-          </a:p>
-          <a:p>
-            <a:endParaRPr lang="en-US" dirty="0"/>
-          </a:p>
-          <a:p>
-            <a:r>
-              <a:rPr lang="en-US" dirty="0"/>
-              <a:t>“lattice” - </a:t>
-            </a:r>
-            <a:r>
-              <a:rPr lang="en-US" sz="1200" b="0" i="0" kern="1200" dirty="0">
-                <a:solidFill>
-                  <a:schemeClr val="tx1"/>
-                </a:solidFill>
-                <a:effectLst/>
-                <a:latin typeface="Arial" charset="0"/>
-                <a:ea typeface="+mn-ea"/>
-                <a:cs typeface="Arial" charset="0"/>
-              </a:rPr>
-              <a:t>Improve the graphics by providing better defaults and the ability to easily display multivariate relationships</a:t>
-            </a:r>
-          </a:p>
-          <a:p>
-            <a:endParaRPr lang="en-US" sz="1200" b="0" i="0" kern="1200" dirty="0">
-              <a:solidFill>
-                <a:schemeClr val="tx1"/>
-              </a:solidFill>
-              <a:effectLst/>
-              <a:latin typeface="Arial" charset="0"/>
-              <a:ea typeface="+mn-ea"/>
-              <a:cs typeface="Arial" charset="0"/>
-            </a:endParaRPr>
-          </a:p>
-          <a:p>
-            <a:r>
-              <a:rPr lang="en-US" sz="1200" b="0" i="0" kern="1200" dirty="0">
-                <a:solidFill>
-                  <a:schemeClr val="tx1"/>
-                </a:solidFill>
-                <a:effectLst/>
-                <a:latin typeface="Arial" charset="0"/>
-                <a:ea typeface="+mn-ea"/>
-                <a:cs typeface="Arial" charset="0"/>
-              </a:rPr>
-              <a:t>“</a:t>
-            </a:r>
-            <a:r>
-              <a:rPr lang="en-US" sz="1200" b="0" i="0" kern="1200" dirty="0" err="1">
-                <a:solidFill>
-                  <a:schemeClr val="tx1"/>
-                </a:solidFill>
-                <a:effectLst/>
-                <a:latin typeface="Arial" charset="0"/>
-                <a:ea typeface="+mn-ea"/>
-                <a:cs typeface="Arial" charset="0"/>
-              </a:rPr>
-              <a:t>corrplot</a:t>
-            </a:r>
-            <a:r>
-              <a:rPr lang="en-US" sz="1200" b="0" i="0" kern="1200" dirty="0">
-                <a:solidFill>
-                  <a:schemeClr val="tx1"/>
-                </a:solidFill>
-                <a:effectLst/>
-                <a:latin typeface="Arial" charset="0"/>
-                <a:ea typeface="+mn-ea"/>
-                <a:cs typeface="Arial" charset="0"/>
-              </a:rPr>
-              <a:t>” - graphical display of a correlation matrix</a:t>
-            </a:r>
-          </a:p>
-          <a:p>
-            <a:endParaRPr lang="en-US" dirty="0"/>
-          </a:p>
-        </p:txBody>
-      </p:sp>
-      <p:sp>
-        <p:nvSpPr>
-          <p:cNvPr id="4" name="Espaço Reservado para Número de Slide 3"/>
-          <p:cNvSpPr>
-            <a:spLocks noGrp="1"/>
-          </p:cNvSpPr>
-          <p:nvPr>
-            <p:ph type="sldNum" sz="quarter" idx="5"/>
-          </p:nvPr>
-        </p:nvSpPr>
-        <p:spPr/>
-        <p:txBody>
-          <a:bodyPr/>
-          <a:lstStyle/>
-          <a:p>
-            <a:pPr>
-              <a:defRPr/>
-            </a:pPr>
-            <a:fld id="{CCF50032-4F35-4F83-95D4-9BD11C7D399C}" type="slidenum">
-              <a:rPr lang="fr-BE" smtClean="0"/>
-              <a:pPr>
-                <a:defRPr/>
-              </a:pPr>
-              <a:t>24</a:t>
-            </a:fld>
-            <a:endParaRPr lang="fr-BE"/>
-          </a:p>
-        </p:txBody>
-      </p:sp>
-    </p:spTree>
-    <p:extLst>
-      <p:ext uri="{BB962C8B-B14F-4D97-AF65-F5344CB8AC3E}">
-        <p14:creationId xmlns:p14="http://schemas.microsoft.com/office/powerpoint/2010/main" val="1408675618"/>
-      </p:ext>
-    </p:extLst>
-  </p:cSld>
-  <p:clrMapOvr>
-    <a:masterClrMapping/>
-  </p:clrMapOvr>
-</p:notes>
-</file>
-
-<file path=ppt/notesSlides/notesSlide9.xml><?xml version="1.0" encoding="utf-8"?>
-<p:notes xmlns:a="http://schemas.openxmlformats.org/drawingml/2006/main" xmlns:r="http://schemas.openxmlformats.org/officeDocument/2006/relationships" xmlns:p="http://schemas.openxmlformats.org/presentationml/2006/main">
-  <p:cSld>
-    <p:spTree>
-      <p:nvGrpSpPr>
-        <p:cNvPr id="1" name=""/>
-        <p:cNvGrpSpPr/>
-        <p:nvPr/>
-      </p:nvGrpSpPr>
-      <p:grpSpPr>
-        <a:xfrm>
-          <a:off x="0" y="0"/>
-          <a:ext cx="0" cy="0"/>
-          <a:chOff x="0" y="0"/>
-          <a:chExt cx="0" cy="0"/>
-        </a:xfrm>
-      </p:grpSpPr>
-      <p:sp>
-        <p:nvSpPr>
-          <p:cNvPr id="2" name="Espaço Reservado para Imagem de Slide 1"/>
-          <p:cNvSpPr>
-            <a:spLocks noGrp="1" noRot="1" noChangeAspect="1"/>
-          </p:cNvSpPr>
-          <p:nvPr>
-            <p:ph type="sldImg"/>
-          </p:nvPr>
-        </p:nvSpPr>
-        <p:spPr/>
-      </p:sp>
-      <p:sp>
-        <p:nvSpPr>
-          <p:cNvPr id="3" name="Espaço Reservado para Anotações 2"/>
-          <p:cNvSpPr>
-            <a:spLocks noGrp="1"/>
-          </p:cNvSpPr>
-          <p:nvPr>
-            <p:ph type="body" idx="1"/>
-          </p:nvPr>
-        </p:nvSpPr>
-        <p:spPr/>
-        <p:txBody>
-          <a:bodyPr/>
-          <a:lstStyle/>
-          <a:p>
-            <a:r>
-              <a:rPr lang="en-US" dirty="0"/>
-              <a:t>“plot3D” - </a:t>
-            </a:r>
-            <a:r>
-              <a:rPr lang="pt-BR" sz="1200" b="0" i="0" kern="1200" dirty="0" err="1">
-                <a:solidFill>
-                  <a:schemeClr val="tx1"/>
-                </a:solidFill>
-                <a:effectLst/>
-                <a:latin typeface="Arial" charset="0"/>
-                <a:ea typeface="+mn-ea"/>
-                <a:cs typeface="Arial" charset="0"/>
-              </a:rPr>
-              <a:t>Draws</a:t>
-            </a:r>
-            <a:r>
-              <a:rPr lang="pt-BR" sz="1200" b="0" i="0" kern="1200" dirty="0">
-                <a:solidFill>
-                  <a:schemeClr val="tx1"/>
-                </a:solidFill>
-                <a:effectLst/>
-                <a:latin typeface="Arial" charset="0"/>
-                <a:ea typeface="+mn-ea"/>
-                <a:cs typeface="Arial" charset="0"/>
-              </a:rPr>
-              <a:t> a 3D </a:t>
-            </a:r>
-            <a:r>
-              <a:rPr lang="pt-BR" sz="1200" b="0" i="0" kern="1200" dirty="0" err="1">
-                <a:solidFill>
-                  <a:schemeClr val="tx1"/>
-                </a:solidFill>
-                <a:effectLst/>
-                <a:latin typeface="Arial" charset="0"/>
-                <a:ea typeface="+mn-ea"/>
-                <a:cs typeface="Arial" charset="0"/>
-              </a:rPr>
-              <a:t>scatterplot</a:t>
-            </a:r>
-            <a:r>
-              <a:rPr lang="pt-BR" sz="1200" b="0" i="0" kern="1200" dirty="0">
-                <a:solidFill>
-                  <a:schemeClr val="tx1"/>
-                </a:solidFill>
-                <a:effectLst/>
-                <a:latin typeface="Arial" charset="0"/>
-                <a:ea typeface="+mn-ea"/>
-                <a:cs typeface="Arial" charset="0"/>
-              </a:rPr>
-              <a:t>, </a:t>
-            </a:r>
-            <a:r>
-              <a:rPr lang="en-US" sz="1200" b="0" i="0" kern="1200" dirty="0" err="1">
-                <a:solidFill>
-                  <a:schemeClr val="tx1"/>
-                </a:solidFill>
-                <a:effectLst/>
-                <a:latin typeface="Arial" charset="0"/>
-                <a:ea typeface="+mn-ea"/>
-                <a:cs typeface="Arial" charset="0"/>
-              </a:rPr>
-              <a:t>visualising</a:t>
-            </a:r>
-            <a:r>
-              <a:rPr lang="en-US" sz="1200" b="0" i="0" kern="1200" dirty="0">
-                <a:solidFill>
-                  <a:schemeClr val="tx1"/>
-                </a:solidFill>
-                <a:effectLst/>
-                <a:latin typeface="Arial" charset="0"/>
-                <a:ea typeface="+mn-ea"/>
-                <a:cs typeface="Arial" charset="0"/>
-              </a:rPr>
-              <a:t> 2-D and 3-D data.</a:t>
-            </a:r>
-          </a:p>
-          <a:p>
-            <a:endParaRPr lang="en-US" dirty="0"/>
-          </a:p>
-          <a:p>
-            <a:r>
-              <a:rPr lang="en-US" dirty="0"/>
-              <a:t>“fields” - For curve, surface and function fitting with emphasis on spatial data, geostatistics and spatial statistics.</a:t>
-            </a:r>
-          </a:p>
-          <a:p>
-            <a:endParaRPr lang="en-US" dirty="0"/>
-          </a:p>
-          <a:p>
-            <a:r>
-              <a:rPr lang="en-US" dirty="0"/>
-              <a:t>“lattice” - </a:t>
-            </a:r>
-            <a:r>
-              <a:rPr lang="en-US" sz="1200" b="0" i="0" kern="1200" dirty="0">
-                <a:solidFill>
-                  <a:schemeClr val="tx1"/>
-                </a:solidFill>
-                <a:effectLst/>
-                <a:latin typeface="Arial" charset="0"/>
-                <a:ea typeface="+mn-ea"/>
-                <a:cs typeface="Arial" charset="0"/>
-              </a:rPr>
-              <a:t>Improve the graphics by providing better defaults and the ability to easily display multivariate relationships</a:t>
-            </a:r>
-          </a:p>
-          <a:p>
-            <a:endParaRPr lang="en-US" sz="1200" b="0" i="0" kern="1200" dirty="0">
-              <a:solidFill>
-                <a:schemeClr val="tx1"/>
-              </a:solidFill>
-              <a:effectLst/>
-              <a:latin typeface="Arial" charset="0"/>
-              <a:ea typeface="+mn-ea"/>
-              <a:cs typeface="Arial" charset="0"/>
-            </a:endParaRPr>
-          </a:p>
-          <a:p>
-            <a:r>
-              <a:rPr lang="en-US" sz="1200" b="0" i="0" kern="1200" dirty="0">
-                <a:solidFill>
-                  <a:schemeClr val="tx1"/>
-                </a:solidFill>
-                <a:effectLst/>
-                <a:latin typeface="Arial" charset="0"/>
-                <a:ea typeface="+mn-ea"/>
-                <a:cs typeface="Arial" charset="0"/>
-              </a:rPr>
-              <a:t>“</a:t>
-            </a:r>
-            <a:r>
-              <a:rPr lang="en-US" sz="1200" b="0" i="0" kern="1200" dirty="0" err="1">
-                <a:solidFill>
-                  <a:schemeClr val="tx1"/>
-                </a:solidFill>
-                <a:effectLst/>
-                <a:latin typeface="Arial" charset="0"/>
-                <a:ea typeface="+mn-ea"/>
-                <a:cs typeface="Arial" charset="0"/>
-              </a:rPr>
-              <a:t>corrplot</a:t>
-            </a:r>
-            <a:r>
-              <a:rPr lang="en-US" sz="1200" b="0" i="0" kern="1200" dirty="0">
-                <a:solidFill>
-                  <a:schemeClr val="tx1"/>
-                </a:solidFill>
-                <a:effectLst/>
-                <a:latin typeface="Arial" charset="0"/>
-                <a:ea typeface="+mn-ea"/>
-                <a:cs typeface="Arial" charset="0"/>
-              </a:rPr>
-              <a:t>” - graphical display of a correlation matrix</a:t>
-            </a:r>
-          </a:p>
-          <a:p>
-            <a:endParaRPr lang="en-US" dirty="0"/>
-          </a:p>
-        </p:txBody>
-      </p:sp>
-      <p:sp>
-        <p:nvSpPr>
-          <p:cNvPr id="4" name="Espaço Reservado para Número de Slide 3"/>
-          <p:cNvSpPr>
-            <a:spLocks noGrp="1"/>
-          </p:cNvSpPr>
-          <p:nvPr>
-            <p:ph type="sldNum" sz="quarter" idx="5"/>
-          </p:nvPr>
-        </p:nvSpPr>
-        <p:spPr/>
-        <p:txBody>
-          <a:bodyPr/>
-          <a:lstStyle/>
-          <a:p>
-            <a:pPr>
-              <a:defRPr/>
-            </a:pPr>
-            <a:fld id="{CCF50032-4F35-4F83-95D4-9BD11C7D399C}" type="slidenum">
-              <a:rPr lang="fr-BE" smtClean="0"/>
-              <a:pPr>
-                <a:defRPr/>
-              </a:pPr>
-              <a:t>25</a:t>
-            </a:fld>
-            <a:endParaRPr lang="fr-BE"/>
-          </a:p>
-        </p:txBody>
-      </p:sp>
-    </p:spTree>
-    <p:extLst>
-      <p:ext uri="{BB962C8B-B14F-4D97-AF65-F5344CB8AC3E}">
-        <p14:creationId xmlns:p14="http://schemas.microsoft.com/office/powerpoint/2010/main" val="2478975607"/>
       </p:ext>
     </p:extLst>
   </p:cSld>
@@ -5290,2171 +3612,6 @@
 </p:sld>
 </file>
 
-<file path=ppt/slides/slide13.xml><?xml version="1.0" encoding="utf-8"?>
-<p:sld xmlns:a="http://schemas.openxmlformats.org/drawingml/2006/main" xmlns:r="http://schemas.openxmlformats.org/officeDocument/2006/relationships" xmlns:p="http://schemas.openxmlformats.org/presentationml/2006/main">
-  <p:cSld>
-    <p:spTree>
-      <p:nvGrpSpPr>
-        <p:cNvPr id="1" name=""/>
-        <p:cNvGrpSpPr/>
-        <p:nvPr/>
-      </p:nvGrpSpPr>
-      <p:grpSpPr>
-        <a:xfrm>
-          <a:off x="0" y="0"/>
-          <a:ext cx="0" cy="0"/>
-          <a:chOff x="0" y="0"/>
-          <a:chExt cx="0" cy="0"/>
-        </a:xfrm>
-      </p:grpSpPr>
-      <p:sp>
-        <p:nvSpPr>
-          <p:cNvPr id="2" name="Titre 1"/>
-          <p:cNvSpPr>
-            <a:spLocks noGrp="1"/>
-          </p:cNvSpPr>
-          <p:nvPr>
-            <p:ph type="title"/>
-          </p:nvPr>
-        </p:nvSpPr>
-        <p:spPr>
-          <a:xfrm>
-            <a:off x="457200" y="274638"/>
-            <a:ext cx="7620000" cy="1143000"/>
-          </a:xfrm>
-        </p:spPr>
-        <p:txBody>
-          <a:bodyPr/>
-          <a:lstStyle/>
-          <a:p>
-            <a:r>
-              <a:rPr lang="fr-BE" sz="3600" dirty="0" err="1"/>
-              <a:t>From</a:t>
-            </a:r>
-            <a:r>
-              <a:rPr lang="fr-BE" sz="3600" dirty="0"/>
-              <a:t> R data type to R Data structures</a:t>
-            </a:r>
-          </a:p>
-        </p:txBody>
-      </p:sp>
-      <p:sp>
-        <p:nvSpPr>
-          <p:cNvPr id="18" name="Footer Placeholder 4"/>
-          <p:cNvSpPr txBox="1">
-            <a:spLocks/>
-          </p:cNvSpPr>
-          <p:nvPr/>
-        </p:nvSpPr>
-        <p:spPr>
-          <a:xfrm rot="16200000">
-            <a:off x="7587456" y="4048919"/>
-            <a:ext cx="2366963" cy="365125"/>
-          </a:xfrm>
-          <a:prstGeom prst="rect">
-            <a:avLst/>
-          </a:prstGeom>
-        </p:spPr>
-        <p:txBody>
-          <a:bodyPr vert="horz" lIns="91440" tIns="45720" rIns="91440" bIns="45720" rtlCol="0" anchor="ctr"/>
-          <a:lstStyle>
-            <a:defPPr>
-              <a:defRPr lang="fr-BE"/>
-            </a:defPPr>
-            <a:lvl1pPr algn="ctr" rtl="0" fontAlgn="base">
-              <a:spcBef>
-                <a:spcPct val="0"/>
-              </a:spcBef>
-              <a:spcAft>
-                <a:spcPct val="0"/>
-              </a:spcAft>
-              <a:defRPr sz="1200" kern="1200" dirty="0" smtClean="0">
-                <a:solidFill>
-                  <a:schemeClr val="bg2"/>
-                </a:solidFill>
-                <a:latin typeface="Arial" charset="0"/>
-                <a:ea typeface="+mn-ea"/>
-                <a:cs typeface="Arial" charset="0"/>
-              </a:defRPr>
-            </a:lvl1pPr>
-            <a:lvl2pPr marL="457200" algn="ctr" rtl="0" fontAlgn="base">
-              <a:spcBef>
-                <a:spcPct val="0"/>
-              </a:spcBef>
-              <a:spcAft>
-                <a:spcPct val="0"/>
-              </a:spcAft>
-              <a:defRPr kern="1200">
-                <a:solidFill>
-                  <a:schemeClr val="tx1"/>
-                </a:solidFill>
-                <a:latin typeface="Arial" charset="0"/>
-                <a:ea typeface="+mn-ea"/>
-                <a:cs typeface="Arial" charset="0"/>
-              </a:defRPr>
-            </a:lvl2pPr>
-            <a:lvl3pPr marL="914400" algn="ctr" rtl="0" fontAlgn="base">
-              <a:spcBef>
-                <a:spcPct val="0"/>
-              </a:spcBef>
-              <a:spcAft>
-                <a:spcPct val="0"/>
-              </a:spcAft>
-              <a:defRPr kern="1200">
-                <a:solidFill>
-                  <a:schemeClr val="tx1"/>
-                </a:solidFill>
-                <a:latin typeface="Arial" charset="0"/>
-                <a:ea typeface="+mn-ea"/>
-                <a:cs typeface="Arial" charset="0"/>
-              </a:defRPr>
-            </a:lvl3pPr>
-            <a:lvl4pPr marL="1371600" algn="ctr" rtl="0" fontAlgn="base">
-              <a:spcBef>
-                <a:spcPct val="0"/>
-              </a:spcBef>
-              <a:spcAft>
-                <a:spcPct val="0"/>
-              </a:spcAft>
-              <a:defRPr kern="1200">
-                <a:solidFill>
-                  <a:schemeClr val="tx1"/>
-                </a:solidFill>
-                <a:latin typeface="Arial" charset="0"/>
-                <a:ea typeface="+mn-ea"/>
-                <a:cs typeface="Arial" charset="0"/>
-              </a:defRPr>
-            </a:lvl4pPr>
-            <a:lvl5pPr marL="1828800" algn="ctr" rtl="0" fontAlgn="base">
-              <a:spcBef>
-                <a:spcPct val="0"/>
-              </a:spcBef>
-              <a:spcAft>
-                <a:spcPct val="0"/>
-              </a:spcAft>
-              <a:defRPr kern="1200">
-                <a:solidFill>
-                  <a:schemeClr val="tx1"/>
-                </a:solidFill>
-                <a:latin typeface="Arial" charset="0"/>
-                <a:ea typeface="+mn-ea"/>
-                <a:cs typeface="Arial" charset="0"/>
-              </a:defRPr>
-            </a:lvl5pPr>
-            <a:lvl6pPr marL="2286000" algn="l" defTabSz="914400" rtl="0" eaLnBrk="1" latinLnBrk="0" hangingPunct="1">
-              <a:defRPr kern="1200">
-                <a:solidFill>
-                  <a:schemeClr val="tx1"/>
-                </a:solidFill>
-                <a:latin typeface="Arial" charset="0"/>
-                <a:ea typeface="+mn-ea"/>
-                <a:cs typeface="Arial" charset="0"/>
-              </a:defRPr>
-            </a:lvl6pPr>
-            <a:lvl7pPr marL="2743200" algn="l" defTabSz="914400" rtl="0" eaLnBrk="1" latinLnBrk="0" hangingPunct="1">
-              <a:defRPr kern="1200">
-                <a:solidFill>
-                  <a:schemeClr val="tx1"/>
-                </a:solidFill>
-                <a:latin typeface="Arial" charset="0"/>
-                <a:ea typeface="+mn-ea"/>
-                <a:cs typeface="Arial" charset="0"/>
-              </a:defRPr>
-            </a:lvl7pPr>
-            <a:lvl8pPr marL="3200400" algn="l" defTabSz="914400" rtl="0" eaLnBrk="1" latinLnBrk="0" hangingPunct="1">
-              <a:defRPr kern="1200">
-                <a:solidFill>
-                  <a:schemeClr val="tx1"/>
-                </a:solidFill>
-                <a:latin typeface="Arial" charset="0"/>
-                <a:ea typeface="+mn-ea"/>
-                <a:cs typeface="Arial" charset="0"/>
-              </a:defRPr>
-            </a:lvl8pPr>
-            <a:lvl9pPr marL="3657600" algn="l" defTabSz="914400" rtl="0" eaLnBrk="1" latinLnBrk="0" hangingPunct="1">
-              <a:defRPr kern="1200">
-                <a:solidFill>
-                  <a:schemeClr val="tx1"/>
-                </a:solidFill>
-                <a:latin typeface="Arial" charset="0"/>
-                <a:ea typeface="+mn-ea"/>
-                <a:cs typeface="Arial" charset="0"/>
-              </a:defRPr>
-            </a:lvl9pPr>
-          </a:lstStyle>
-          <a:p>
-            <a:pPr>
-              <a:defRPr/>
-            </a:pPr>
-            <a:r>
-              <a:rPr lang="fr-FR" dirty="0" err="1"/>
-              <a:t>Geostatistics</a:t>
-            </a:r>
-            <a:endParaRPr lang="fr-FR" dirty="0"/>
-          </a:p>
-        </p:txBody>
-      </p:sp>
-    </p:spTree>
-    <p:extLst>
-      <p:ext uri="{BB962C8B-B14F-4D97-AF65-F5344CB8AC3E}">
-        <p14:creationId xmlns:p14="http://schemas.microsoft.com/office/powerpoint/2010/main" val="1242697365"/>
-      </p:ext>
-    </p:extLst>
-  </p:cSld>
-  <p:clrMapOvr>
-    <a:masterClrMapping/>
-  </p:clrMapOvr>
-  <p:transition spd="med">
-    <p:strips dir="rd"/>
-  </p:transition>
-</p:sld>
-</file>
-
-<file path=ppt/slides/slide14.xml><?xml version="1.0" encoding="utf-8"?>
-<p:sld xmlns:a="http://schemas.openxmlformats.org/drawingml/2006/main" xmlns:r="http://schemas.openxmlformats.org/officeDocument/2006/relationships" xmlns:p="http://schemas.openxmlformats.org/presentationml/2006/main">
-  <p:cSld>
-    <p:spTree>
-      <p:nvGrpSpPr>
-        <p:cNvPr id="1" name=""/>
-        <p:cNvGrpSpPr/>
-        <p:nvPr/>
-      </p:nvGrpSpPr>
-      <p:grpSpPr>
-        <a:xfrm>
-          <a:off x="0" y="0"/>
-          <a:ext cx="0" cy="0"/>
-          <a:chOff x="0" y="0"/>
-          <a:chExt cx="0" cy="0"/>
-        </a:xfrm>
-      </p:grpSpPr>
-      <p:sp>
-        <p:nvSpPr>
-          <p:cNvPr id="2" name="Titre 1"/>
-          <p:cNvSpPr>
-            <a:spLocks noGrp="1"/>
-          </p:cNvSpPr>
-          <p:nvPr>
-            <p:ph type="title"/>
-          </p:nvPr>
-        </p:nvSpPr>
-        <p:spPr>
-          <a:xfrm>
-            <a:off x="457200" y="274638"/>
-            <a:ext cx="7620000" cy="1143000"/>
-          </a:xfrm>
-        </p:spPr>
-        <p:txBody>
-          <a:bodyPr/>
-          <a:lstStyle/>
-          <a:p>
-            <a:r>
-              <a:rPr lang="fr-BE" dirty="0"/>
-              <a:t>Data frame structure</a:t>
-            </a:r>
-          </a:p>
-        </p:txBody>
-      </p:sp>
-      <p:sp>
-        <p:nvSpPr>
-          <p:cNvPr id="18" name="Footer Placeholder 4"/>
-          <p:cNvSpPr txBox="1">
-            <a:spLocks/>
-          </p:cNvSpPr>
-          <p:nvPr/>
-        </p:nvSpPr>
-        <p:spPr>
-          <a:xfrm rot="16200000">
-            <a:off x="7587456" y="4048919"/>
-            <a:ext cx="2366963" cy="365125"/>
-          </a:xfrm>
-          <a:prstGeom prst="rect">
-            <a:avLst/>
-          </a:prstGeom>
-        </p:spPr>
-        <p:txBody>
-          <a:bodyPr vert="horz" lIns="91440" tIns="45720" rIns="91440" bIns="45720" rtlCol="0" anchor="ctr"/>
-          <a:lstStyle>
-            <a:defPPr>
-              <a:defRPr lang="fr-BE"/>
-            </a:defPPr>
-            <a:lvl1pPr algn="ctr" rtl="0" fontAlgn="base">
-              <a:spcBef>
-                <a:spcPct val="0"/>
-              </a:spcBef>
-              <a:spcAft>
-                <a:spcPct val="0"/>
-              </a:spcAft>
-              <a:defRPr sz="1200" kern="1200" dirty="0" smtClean="0">
-                <a:solidFill>
-                  <a:schemeClr val="bg2"/>
-                </a:solidFill>
-                <a:latin typeface="Arial" charset="0"/>
-                <a:ea typeface="+mn-ea"/>
-                <a:cs typeface="Arial" charset="0"/>
-              </a:defRPr>
-            </a:lvl1pPr>
-            <a:lvl2pPr marL="457200" algn="ctr" rtl="0" fontAlgn="base">
-              <a:spcBef>
-                <a:spcPct val="0"/>
-              </a:spcBef>
-              <a:spcAft>
-                <a:spcPct val="0"/>
-              </a:spcAft>
-              <a:defRPr kern="1200">
-                <a:solidFill>
-                  <a:schemeClr val="tx1"/>
-                </a:solidFill>
-                <a:latin typeface="Arial" charset="0"/>
-                <a:ea typeface="+mn-ea"/>
-                <a:cs typeface="Arial" charset="0"/>
-              </a:defRPr>
-            </a:lvl2pPr>
-            <a:lvl3pPr marL="914400" algn="ctr" rtl="0" fontAlgn="base">
-              <a:spcBef>
-                <a:spcPct val="0"/>
-              </a:spcBef>
-              <a:spcAft>
-                <a:spcPct val="0"/>
-              </a:spcAft>
-              <a:defRPr kern="1200">
-                <a:solidFill>
-                  <a:schemeClr val="tx1"/>
-                </a:solidFill>
-                <a:latin typeface="Arial" charset="0"/>
-                <a:ea typeface="+mn-ea"/>
-                <a:cs typeface="Arial" charset="0"/>
-              </a:defRPr>
-            </a:lvl3pPr>
-            <a:lvl4pPr marL="1371600" algn="ctr" rtl="0" fontAlgn="base">
-              <a:spcBef>
-                <a:spcPct val="0"/>
-              </a:spcBef>
-              <a:spcAft>
-                <a:spcPct val="0"/>
-              </a:spcAft>
-              <a:defRPr kern="1200">
-                <a:solidFill>
-                  <a:schemeClr val="tx1"/>
-                </a:solidFill>
-                <a:latin typeface="Arial" charset="0"/>
-                <a:ea typeface="+mn-ea"/>
-                <a:cs typeface="Arial" charset="0"/>
-              </a:defRPr>
-            </a:lvl4pPr>
-            <a:lvl5pPr marL="1828800" algn="ctr" rtl="0" fontAlgn="base">
-              <a:spcBef>
-                <a:spcPct val="0"/>
-              </a:spcBef>
-              <a:spcAft>
-                <a:spcPct val="0"/>
-              </a:spcAft>
-              <a:defRPr kern="1200">
-                <a:solidFill>
-                  <a:schemeClr val="tx1"/>
-                </a:solidFill>
-                <a:latin typeface="Arial" charset="0"/>
-                <a:ea typeface="+mn-ea"/>
-                <a:cs typeface="Arial" charset="0"/>
-              </a:defRPr>
-            </a:lvl5pPr>
-            <a:lvl6pPr marL="2286000" algn="l" defTabSz="914400" rtl="0" eaLnBrk="1" latinLnBrk="0" hangingPunct="1">
-              <a:defRPr kern="1200">
-                <a:solidFill>
-                  <a:schemeClr val="tx1"/>
-                </a:solidFill>
-                <a:latin typeface="Arial" charset="0"/>
-                <a:ea typeface="+mn-ea"/>
-                <a:cs typeface="Arial" charset="0"/>
-              </a:defRPr>
-            </a:lvl6pPr>
-            <a:lvl7pPr marL="2743200" algn="l" defTabSz="914400" rtl="0" eaLnBrk="1" latinLnBrk="0" hangingPunct="1">
-              <a:defRPr kern="1200">
-                <a:solidFill>
-                  <a:schemeClr val="tx1"/>
-                </a:solidFill>
-                <a:latin typeface="Arial" charset="0"/>
-                <a:ea typeface="+mn-ea"/>
-                <a:cs typeface="Arial" charset="0"/>
-              </a:defRPr>
-            </a:lvl7pPr>
-            <a:lvl8pPr marL="3200400" algn="l" defTabSz="914400" rtl="0" eaLnBrk="1" latinLnBrk="0" hangingPunct="1">
-              <a:defRPr kern="1200">
-                <a:solidFill>
-                  <a:schemeClr val="tx1"/>
-                </a:solidFill>
-                <a:latin typeface="Arial" charset="0"/>
-                <a:ea typeface="+mn-ea"/>
-                <a:cs typeface="Arial" charset="0"/>
-              </a:defRPr>
-            </a:lvl8pPr>
-            <a:lvl9pPr marL="3657600" algn="l" defTabSz="914400" rtl="0" eaLnBrk="1" latinLnBrk="0" hangingPunct="1">
-              <a:defRPr kern="1200">
-                <a:solidFill>
-                  <a:schemeClr val="tx1"/>
-                </a:solidFill>
-                <a:latin typeface="Arial" charset="0"/>
-                <a:ea typeface="+mn-ea"/>
-                <a:cs typeface="Arial" charset="0"/>
-              </a:defRPr>
-            </a:lvl9pPr>
-          </a:lstStyle>
-          <a:p>
-            <a:pPr>
-              <a:defRPr/>
-            </a:pPr>
-            <a:r>
-              <a:rPr lang="fr-FR" dirty="0" err="1"/>
-              <a:t>Geostatistics</a:t>
-            </a:r>
-            <a:endParaRPr lang="fr-FR" dirty="0"/>
-          </a:p>
-        </p:txBody>
-      </p:sp>
-      <p:pic>
-        <p:nvPicPr>
-          <p:cNvPr id="7" name="Imagem 6">
-            <a:extLst>
-              <a:ext uri="{FF2B5EF4-FFF2-40B4-BE49-F238E27FC236}">
-                <a16:creationId xmlns:a16="http://schemas.microsoft.com/office/drawing/2014/main" id="{E2AD210D-7E36-4CAE-B179-0D9C1ED7023F}"/>
-              </a:ext>
-            </a:extLst>
-          </p:cNvPr>
-          <p:cNvPicPr>
-            <a:picLocks noChangeAspect="1"/>
-          </p:cNvPicPr>
-          <p:nvPr/>
-        </p:nvPicPr>
-        <p:blipFill>
-          <a:blip r:embed="rId3"/>
-          <a:stretch>
-            <a:fillRect/>
-          </a:stretch>
-        </p:blipFill>
-        <p:spPr>
-          <a:xfrm>
-            <a:off x="774357" y="2094039"/>
-            <a:ext cx="7345071" cy="3329061"/>
-          </a:xfrm>
-          <a:prstGeom prst="rect">
-            <a:avLst/>
-          </a:prstGeom>
-        </p:spPr>
-      </p:pic>
-      <p:cxnSp>
-        <p:nvCxnSpPr>
-          <p:cNvPr id="10" name="Conector: Angulado 9">
-            <a:extLst>
-              <a:ext uri="{FF2B5EF4-FFF2-40B4-BE49-F238E27FC236}">
-                <a16:creationId xmlns:a16="http://schemas.microsoft.com/office/drawing/2014/main" id="{FFC5B693-53D1-40A6-9AC6-F81E38F400E2}"/>
-              </a:ext>
-            </a:extLst>
-          </p:cNvPr>
-          <p:cNvCxnSpPr>
-            <a:cxnSpLocks/>
-          </p:cNvCxnSpPr>
-          <p:nvPr/>
-        </p:nvCxnSpPr>
-        <p:spPr>
-          <a:xfrm rot="16200000" flipV="1">
-            <a:off x="3186023" y="5602329"/>
-            <a:ext cx="703786" cy="369528"/>
-          </a:xfrm>
-          <a:prstGeom prst="bentConnector3">
-            <a:avLst/>
-          </a:prstGeom>
-          <a:ln>
-            <a:tailEnd type="triangle"/>
-          </a:ln>
-        </p:spPr>
-        <p:style>
-          <a:lnRef idx="1">
-            <a:schemeClr val="accent1"/>
-          </a:lnRef>
-          <a:fillRef idx="0">
-            <a:schemeClr val="accent1"/>
-          </a:fillRef>
-          <a:effectRef idx="0">
-            <a:schemeClr val="accent1"/>
-          </a:effectRef>
-          <a:fontRef idx="minor">
-            <a:schemeClr val="tx1"/>
-          </a:fontRef>
-        </p:style>
-      </p:cxnSp>
-      <p:sp>
-        <p:nvSpPr>
-          <p:cNvPr id="13" name="CaixaDeTexto 12">
-            <a:extLst>
-              <a:ext uri="{FF2B5EF4-FFF2-40B4-BE49-F238E27FC236}">
-                <a16:creationId xmlns:a16="http://schemas.microsoft.com/office/drawing/2014/main" id="{67F48B20-36E1-44C3-9276-4F0615BEAA54}"/>
-              </a:ext>
-            </a:extLst>
-          </p:cNvPr>
-          <p:cNvSpPr txBox="1"/>
-          <p:nvPr/>
-        </p:nvSpPr>
-        <p:spPr>
-          <a:xfrm>
-            <a:off x="425926" y="6138986"/>
-            <a:ext cx="1129348" cy="369332"/>
-          </a:xfrm>
-          <a:prstGeom prst="rect">
-            <a:avLst/>
-          </a:prstGeom>
-          <a:noFill/>
-        </p:spPr>
-        <p:txBody>
-          <a:bodyPr wrap="none" rtlCol="0">
-            <a:spAutoFit/>
-          </a:bodyPr>
-          <a:lstStyle/>
-          <a:p>
-            <a:r>
-              <a:rPr lang="pt-BR" dirty="0" err="1"/>
-              <a:t>Variables</a:t>
-            </a:r>
-            <a:endParaRPr lang="en-US" dirty="0"/>
-          </a:p>
-        </p:txBody>
-      </p:sp>
-      <p:sp>
-        <p:nvSpPr>
-          <p:cNvPr id="15" name="CaixaDeTexto 14">
-            <a:extLst>
-              <a:ext uri="{FF2B5EF4-FFF2-40B4-BE49-F238E27FC236}">
-                <a16:creationId xmlns:a16="http://schemas.microsoft.com/office/drawing/2014/main" id="{0F4D92D9-ADDB-467A-B198-1A9CA3BE10AC}"/>
-              </a:ext>
-            </a:extLst>
-          </p:cNvPr>
-          <p:cNvSpPr txBox="1"/>
-          <p:nvPr/>
-        </p:nvSpPr>
-        <p:spPr>
-          <a:xfrm>
-            <a:off x="3079044" y="6099501"/>
-            <a:ext cx="1962910" cy="369332"/>
-          </a:xfrm>
-          <a:prstGeom prst="rect">
-            <a:avLst/>
-          </a:prstGeom>
-          <a:noFill/>
-        </p:spPr>
-        <p:txBody>
-          <a:bodyPr wrap="none" rtlCol="0">
-            <a:spAutoFit/>
-          </a:bodyPr>
-          <a:lstStyle/>
-          <a:p>
-            <a:r>
-              <a:rPr lang="pt-BR" dirty="0" err="1"/>
-              <a:t>Variables</a:t>
-            </a:r>
-            <a:r>
-              <a:rPr lang="pt-BR" dirty="0"/>
-              <a:t> </a:t>
-            </a:r>
-            <a:r>
-              <a:rPr lang="pt-BR" dirty="0" err="1"/>
-              <a:t>records</a:t>
-            </a:r>
-            <a:endParaRPr lang="en-US" dirty="0"/>
-          </a:p>
-        </p:txBody>
-      </p:sp>
-      <p:cxnSp>
-        <p:nvCxnSpPr>
-          <p:cNvPr id="23" name="Conector: Angulado 22">
-            <a:extLst>
-              <a:ext uri="{FF2B5EF4-FFF2-40B4-BE49-F238E27FC236}">
-                <a16:creationId xmlns:a16="http://schemas.microsoft.com/office/drawing/2014/main" id="{241F8B0B-03DA-47BF-93F6-74164E7EFCD2}"/>
-              </a:ext>
-            </a:extLst>
-          </p:cNvPr>
-          <p:cNvCxnSpPr>
-            <a:cxnSpLocks/>
-            <a:stCxn id="13" idx="0"/>
-          </p:cNvCxnSpPr>
-          <p:nvPr/>
-        </p:nvCxnSpPr>
-        <p:spPr>
-          <a:xfrm rot="5400000" flipH="1" flipV="1">
-            <a:off x="895820" y="5479180"/>
-            <a:ext cx="754586" cy="565026"/>
-          </a:xfrm>
-          <a:prstGeom prst="bentConnector3">
-            <a:avLst/>
-          </a:prstGeom>
-          <a:ln>
-            <a:tailEnd type="triangle"/>
-          </a:ln>
-        </p:spPr>
-        <p:style>
-          <a:lnRef idx="1">
-            <a:schemeClr val="accent1"/>
-          </a:lnRef>
-          <a:fillRef idx="0">
-            <a:schemeClr val="accent1"/>
-          </a:fillRef>
-          <a:effectRef idx="0">
-            <a:schemeClr val="accent1"/>
-          </a:effectRef>
-          <a:fontRef idx="minor">
-            <a:schemeClr val="tx1"/>
-          </a:fontRef>
-        </p:style>
-      </p:cxnSp>
-    </p:spTree>
-    <p:extLst>
-      <p:ext uri="{BB962C8B-B14F-4D97-AF65-F5344CB8AC3E}">
-        <p14:creationId xmlns:p14="http://schemas.microsoft.com/office/powerpoint/2010/main" val="1770061105"/>
-      </p:ext>
-    </p:extLst>
-  </p:cSld>
-  <p:clrMapOvr>
-    <a:masterClrMapping/>
-  </p:clrMapOvr>
-  <p:transition spd="med">
-    <p:strips dir="rd"/>
-  </p:transition>
-</p:sld>
-</file>
-
-<file path=ppt/slides/slide15.xml><?xml version="1.0" encoding="utf-8"?>
-<p:sld xmlns:a="http://schemas.openxmlformats.org/drawingml/2006/main" xmlns:r="http://schemas.openxmlformats.org/officeDocument/2006/relationships" xmlns:p="http://schemas.openxmlformats.org/presentationml/2006/main">
-  <p:cSld>
-    <p:spTree>
-      <p:nvGrpSpPr>
-        <p:cNvPr id="1" name=""/>
-        <p:cNvGrpSpPr/>
-        <p:nvPr/>
-      </p:nvGrpSpPr>
-      <p:grpSpPr>
-        <a:xfrm>
-          <a:off x="0" y="0"/>
-          <a:ext cx="0" cy="0"/>
-          <a:chOff x="0" y="0"/>
-          <a:chExt cx="0" cy="0"/>
-        </a:xfrm>
-      </p:grpSpPr>
-      <p:sp>
-        <p:nvSpPr>
-          <p:cNvPr id="2" name="Titre 1"/>
-          <p:cNvSpPr>
-            <a:spLocks noGrp="1"/>
-          </p:cNvSpPr>
-          <p:nvPr>
-            <p:ph type="title"/>
-          </p:nvPr>
-        </p:nvSpPr>
-        <p:spPr>
-          <a:xfrm>
-            <a:off x="457200" y="274638"/>
-            <a:ext cx="7620000" cy="1143000"/>
-          </a:xfrm>
-        </p:spPr>
-        <p:txBody>
-          <a:bodyPr/>
-          <a:lstStyle/>
-          <a:p>
-            <a:r>
-              <a:rPr lang="fr-BE" dirty="0"/>
-              <a:t>Data structures in R</a:t>
-            </a:r>
-          </a:p>
-        </p:txBody>
-      </p:sp>
-      <p:sp>
-        <p:nvSpPr>
-          <p:cNvPr id="18" name="Footer Placeholder 4"/>
-          <p:cNvSpPr txBox="1">
-            <a:spLocks/>
-          </p:cNvSpPr>
-          <p:nvPr/>
-        </p:nvSpPr>
-        <p:spPr>
-          <a:xfrm rot="16200000">
-            <a:off x="7587456" y="4048919"/>
-            <a:ext cx="2366963" cy="365125"/>
-          </a:xfrm>
-          <a:prstGeom prst="rect">
-            <a:avLst/>
-          </a:prstGeom>
-        </p:spPr>
-        <p:txBody>
-          <a:bodyPr vert="horz" lIns="91440" tIns="45720" rIns="91440" bIns="45720" rtlCol="0" anchor="ctr"/>
-          <a:lstStyle>
-            <a:defPPr>
-              <a:defRPr lang="fr-BE"/>
-            </a:defPPr>
-            <a:lvl1pPr algn="ctr" rtl="0" fontAlgn="base">
-              <a:spcBef>
-                <a:spcPct val="0"/>
-              </a:spcBef>
-              <a:spcAft>
-                <a:spcPct val="0"/>
-              </a:spcAft>
-              <a:defRPr sz="1200" kern="1200" dirty="0" smtClean="0">
-                <a:solidFill>
-                  <a:schemeClr val="bg2"/>
-                </a:solidFill>
-                <a:latin typeface="Arial" charset="0"/>
-                <a:ea typeface="+mn-ea"/>
-                <a:cs typeface="Arial" charset="0"/>
-              </a:defRPr>
-            </a:lvl1pPr>
-            <a:lvl2pPr marL="457200" algn="ctr" rtl="0" fontAlgn="base">
-              <a:spcBef>
-                <a:spcPct val="0"/>
-              </a:spcBef>
-              <a:spcAft>
-                <a:spcPct val="0"/>
-              </a:spcAft>
-              <a:defRPr kern="1200">
-                <a:solidFill>
-                  <a:schemeClr val="tx1"/>
-                </a:solidFill>
-                <a:latin typeface="Arial" charset="0"/>
-                <a:ea typeface="+mn-ea"/>
-                <a:cs typeface="Arial" charset="0"/>
-              </a:defRPr>
-            </a:lvl2pPr>
-            <a:lvl3pPr marL="914400" algn="ctr" rtl="0" fontAlgn="base">
-              <a:spcBef>
-                <a:spcPct val="0"/>
-              </a:spcBef>
-              <a:spcAft>
-                <a:spcPct val="0"/>
-              </a:spcAft>
-              <a:defRPr kern="1200">
-                <a:solidFill>
-                  <a:schemeClr val="tx1"/>
-                </a:solidFill>
-                <a:latin typeface="Arial" charset="0"/>
-                <a:ea typeface="+mn-ea"/>
-                <a:cs typeface="Arial" charset="0"/>
-              </a:defRPr>
-            </a:lvl3pPr>
-            <a:lvl4pPr marL="1371600" algn="ctr" rtl="0" fontAlgn="base">
-              <a:spcBef>
-                <a:spcPct val="0"/>
-              </a:spcBef>
-              <a:spcAft>
-                <a:spcPct val="0"/>
-              </a:spcAft>
-              <a:defRPr kern="1200">
-                <a:solidFill>
-                  <a:schemeClr val="tx1"/>
-                </a:solidFill>
-                <a:latin typeface="Arial" charset="0"/>
-                <a:ea typeface="+mn-ea"/>
-                <a:cs typeface="Arial" charset="0"/>
-              </a:defRPr>
-            </a:lvl4pPr>
-            <a:lvl5pPr marL="1828800" algn="ctr" rtl="0" fontAlgn="base">
-              <a:spcBef>
-                <a:spcPct val="0"/>
-              </a:spcBef>
-              <a:spcAft>
-                <a:spcPct val="0"/>
-              </a:spcAft>
-              <a:defRPr kern="1200">
-                <a:solidFill>
-                  <a:schemeClr val="tx1"/>
-                </a:solidFill>
-                <a:latin typeface="Arial" charset="0"/>
-                <a:ea typeface="+mn-ea"/>
-                <a:cs typeface="Arial" charset="0"/>
-              </a:defRPr>
-            </a:lvl5pPr>
-            <a:lvl6pPr marL="2286000" algn="l" defTabSz="914400" rtl="0" eaLnBrk="1" latinLnBrk="0" hangingPunct="1">
-              <a:defRPr kern="1200">
-                <a:solidFill>
-                  <a:schemeClr val="tx1"/>
-                </a:solidFill>
-                <a:latin typeface="Arial" charset="0"/>
-                <a:ea typeface="+mn-ea"/>
-                <a:cs typeface="Arial" charset="0"/>
-              </a:defRPr>
-            </a:lvl6pPr>
-            <a:lvl7pPr marL="2743200" algn="l" defTabSz="914400" rtl="0" eaLnBrk="1" latinLnBrk="0" hangingPunct="1">
-              <a:defRPr kern="1200">
-                <a:solidFill>
-                  <a:schemeClr val="tx1"/>
-                </a:solidFill>
-                <a:latin typeface="Arial" charset="0"/>
-                <a:ea typeface="+mn-ea"/>
-                <a:cs typeface="Arial" charset="0"/>
-              </a:defRPr>
-            </a:lvl7pPr>
-            <a:lvl8pPr marL="3200400" algn="l" defTabSz="914400" rtl="0" eaLnBrk="1" latinLnBrk="0" hangingPunct="1">
-              <a:defRPr kern="1200">
-                <a:solidFill>
-                  <a:schemeClr val="tx1"/>
-                </a:solidFill>
-                <a:latin typeface="Arial" charset="0"/>
-                <a:ea typeface="+mn-ea"/>
-                <a:cs typeface="Arial" charset="0"/>
-              </a:defRPr>
-            </a:lvl8pPr>
-            <a:lvl9pPr marL="3657600" algn="l" defTabSz="914400" rtl="0" eaLnBrk="1" latinLnBrk="0" hangingPunct="1">
-              <a:defRPr kern="1200">
-                <a:solidFill>
-                  <a:schemeClr val="tx1"/>
-                </a:solidFill>
-                <a:latin typeface="Arial" charset="0"/>
-                <a:ea typeface="+mn-ea"/>
-                <a:cs typeface="Arial" charset="0"/>
-              </a:defRPr>
-            </a:lvl9pPr>
-          </a:lstStyle>
-          <a:p>
-            <a:pPr>
-              <a:defRPr/>
-            </a:pPr>
-            <a:r>
-              <a:rPr lang="fr-FR" dirty="0" err="1"/>
-              <a:t>Geostatistics</a:t>
-            </a:r>
-            <a:endParaRPr lang="fr-FR" dirty="0"/>
-          </a:p>
-        </p:txBody>
-      </p:sp>
-      <p:pic>
-        <p:nvPicPr>
-          <p:cNvPr id="4102" name="Picture 6" descr="Matrices and Digital Images | Klein Project Blog">
-            <a:extLst>
-              <a:ext uri="{FF2B5EF4-FFF2-40B4-BE49-F238E27FC236}">
-                <a16:creationId xmlns:a16="http://schemas.microsoft.com/office/drawing/2014/main" id="{26C26571-048A-4705-95E9-32088622D1CB}"/>
-              </a:ext>
-            </a:extLst>
-          </p:cNvPr>
-          <p:cNvPicPr>
-            <a:picLocks noChangeAspect="1" noChangeArrowheads="1"/>
-          </p:cNvPicPr>
-          <p:nvPr/>
-        </p:nvPicPr>
-        <p:blipFill rotWithShape="1">
-          <a:blip r:embed="rId3">
-            <a:extLst>
-              <a:ext uri="{28A0092B-C50C-407E-A947-70E740481C1C}">
-                <a14:useLocalDpi xmlns:a14="http://schemas.microsoft.com/office/drawing/2010/main" val="0"/>
-              </a:ext>
-            </a:extLst>
-          </a:blip>
-          <a:srcRect r="4139"/>
-          <a:stretch/>
-        </p:blipFill>
-        <p:spPr bwMode="auto">
-          <a:xfrm>
-            <a:off x="364733" y="1635816"/>
-            <a:ext cx="4207267" cy="1894427"/>
-          </a:xfrm>
-          <a:prstGeom prst="rect">
-            <a:avLst/>
-          </a:prstGeom>
-          <a:noFill/>
-          <a:extLst>
-            <a:ext uri="{909E8E84-426E-40DD-AFC4-6F175D3DCCD1}">
-              <a14:hiddenFill xmlns:a14="http://schemas.microsoft.com/office/drawing/2010/main">
-                <a:solidFill>
-                  <a:srgbClr val="FFFFFF"/>
-                </a:solidFill>
-              </a14:hiddenFill>
-            </a:ext>
-          </a:extLst>
-        </p:spPr>
-      </p:pic>
-      <p:sp>
-        <p:nvSpPr>
-          <p:cNvPr id="13" name="TextBox 12">
-            <a:extLst>
-              <a:ext uri="{FF2B5EF4-FFF2-40B4-BE49-F238E27FC236}">
-                <a16:creationId xmlns:a16="http://schemas.microsoft.com/office/drawing/2014/main" id="{93EED9BF-BD1D-4572-9C38-302412721E68}"/>
-              </a:ext>
-            </a:extLst>
-          </p:cNvPr>
-          <p:cNvSpPr txBox="1"/>
-          <p:nvPr/>
-        </p:nvSpPr>
-        <p:spPr>
-          <a:xfrm>
-            <a:off x="4140484" y="2118218"/>
-            <a:ext cx="1859623" cy="523220"/>
-          </a:xfrm>
-          <a:prstGeom prst="rect">
-            <a:avLst/>
-          </a:prstGeom>
-          <a:noFill/>
-        </p:spPr>
-        <p:txBody>
-          <a:bodyPr wrap="square" rtlCol="0">
-            <a:spAutoFit/>
-          </a:bodyPr>
-          <a:lstStyle/>
-          <a:p>
-            <a:r>
-              <a:rPr lang="en-US" sz="2800" dirty="0"/>
-              <a:t>? </a:t>
-            </a:r>
-          </a:p>
-        </p:txBody>
-      </p:sp>
-      <p:pic>
-        <p:nvPicPr>
-          <p:cNvPr id="4104" name="Picture 8" descr="RGB matrix representation of a cover image | Download Scientific Diagram">
-            <a:extLst>
-              <a:ext uri="{FF2B5EF4-FFF2-40B4-BE49-F238E27FC236}">
-                <a16:creationId xmlns:a16="http://schemas.microsoft.com/office/drawing/2014/main" id="{606380A0-FF54-4F90-A0CF-92C3C007C5F1}"/>
-              </a:ext>
-            </a:extLst>
-          </p:cNvPr>
-          <p:cNvPicPr>
-            <a:picLocks noChangeAspect="1" noChangeArrowheads="1"/>
-          </p:cNvPicPr>
-          <p:nvPr/>
-        </p:nvPicPr>
-        <p:blipFill>
-          <a:blip r:embed="rId4">
-            <a:extLst>
-              <a:ext uri="{28A0092B-C50C-407E-A947-70E740481C1C}">
-                <a14:useLocalDpi xmlns:a14="http://schemas.microsoft.com/office/drawing/2010/main" val="0"/>
-              </a:ext>
-            </a:extLst>
-          </a:blip>
-          <a:srcRect/>
-          <a:stretch>
-            <a:fillRect/>
-          </a:stretch>
-        </p:blipFill>
-        <p:spPr bwMode="auto">
-          <a:xfrm>
-            <a:off x="190500" y="3748421"/>
-            <a:ext cx="3762481" cy="3109579"/>
-          </a:xfrm>
-          <a:prstGeom prst="rect">
-            <a:avLst/>
-          </a:prstGeom>
-          <a:noFill/>
-          <a:extLst>
-            <a:ext uri="{909E8E84-426E-40DD-AFC4-6F175D3DCCD1}">
-              <a14:hiddenFill xmlns:a14="http://schemas.microsoft.com/office/drawing/2010/main">
-                <a:solidFill>
-                  <a:srgbClr val="FFFFFF"/>
-                </a:solidFill>
-              </a14:hiddenFill>
-            </a:ext>
-          </a:extLst>
-        </p:spPr>
-      </p:pic>
-      <p:pic>
-        <p:nvPicPr>
-          <p:cNvPr id="4106" name="Picture 10" descr="2: A three-dimensional RGB matrix. Each layer of the matrix is a two-... |  Download Scientific Diagram">
-            <a:extLst>
-              <a:ext uri="{FF2B5EF4-FFF2-40B4-BE49-F238E27FC236}">
-                <a16:creationId xmlns:a16="http://schemas.microsoft.com/office/drawing/2014/main" id="{9001A2F4-7B00-4940-805B-72A99CADA58C}"/>
-              </a:ext>
-            </a:extLst>
-          </p:cNvPr>
-          <p:cNvPicPr>
-            <a:picLocks noChangeAspect="1" noChangeArrowheads="1"/>
-          </p:cNvPicPr>
-          <p:nvPr/>
-        </p:nvPicPr>
-        <p:blipFill>
-          <a:blip r:embed="rId5">
-            <a:extLst>
-              <a:ext uri="{28A0092B-C50C-407E-A947-70E740481C1C}">
-                <a14:useLocalDpi xmlns:a14="http://schemas.microsoft.com/office/drawing/2010/main" val="0"/>
-              </a:ext>
-            </a:extLst>
-          </a:blip>
-          <a:srcRect/>
-          <a:stretch>
-            <a:fillRect/>
-          </a:stretch>
-        </p:blipFill>
-        <p:spPr bwMode="auto">
-          <a:xfrm>
-            <a:off x="4192074" y="3847082"/>
-            <a:ext cx="3616066" cy="2922987"/>
-          </a:xfrm>
-          <a:prstGeom prst="rect">
-            <a:avLst/>
-          </a:prstGeom>
-          <a:noFill/>
-          <a:extLst>
-            <a:ext uri="{909E8E84-426E-40DD-AFC4-6F175D3DCCD1}">
-              <a14:hiddenFill xmlns:a14="http://schemas.microsoft.com/office/drawing/2010/main">
-                <a:solidFill>
-                  <a:srgbClr val="FFFFFF"/>
-                </a:solidFill>
-              </a14:hiddenFill>
-            </a:ext>
-          </a:extLst>
-        </p:spPr>
-      </p:pic>
-    </p:spTree>
-    <p:extLst>
-      <p:ext uri="{BB962C8B-B14F-4D97-AF65-F5344CB8AC3E}">
-        <p14:creationId xmlns:p14="http://schemas.microsoft.com/office/powerpoint/2010/main" val="2983440981"/>
-      </p:ext>
-    </p:extLst>
-  </p:cSld>
-  <p:clrMapOvr>
-    <a:masterClrMapping/>
-  </p:clrMapOvr>
-  <p:transition spd="med">
-    <p:strips dir="rd"/>
-  </p:transition>
-</p:sld>
-</file>
-
-<file path=ppt/slides/slide16.xml><?xml version="1.0" encoding="utf-8"?>
-<p:sld xmlns:a="http://schemas.openxmlformats.org/drawingml/2006/main" xmlns:r="http://schemas.openxmlformats.org/officeDocument/2006/relationships" xmlns:p="http://schemas.openxmlformats.org/presentationml/2006/main">
-  <p:cSld>
-    <p:spTree>
-      <p:nvGrpSpPr>
-        <p:cNvPr id="1" name=""/>
-        <p:cNvGrpSpPr/>
-        <p:nvPr/>
-      </p:nvGrpSpPr>
-      <p:grpSpPr>
-        <a:xfrm>
-          <a:off x="0" y="0"/>
-          <a:ext cx="0" cy="0"/>
-          <a:chOff x="0" y="0"/>
-          <a:chExt cx="0" cy="0"/>
-        </a:xfrm>
-      </p:grpSpPr>
-      <p:sp>
-        <p:nvSpPr>
-          <p:cNvPr id="2" name="Content Placeholder 1">
-            <a:extLst>
-              <a:ext uri="{FF2B5EF4-FFF2-40B4-BE49-F238E27FC236}">
-                <a16:creationId xmlns:a16="http://schemas.microsoft.com/office/drawing/2014/main" id="{7FF58280-0C09-EDAC-3715-B4716FC53B20}"/>
-              </a:ext>
-            </a:extLst>
-          </p:cNvPr>
-          <p:cNvSpPr>
-            <a:spLocks noGrp="1"/>
-          </p:cNvSpPr>
-          <p:nvPr>
-            <p:ph idx="1"/>
-          </p:nvPr>
-        </p:nvSpPr>
-        <p:spPr/>
-        <p:txBody>
-          <a:bodyPr/>
-          <a:lstStyle/>
-          <a:p>
-            <a:endParaRPr lang="en-US"/>
-          </a:p>
-        </p:txBody>
-      </p:sp>
-      <p:sp>
-        <p:nvSpPr>
-          <p:cNvPr id="3" name="Title 2">
-            <a:extLst>
-              <a:ext uri="{FF2B5EF4-FFF2-40B4-BE49-F238E27FC236}">
-                <a16:creationId xmlns:a16="http://schemas.microsoft.com/office/drawing/2014/main" id="{2E51D425-CB0A-0960-D5C6-26E92795CD21}"/>
-              </a:ext>
-            </a:extLst>
-          </p:cNvPr>
-          <p:cNvSpPr>
-            <a:spLocks noGrp="1"/>
-          </p:cNvSpPr>
-          <p:nvPr>
-            <p:ph type="title"/>
-          </p:nvPr>
-        </p:nvSpPr>
-        <p:spPr/>
-        <p:txBody>
-          <a:bodyPr/>
-          <a:lstStyle/>
-          <a:p>
-            <a:endParaRPr lang="en-US"/>
-          </a:p>
-        </p:txBody>
-      </p:sp>
-    </p:spTree>
-    <p:extLst>
-      <p:ext uri="{BB962C8B-B14F-4D97-AF65-F5344CB8AC3E}">
-        <p14:creationId xmlns:p14="http://schemas.microsoft.com/office/powerpoint/2010/main" val="3852482317"/>
-      </p:ext>
-    </p:extLst>
-  </p:cSld>
-  <p:clrMapOvr>
-    <a:masterClrMapping/>
-  </p:clrMapOvr>
-  <p:transition spd="med">
-    <p:strips dir="rd"/>
-  </p:transition>
-</p:sld>
-</file>
-
-<file path=ppt/slides/slide17.xml><?xml version="1.0" encoding="utf-8"?>
-<p:sld xmlns:a="http://schemas.openxmlformats.org/drawingml/2006/main" xmlns:r="http://schemas.openxmlformats.org/officeDocument/2006/relationships" xmlns:p="http://schemas.openxmlformats.org/presentationml/2006/main">
-  <p:cSld>
-    <p:spTree>
-      <p:nvGrpSpPr>
-        <p:cNvPr id="1" name=""/>
-        <p:cNvGrpSpPr/>
-        <p:nvPr/>
-      </p:nvGrpSpPr>
-      <p:grpSpPr>
-        <a:xfrm>
-          <a:off x="0" y="0"/>
-          <a:ext cx="0" cy="0"/>
-          <a:chOff x="0" y="0"/>
-          <a:chExt cx="0" cy="0"/>
-        </a:xfrm>
-      </p:grpSpPr>
-      <p:sp>
-        <p:nvSpPr>
-          <p:cNvPr id="2" name="Titre 1"/>
-          <p:cNvSpPr>
-            <a:spLocks noGrp="1"/>
-          </p:cNvSpPr>
-          <p:nvPr>
-            <p:ph type="title"/>
-          </p:nvPr>
-        </p:nvSpPr>
-        <p:spPr>
-          <a:xfrm>
-            <a:off x="457200" y="274638"/>
-            <a:ext cx="7620000" cy="1143000"/>
-          </a:xfrm>
-        </p:spPr>
-        <p:txBody>
-          <a:bodyPr/>
-          <a:lstStyle/>
-          <a:p>
-            <a:r>
-              <a:rPr lang="fr-BE" dirty="0"/>
-              <a:t>First </a:t>
-            </a:r>
-            <a:r>
-              <a:rPr lang="fr-BE" dirty="0" err="1"/>
-              <a:t>steps</a:t>
-            </a:r>
-            <a:r>
-              <a:rPr lang="fr-BE" dirty="0"/>
-              <a:t> in new </a:t>
-            </a:r>
-            <a:r>
-              <a:rPr lang="fr-BE" dirty="0" err="1"/>
-              <a:t>project</a:t>
-            </a:r>
-            <a:r>
-              <a:rPr lang="fr-BE" dirty="0"/>
-              <a:t> </a:t>
-            </a:r>
-          </a:p>
-        </p:txBody>
-      </p:sp>
-      <p:sp>
-        <p:nvSpPr>
-          <p:cNvPr id="18" name="Footer Placeholder 4"/>
-          <p:cNvSpPr txBox="1">
-            <a:spLocks/>
-          </p:cNvSpPr>
-          <p:nvPr/>
-        </p:nvSpPr>
-        <p:spPr>
-          <a:xfrm rot="16200000">
-            <a:off x="7587456" y="4048919"/>
-            <a:ext cx="2366963" cy="365125"/>
-          </a:xfrm>
-          <a:prstGeom prst="rect">
-            <a:avLst/>
-          </a:prstGeom>
-        </p:spPr>
-        <p:txBody>
-          <a:bodyPr vert="horz" lIns="91440" tIns="45720" rIns="91440" bIns="45720" rtlCol="0" anchor="ctr"/>
-          <a:lstStyle>
-            <a:defPPr>
-              <a:defRPr lang="fr-BE"/>
-            </a:defPPr>
-            <a:lvl1pPr algn="ctr" rtl="0" fontAlgn="base">
-              <a:spcBef>
-                <a:spcPct val="0"/>
-              </a:spcBef>
-              <a:spcAft>
-                <a:spcPct val="0"/>
-              </a:spcAft>
-              <a:defRPr sz="1200" kern="1200" dirty="0" smtClean="0">
-                <a:solidFill>
-                  <a:schemeClr val="bg2"/>
-                </a:solidFill>
-                <a:latin typeface="Arial" charset="0"/>
-                <a:ea typeface="+mn-ea"/>
-                <a:cs typeface="Arial" charset="0"/>
-              </a:defRPr>
-            </a:lvl1pPr>
-            <a:lvl2pPr marL="457200" algn="ctr" rtl="0" fontAlgn="base">
-              <a:spcBef>
-                <a:spcPct val="0"/>
-              </a:spcBef>
-              <a:spcAft>
-                <a:spcPct val="0"/>
-              </a:spcAft>
-              <a:defRPr kern="1200">
-                <a:solidFill>
-                  <a:schemeClr val="tx1"/>
-                </a:solidFill>
-                <a:latin typeface="Arial" charset="0"/>
-                <a:ea typeface="+mn-ea"/>
-                <a:cs typeface="Arial" charset="0"/>
-              </a:defRPr>
-            </a:lvl2pPr>
-            <a:lvl3pPr marL="914400" algn="ctr" rtl="0" fontAlgn="base">
-              <a:spcBef>
-                <a:spcPct val="0"/>
-              </a:spcBef>
-              <a:spcAft>
-                <a:spcPct val="0"/>
-              </a:spcAft>
-              <a:defRPr kern="1200">
-                <a:solidFill>
-                  <a:schemeClr val="tx1"/>
-                </a:solidFill>
-                <a:latin typeface="Arial" charset="0"/>
-                <a:ea typeface="+mn-ea"/>
-                <a:cs typeface="Arial" charset="0"/>
-              </a:defRPr>
-            </a:lvl3pPr>
-            <a:lvl4pPr marL="1371600" algn="ctr" rtl="0" fontAlgn="base">
-              <a:spcBef>
-                <a:spcPct val="0"/>
-              </a:spcBef>
-              <a:spcAft>
-                <a:spcPct val="0"/>
-              </a:spcAft>
-              <a:defRPr kern="1200">
-                <a:solidFill>
-                  <a:schemeClr val="tx1"/>
-                </a:solidFill>
-                <a:latin typeface="Arial" charset="0"/>
-                <a:ea typeface="+mn-ea"/>
-                <a:cs typeface="Arial" charset="0"/>
-              </a:defRPr>
-            </a:lvl4pPr>
-            <a:lvl5pPr marL="1828800" algn="ctr" rtl="0" fontAlgn="base">
-              <a:spcBef>
-                <a:spcPct val="0"/>
-              </a:spcBef>
-              <a:spcAft>
-                <a:spcPct val="0"/>
-              </a:spcAft>
-              <a:defRPr kern="1200">
-                <a:solidFill>
-                  <a:schemeClr val="tx1"/>
-                </a:solidFill>
-                <a:latin typeface="Arial" charset="0"/>
-                <a:ea typeface="+mn-ea"/>
-                <a:cs typeface="Arial" charset="0"/>
-              </a:defRPr>
-            </a:lvl5pPr>
-            <a:lvl6pPr marL="2286000" algn="l" defTabSz="914400" rtl="0" eaLnBrk="1" latinLnBrk="0" hangingPunct="1">
-              <a:defRPr kern="1200">
-                <a:solidFill>
-                  <a:schemeClr val="tx1"/>
-                </a:solidFill>
-                <a:latin typeface="Arial" charset="0"/>
-                <a:ea typeface="+mn-ea"/>
-                <a:cs typeface="Arial" charset="0"/>
-              </a:defRPr>
-            </a:lvl6pPr>
-            <a:lvl7pPr marL="2743200" algn="l" defTabSz="914400" rtl="0" eaLnBrk="1" latinLnBrk="0" hangingPunct="1">
-              <a:defRPr kern="1200">
-                <a:solidFill>
-                  <a:schemeClr val="tx1"/>
-                </a:solidFill>
-                <a:latin typeface="Arial" charset="0"/>
-                <a:ea typeface="+mn-ea"/>
-                <a:cs typeface="Arial" charset="0"/>
-              </a:defRPr>
-            </a:lvl7pPr>
-            <a:lvl8pPr marL="3200400" algn="l" defTabSz="914400" rtl="0" eaLnBrk="1" latinLnBrk="0" hangingPunct="1">
-              <a:defRPr kern="1200">
-                <a:solidFill>
-                  <a:schemeClr val="tx1"/>
-                </a:solidFill>
-                <a:latin typeface="Arial" charset="0"/>
-                <a:ea typeface="+mn-ea"/>
-                <a:cs typeface="Arial" charset="0"/>
-              </a:defRPr>
-            </a:lvl8pPr>
-            <a:lvl9pPr marL="3657600" algn="l" defTabSz="914400" rtl="0" eaLnBrk="1" latinLnBrk="0" hangingPunct="1">
-              <a:defRPr kern="1200">
-                <a:solidFill>
-                  <a:schemeClr val="tx1"/>
-                </a:solidFill>
-                <a:latin typeface="Arial" charset="0"/>
-                <a:ea typeface="+mn-ea"/>
-                <a:cs typeface="Arial" charset="0"/>
-              </a:defRPr>
-            </a:lvl9pPr>
-          </a:lstStyle>
-          <a:p>
-            <a:pPr>
-              <a:defRPr/>
-            </a:pPr>
-            <a:r>
-              <a:rPr lang="fr-FR" dirty="0" err="1"/>
-              <a:t>Geostatistics</a:t>
-            </a:r>
-            <a:endParaRPr lang="fr-FR" dirty="0"/>
-          </a:p>
-        </p:txBody>
-      </p:sp>
-      <p:sp>
-        <p:nvSpPr>
-          <p:cNvPr id="7" name="CaixaDeTexto 6">
-            <a:extLst>
-              <a:ext uri="{FF2B5EF4-FFF2-40B4-BE49-F238E27FC236}">
-                <a16:creationId xmlns:a16="http://schemas.microsoft.com/office/drawing/2014/main" id="{E6B2600A-38F6-441E-A7E3-A32090DFDA92}"/>
-              </a:ext>
-            </a:extLst>
-          </p:cNvPr>
-          <p:cNvSpPr txBox="1"/>
-          <p:nvPr/>
-        </p:nvSpPr>
-        <p:spPr>
-          <a:xfrm>
-            <a:off x="4467863" y="2261385"/>
-            <a:ext cx="3990342" cy="3785652"/>
-          </a:xfrm>
-          <a:prstGeom prst="rect">
-            <a:avLst/>
-          </a:prstGeom>
-          <a:noFill/>
-        </p:spPr>
-        <p:txBody>
-          <a:bodyPr wrap="square" rtlCol="0">
-            <a:spAutoFit/>
-          </a:bodyPr>
-          <a:lstStyle/>
-          <a:p>
-            <a:r>
-              <a:rPr lang="en-US" sz="2000" dirty="0"/>
-              <a:t>Create your working directory:</a:t>
-            </a:r>
-          </a:p>
-          <a:p>
-            <a:r>
-              <a:rPr lang="en-US" sz="2000" dirty="0"/>
-              <a:t>setwd(“”)</a:t>
-            </a:r>
-          </a:p>
-          <a:p>
-            <a:endParaRPr lang="en-US" sz="2000" dirty="0"/>
-          </a:p>
-          <a:p>
-            <a:r>
-              <a:rPr lang="en-US" sz="2000" dirty="0"/>
-              <a:t>Show your working directory:</a:t>
-            </a:r>
-          </a:p>
-          <a:p>
-            <a:r>
-              <a:rPr lang="en-US" sz="2000" dirty="0"/>
-              <a:t>getwd()</a:t>
-            </a:r>
-          </a:p>
-          <a:p>
-            <a:endParaRPr lang="en-US" sz="2000" dirty="0"/>
-          </a:p>
-          <a:p>
-            <a:r>
-              <a:rPr lang="en-US" sz="2000" dirty="0"/>
-              <a:t>Lead the dataset into the working space:</a:t>
-            </a:r>
-          </a:p>
-          <a:p>
-            <a:r>
-              <a:rPr lang="en-US" sz="2000" dirty="0"/>
-              <a:t>data=read.csv(“meuse_data.csv”)</a:t>
-            </a:r>
-          </a:p>
-          <a:p>
-            <a:endParaRPr lang="en-US" sz="2000" dirty="0"/>
-          </a:p>
-          <a:p>
-            <a:r>
-              <a:rPr lang="en-US" sz="2000" dirty="0"/>
-              <a:t>Shortcut for save my workspace:</a:t>
-            </a:r>
-          </a:p>
-          <a:p>
-            <a:r>
-              <a:rPr lang="en-US" sz="2000" dirty="0" err="1"/>
-              <a:t>save.image</a:t>
-            </a:r>
-            <a:r>
-              <a:rPr lang="en-US" sz="2000" dirty="0"/>
-              <a:t>("</a:t>
-            </a:r>
-            <a:r>
-              <a:rPr lang="en-US" sz="2000" dirty="0" err="1"/>
-              <a:t>data.RData</a:t>
-            </a:r>
-            <a:r>
-              <a:rPr lang="en-US" sz="2000" dirty="0"/>
-              <a:t>")</a:t>
-            </a:r>
-          </a:p>
-        </p:txBody>
-      </p:sp>
-      <p:pic>
-        <p:nvPicPr>
-          <p:cNvPr id="9" name="Imagem 8">
-            <a:extLst>
-              <a:ext uri="{FF2B5EF4-FFF2-40B4-BE49-F238E27FC236}">
-                <a16:creationId xmlns:a16="http://schemas.microsoft.com/office/drawing/2014/main" id="{F5FE570E-0E83-41C0-B391-1C6B4631022D}"/>
-              </a:ext>
-            </a:extLst>
-          </p:cNvPr>
-          <p:cNvPicPr>
-            <a:picLocks noChangeAspect="1"/>
-          </p:cNvPicPr>
-          <p:nvPr/>
-        </p:nvPicPr>
-        <p:blipFill>
-          <a:blip r:embed="rId2"/>
-          <a:stretch>
-            <a:fillRect/>
-          </a:stretch>
-        </p:blipFill>
-        <p:spPr>
-          <a:xfrm>
-            <a:off x="228818" y="1839355"/>
-            <a:ext cx="4239045" cy="4512531"/>
-          </a:xfrm>
-          <a:prstGeom prst="rect">
-            <a:avLst/>
-          </a:prstGeom>
-        </p:spPr>
-      </p:pic>
-    </p:spTree>
-    <p:extLst>
-      <p:ext uri="{BB962C8B-B14F-4D97-AF65-F5344CB8AC3E}">
-        <p14:creationId xmlns:p14="http://schemas.microsoft.com/office/powerpoint/2010/main" val="1822766381"/>
-      </p:ext>
-    </p:extLst>
-  </p:cSld>
-  <p:clrMapOvr>
-    <a:masterClrMapping/>
-  </p:clrMapOvr>
-  <p:transition spd="med">
-    <p:strips dir="rd"/>
-  </p:transition>
-</p:sld>
-</file>
-
-<file path=ppt/slides/slide18.xml><?xml version="1.0" encoding="utf-8"?>
-<p:sld xmlns:a="http://schemas.openxmlformats.org/drawingml/2006/main" xmlns:r="http://schemas.openxmlformats.org/officeDocument/2006/relationships" xmlns:p="http://schemas.openxmlformats.org/presentationml/2006/main">
-  <p:cSld>
-    <p:spTree>
-      <p:nvGrpSpPr>
-        <p:cNvPr id="1" name=""/>
-        <p:cNvGrpSpPr/>
-        <p:nvPr/>
-      </p:nvGrpSpPr>
-      <p:grpSpPr>
-        <a:xfrm>
-          <a:off x="0" y="0"/>
-          <a:ext cx="0" cy="0"/>
-          <a:chOff x="0" y="0"/>
-          <a:chExt cx="0" cy="0"/>
-        </a:xfrm>
-      </p:grpSpPr>
-      <p:sp>
-        <p:nvSpPr>
-          <p:cNvPr id="2" name="Titre 1"/>
-          <p:cNvSpPr>
-            <a:spLocks noGrp="1"/>
-          </p:cNvSpPr>
-          <p:nvPr>
-            <p:ph type="title"/>
-          </p:nvPr>
-        </p:nvSpPr>
-        <p:spPr>
-          <a:xfrm>
-            <a:off x="457200" y="274638"/>
-            <a:ext cx="7620000" cy="1143000"/>
-          </a:xfrm>
-        </p:spPr>
-        <p:txBody>
-          <a:bodyPr/>
-          <a:lstStyle/>
-          <a:p>
-            <a:r>
-              <a:rPr lang="fr-BE" dirty="0"/>
-              <a:t>Vector creation</a:t>
-            </a:r>
-          </a:p>
-        </p:txBody>
-      </p:sp>
-      <p:sp>
-        <p:nvSpPr>
-          <p:cNvPr id="18" name="Footer Placeholder 4"/>
-          <p:cNvSpPr txBox="1">
-            <a:spLocks/>
-          </p:cNvSpPr>
-          <p:nvPr/>
-        </p:nvSpPr>
-        <p:spPr>
-          <a:xfrm rot="16200000">
-            <a:off x="7587456" y="4048919"/>
-            <a:ext cx="2366963" cy="365125"/>
-          </a:xfrm>
-          <a:prstGeom prst="rect">
-            <a:avLst/>
-          </a:prstGeom>
-        </p:spPr>
-        <p:txBody>
-          <a:bodyPr vert="horz" lIns="91440" tIns="45720" rIns="91440" bIns="45720" rtlCol="0" anchor="ctr"/>
-          <a:lstStyle>
-            <a:defPPr>
-              <a:defRPr lang="fr-BE"/>
-            </a:defPPr>
-            <a:lvl1pPr algn="ctr" rtl="0" fontAlgn="base">
-              <a:spcBef>
-                <a:spcPct val="0"/>
-              </a:spcBef>
-              <a:spcAft>
-                <a:spcPct val="0"/>
-              </a:spcAft>
-              <a:defRPr sz="1200" kern="1200" dirty="0" smtClean="0">
-                <a:solidFill>
-                  <a:schemeClr val="bg2"/>
-                </a:solidFill>
-                <a:latin typeface="Arial" charset="0"/>
-                <a:ea typeface="+mn-ea"/>
-                <a:cs typeface="Arial" charset="0"/>
-              </a:defRPr>
-            </a:lvl1pPr>
-            <a:lvl2pPr marL="457200" algn="ctr" rtl="0" fontAlgn="base">
-              <a:spcBef>
-                <a:spcPct val="0"/>
-              </a:spcBef>
-              <a:spcAft>
-                <a:spcPct val="0"/>
-              </a:spcAft>
-              <a:defRPr kern="1200">
-                <a:solidFill>
-                  <a:schemeClr val="tx1"/>
-                </a:solidFill>
-                <a:latin typeface="Arial" charset="0"/>
-                <a:ea typeface="+mn-ea"/>
-                <a:cs typeface="Arial" charset="0"/>
-              </a:defRPr>
-            </a:lvl2pPr>
-            <a:lvl3pPr marL="914400" algn="ctr" rtl="0" fontAlgn="base">
-              <a:spcBef>
-                <a:spcPct val="0"/>
-              </a:spcBef>
-              <a:spcAft>
-                <a:spcPct val="0"/>
-              </a:spcAft>
-              <a:defRPr kern="1200">
-                <a:solidFill>
-                  <a:schemeClr val="tx1"/>
-                </a:solidFill>
-                <a:latin typeface="Arial" charset="0"/>
-                <a:ea typeface="+mn-ea"/>
-                <a:cs typeface="Arial" charset="0"/>
-              </a:defRPr>
-            </a:lvl3pPr>
-            <a:lvl4pPr marL="1371600" algn="ctr" rtl="0" fontAlgn="base">
-              <a:spcBef>
-                <a:spcPct val="0"/>
-              </a:spcBef>
-              <a:spcAft>
-                <a:spcPct val="0"/>
-              </a:spcAft>
-              <a:defRPr kern="1200">
-                <a:solidFill>
-                  <a:schemeClr val="tx1"/>
-                </a:solidFill>
-                <a:latin typeface="Arial" charset="0"/>
-                <a:ea typeface="+mn-ea"/>
-                <a:cs typeface="Arial" charset="0"/>
-              </a:defRPr>
-            </a:lvl4pPr>
-            <a:lvl5pPr marL="1828800" algn="ctr" rtl="0" fontAlgn="base">
-              <a:spcBef>
-                <a:spcPct val="0"/>
-              </a:spcBef>
-              <a:spcAft>
-                <a:spcPct val="0"/>
-              </a:spcAft>
-              <a:defRPr kern="1200">
-                <a:solidFill>
-                  <a:schemeClr val="tx1"/>
-                </a:solidFill>
-                <a:latin typeface="Arial" charset="0"/>
-                <a:ea typeface="+mn-ea"/>
-                <a:cs typeface="Arial" charset="0"/>
-              </a:defRPr>
-            </a:lvl5pPr>
-            <a:lvl6pPr marL="2286000" algn="l" defTabSz="914400" rtl="0" eaLnBrk="1" latinLnBrk="0" hangingPunct="1">
-              <a:defRPr kern="1200">
-                <a:solidFill>
-                  <a:schemeClr val="tx1"/>
-                </a:solidFill>
-                <a:latin typeface="Arial" charset="0"/>
-                <a:ea typeface="+mn-ea"/>
-                <a:cs typeface="Arial" charset="0"/>
-              </a:defRPr>
-            </a:lvl6pPr>
-            <a:lvl7pPr marL="2743200" algn="l" defTabSz="914400" rtl="0" eaLnBrk="1" latinLnBrk="0" hangingPunct="1">
-              <a:defRPr kern="1200">
-                <a:solidFill>
-                  <a:schemeClr val="tx1"/>
-                </a:solidFill>
-                <a:latin typeface="Arial" charset="0"/>
-                <a:ea typeface="+mn-ea"/>
-                <a:cs typeface="Arial" charset="0"/>
-              </a:defRPr>
-            </a:lvl7pPr>
-            <a:lvl8pPr marL="3200400" algn="l" defTabSz="914400" rtl="0" eaLnBrk="1" latinLnBrk="0" hangingPunct="1">
-              <a:defRPr kern="1200">
-                <a:solidFill>
-                  <a:schemeClr val="tx1"/>
-                </a:solidFill>
-                <a:latin typeface="Arial" charset="0"/>
-                <a:ea typeface="+mn-ea"/>
-                <a:cs typeface="Arial" charset="0"/>
-              </a:defRPr>
-            </a:lvl8pPr>
-            <a:lvl9pPr marL="3657600" algn="l" defTabSz="914400" rtl="0" eaLnBrk="1" latinLnBrk="0" hangingPunct="1">
-              <a:defRPr kern="1200">
-                <a:solidFill>
-                  <a:schemeClr val="tx1"/>
-                </a:solidFill>
-                <a:latin typeface="Arial" charset="0"/>
-                <a:ea typeface="+mn-ea"/>
-                <a:cs typeface="Arial" charset="0"/>
-              </a:defRPr>
-            </a:lvl9pPr>
-          </a:lstStyle>
-          <a:p>
-            <a:pPr>
-              <a:defRPr/>
-            </a:pPr>
-            <a:r>
-              <a:rPr lang="fr-FR" dirty="0" err="1"/>
-              <a:t>Geostatistics</a:t>
-            </a:r>
-            <a:endParaRPr lang="fr-FR" dirty="0"/>
-          </a:p>
-        </p:txBody>
-      </p:sp>
-      <p:sp>
-        <p:nvSpPr>
-          <p:cNvPr id="4" name="Espaço Reservado para Conteúdo 3">
-            <a:extLst>
-              <a:ext uri="{FF2B5EF4-FFF2-40B4-BE49-F238E27FC236}">
-                <a16:creationId xmlns:a16="http://schemas.microsoft.com/office/drawing/2014/main" id="{C81EE1C5-4E52-4EF2-B1DD-BA135106C3BB}"/>
-              </a:ext>
-            </a:extLst>
-          </p:cNvPr>
-          <p:cNvSpPr>
-            <a:spLocks noGrp="1"/>
-          </p:cNvSpPr>
-          <p:nvPr>
-            <p:ph idx="1"/>
-          </p:nvPr>
-        </p:nvSpPr>
-        <p:spPr/>
-        <p:txBody>
-          <a:bodyPr/>
-          <a:lstStyle/>
-          <a:p>
-            <a:pPr marL="114300" indent="0">
-              <a:buNone/>
-            </a:pPr>
-            <a:endParaRPr lang="en-US" dirty="0"/>
-          </a:p>
-          <a:p>
-            <a:pPr marL="114300" indent="0">
-              <a:buNone/>
-            </a:pPr>
-            <a:r>
-              <a:rPr lang="en-US" dirty="0"/>
-              <a:t>x=c(1,4,5,4)</a:t>
-            </a:r>
-          </a:p>
-          <a:p>
-            <a:pPr marL="114300" indent="0">
-              <a:buNone/>
-            </a:pPr>
-            <a:r>
-              <a:rPr lang="en-US" dirty="0"/>
-              <a:t>&gt;x</a:t>
-            </a:r>
-          </a:p>
-          <a:p>
-            <a:pPr marL="114300" indent="0">
-              <a:buNone/>
-            </a:pPr>
-            <a:r>
-              <a:rPr lang="en-US" dirty="0"/>
-              <a:t>X[1] #first value of </a:t>
-            </a:r>
-            <a:r>
-              <a:rPr lang="en-US"/>
-              <a:t>the vector</a:t>
-            </a:r>
-            <a:endParaRPr lang="en-US" dirty="0"/>
-          </a:p>
-          <a:p>
-            <a:pPr marL="114300" indent="0">
-              <a:buNone/>
-            </a:pPr>
-            <a:r>
-              <a:rPr lang="en-US" dirty="0"/>
-              <a:t>&gt;y=c(2,5,7)</a:t>
-            </a:r>
-          </a:p>
-          <a:p>
-            <a:pPr marL="114300" indent="0">
-              <a:buNone/>
-            </a:pPr>
-            <a:r>
-              <a:rPr lang="en-US" dirty="0"/>
-              <a:t>&gt;y</a:t>
-            </a:r>
-          </a:p>
-          <a:p>
-            <a:pPr marL="114300" indent="0">
-              <a:buNone/>
-            </a:pPr>
-            <a:r>
-              <a:rPr lang="en-US" dirty="0"/>
-              <a:t>&gt;z=c(</a:t>
-            </a:r>
-            <a:r>
-              <a:rPr lang="en-US" dirty="0" err="1"/>
-              <a:t>x,y</a:t>
-            </a:r>
-            <a:r>
-              <a:rPr lang="en-US" dirty="0"/>
-              <a:t>)</a:t>
-            </a:r>
-          </a:p>
-          <a:p>
-            <a:pPr marL="114300" indent="0">
-              <a:buNone/>
-            </a:pPr>
-            <a:r>
-              <a:rPr lang="en-US" dirty="0"/>
-              <a:t>&gt;z</a:t>
-            </a:r>
-          </a:p>
-          <a:p>
-            <a:pPr marL="114300" indent="0">
-              <a:buNone/>
-            </a:pPr>
-            <a:endParaRPr lang="en-US" dirty="0"/>
-          </a:p>
-          <a:p>
-            <a:pPr marL="114300" indent="0">
-              <a:buNone/>
-            </a:pPr>
-            <a:r>
-              <a:rPr lang="nn-NO" dirty="0"/>
-              <a:t>&gt;max(), min(),</a:t>
-            </a:r>
-          </a:p>
-          <a:p>
-            <a:pPr marL="114300" indent="0">
-              <a:buNone/>
-            </a:pPr>
-            <a:r>
-              <a:rPr lang="nn-NO" dirty="0"/>
-              <a:t>length(), sum(), </a:t>
-            </a:r>
-          </a:p>
-          <a:p>
-            <a:pPr marL="114300" indent="0">
-              <a:buNone/>
-            </a:pPr>
-            <a:r>
-              <a:rPr lang="nn-NO" dirty="0"/>
-              <a:t>median()</a:t>
-            </a:r>
-            <a:endParaRPr lang="en-US" dirty="0"/>
-          </a:p>
-        </p:txBody>
-      </p:sp>
-      <p:pic>
-        <p:nvPicPr>
-          <p:cNvPr id="3" name="Imagem 2">
-            <a:extLst>
-              <a:ext uri="{FF2B5EF4-FFF2-40B4-BE49-F238E27FC236}">
-                <a16:creationId xmlns:a16="http://schemas.microsoft.com/office/drawing/2014/main" id="{65154AE2-A49C-46DB-BDB8-B8A743E2A9B6}"/>
-              </a:ext>
-            </a:extLst>
-          </p:cNvPr>
-          <p:cNvPicPr>
-            <a:picLocks noChangeAspect="1"/>
-          </p:cNvPicPr>
-          <p:nvPr/>
-        </p:nvPicPr>
-        <p:blipFill>
-          <a:blip r:embed="rId2"/>
-          <a:stretch>
-            <a:fillRect/>
-          </a:stretch>
-        </p:blipFill>
-        <p:spPr>
-          <a:xfrm>
-            <a:off x="3255076" y="1508919"/>
-            <a:ext cx="4862142" cy="4983162"/>
-          </a:xfrm>
-          <a:prstGeom prst="rect">
-            <a:avLst/>
-          </a:prstGeom>
-        </p:spPr>
-      </p:pic>
-    </p:spTree>
-    <p:extLst>
-      <p:ext uri="{BB962C8B-B14F-4D97-AF65-F5344CB8AC3E}">
-        <p14:creationId xmlns:p14="http://schemas.microsoft.com/office/powerpoint/2010/main" val="2902389669"/>
-      </p:ext>
-    </p:extLst>
-  </p:cSld>
-  <p:clrMapOvr>
-    <a:masterClrMapping/>
-  </p:clrMapOvr>
-  <p:transition spd="med">
-    <p:strips dir="rd"/>
-  </p:transition>
-</p:sld>
-</file>
-
-<file path=ppt/slides/slide19.xml><?xml version="1.0" encoding="utf-8"?>
-<p:sld xmlns:a="http://schemas.openxmlformats.org/drawingml/2006/main" xmlns:r="http://schemas.openxmlformats.org/officeDocument/2006/relationships" xmlns:p="http://schemas.openxmlformats.org/presentationml/2006/main">
-  <p:cSld>
-    <p:spTree>
-      <p:nvGrpSpPr>
-        <p:cNvPr id="1" name=""/>
-        <p:cNvGrpSpPr/>
-        <p:nvPr/>
-      </p:nvGrpSpPr>
-      <p:grpSpPr>
-        <a:xfrm>
-          <a:off x="0" y="0"/>
-          <a:ext cx="0" cy="0"/>
-          <a:chOff x="0" y="0"/>
-          <a:chExt cx="0" cy="0"/>
-        </a:xfrm>
-      </p:grpSpPr>
-      <p:sp>
-        <p:nvSpPr>
-          <p:cNvPr id="2" name="Titre 1"/>
-          <p:cNvSpPr>
-            <a:spLocks noGrp="1"/>
-          </p:cNvSpPr>
-          <p:nvPr>
-            <p:ph type="title"/>
-          </p:nvPr>
-        </p:nvSpPr>
-        <p:spPr>
-          <a:xfrm>
-            <a:off x="457200" y="274638"/>
-            <a:ext cx="7620000" cy="1143000"/>
-          </a:xfrm>
-        </p:spPr>
-        <p:txBody>
-          <a:bodyPr/>
-          <a:lstStyle/>
-          <a:p>
-            <a:r>
-              <a:rPr lang="fr-BE" dirty="0"/>
-              <a:t>Condition</a:t>
-            </a:r>
-          </a:p>
-        </p:txBody>
-      </p:sp>
-      <p:sp>
-        <p:nvSpPr>
-          <p:cNvPr id="18" name="Footer Placeholder 4"/>
-          <p:cNvSpPr txBox="1">
-            <a:spLocks/>
-          </p:cNvSpPr>
-          <p:nvPr/>
-        </p:nvSpPr>
-        <p:spPr>
-          <a:xfrm rot="16200000">
-            <a:off x="7587456" y="4048919"/>
-            <a:ext cx="2366963" cy="365125"/>
-          </a:xfrm>
-          <a:prstGeom prst="rect">
-            <a:avLst/>
-          </a:prstGeom>
-        </p:spPr>
-        <p:txBody>
-          <a:bodyPr vert="horz" lIns="91440" tIns="45720" rIns="91440" bIns="45720" rtlCol="0" anchor="ctr"/>
-          <a:lstStyle>
-            <a:defPPr>
-              <a:defRPr lang="fr-BE"/>
-            </a:defPPr>
-            <a:lvl1pPr algn="ctr" rtl="0" fontAlgn="base">
-              <a:spcBef>
-                <a:spcPct val="0"/>
-              </a:spcBef>
-              <a:spcAft>
-                <a:spcPct val="0"/>
-              </a:spcAft>
-              <a:defRPr sz="1200" kern="1200" dirty="0" smtClean="0">
-                <a:solidFill>
-                  <a:schemeClr val="bg2"/>
-                </a:solidFill>
-                <a:latin typeface="Arial" charset="0"/>
-                <a:ea typeface="+mn-ea"/>
-                <a:cs typeface="Arial" charset="0"/>
-              </a:defRPr>
-            </a:lvl1pPr>
-            <a:lvl2pPr marL="457200" algn="ctr" rtl="0" fontAlgn="base">
-              <a:spcBef>
-                <a:spcPct val="0"/>
-              </a:spcBef>
-              <a:spcAft>
-                <a:spcPct val="0"/>
-              </a:spcAft>
-              <a:defRPr kern="1200">
-                <a:solidFill>
-                  <a:schemeClr val="tx1"/>
-                </a:solidFill>
-                <a:latin typeface="Arial" charset="0"/>
-                <a:ea typeface="+mn-ea"/>
-                <a:cs typeface="Arial" charset="0"/>
-              </a:defRPr>
-            </a:lvl2pPr>
-            <a:lvl3pPr marL="914400" algn="ctr" rtl="0" fontAlgn="base">
-              <a:spcBef>
-                <a:spcPct val="0"/>
-              </a:spcBef>
-              <a:spcAft>
-                <a:spcPct val="0"/>
-              </a:spcAft>
-              <a:defRPr kern="1200">
-                <a:solidFill>
-                  <a:schemeClr val="tx1"/>
-                </a:solidFill>
-                <a:latin typeface="Arial" charset="0"/>
-                <a:ea typeface="+mn-ea"/>
-                <a:cs typeface="Arial" charset="0"/>
-              </a:defRPr>
-            </a:lvl3pPr>
-            <a:lvl4pPr marL="1371600" algn="ctr" rtl="0" fontAlgn="base">
-              <a:spcBef>
-                <a:spcPct val="0"/>
-              </a:spcBef>
-              <a:spcAft>
-                <a:spcPct val="0"/>
-              </a:spcAft>
-              <a:defRPr kern="1200">
-                <a:solidFill>
-                  <a:schemeClr val="tx1"/>
-                </a:solidFill>
-                <a:latin typeface="Arial" charset="0"/>
-                <a:ea typeface="+mn-ea"/>
-                <a:cs typeface="Arial" charset="0"/>
-              </a:defRPr>
-            </a:lvl4pPr>
-            <a:lvl5pPr marL="1828800" algn="ctr" rtl="0" fontAlgn="base">
-              <a:spcBef>
-                <a:spcPct val="0"/>
-              </a:spcBef>
-              <a:spcAft>
-                <a:spcPct val="0"/>
-              </a:spcAft>
-              <a:defRPr kern="1200">
-                <a:solidFill>
-                  <a:schemeClr val="tx1"/>
-                </a:solidFill>
-                <a:latin typeface="Arial" charset="0"/>
-                <a:ea typeface="+mn-ea"/>
-                <a:cs typeface="Arial" charset="0"/>
-              </a:defRPr>
-            </a:lvl5pPr>
-            <a:lvl6pPr marL="2286000" algn="l" defTabSz="914400" rtl="0" eaLnBrk="1" latinLnBrk="0" hangingPunct="1">
-              <a:defRPr kern="1200">
-                <a:solidFill>
-                  <a:schemeClr val="tx1"/>
-                </a:solidFill>
-                <a:latin typeface="Arial" charset="0"/>
-                <a:ea typeface="+mn-ea"/>
-                <a:cs typeface="Arial" charset="0"/>
-              </a:defRPr>
-            </a:lvl6pPr>
-            <a:lvl7pPr marL="2743200" algn="l" defTabSz="914400" rtl="0" eaLnBrk="1" latinLnBrk="0" hangingPunct="1">
-              <a:defRPr kern="1200">
-                <a:solidFill>
-                  <a:schemeClr val="tx1"/>
-                </a:solidFill>
-                <a:latin typeface="Arial" charset="0"/>
-                <a:ea typeface="+mn-ea"/>
-                <a:cs typeface="Arial" charset="0"/>
-              </a:defRPr>
-            </a:lvl7pPr>
-            <a:lvl8pPr marL="3200400" algn="l" defTabSz="914400" rtl="0" eaLnBrk="1" latinLnBrk="0" hangingPunct="1">
-              <a:defRPr kern="1200">
-                <a:solidFill>
-                  <a:schemeClr val="tx1"/>
-                </a:solidFill>
-                <a:latin typeface="Arial" charset="0"/>
-                <a:ea typeface="+mn-ea"/>
-                <a:cs typeface="Arial" charset="0"/>
-              </a:defRPr>
-            </a:lvl8pPr>
-            <a:lvl9pPr marL="3657600" algn="l" defTabSz="914400" rtl="0" eaLnBrk="1" latinLnBrk="0" hangingPunct="1">
-              <a:defRPr kern="1200">
-                <a:solidFill>
-                  <a:schemeClr val="tx1"/>
-                </a:solidFill>
-                <a:latin typeface="Arial" charset="0"/>
-                <a:ea typeface="+mn-ea"/>
-                <a:cs typeface="Arial" charset="0"/>
-              </a:defRPr>
-            </a:lvl9pPr>
-          </a:lstStyle>
-          <a:p>
-            <a:pPr>
-              <a:defRPr/>
-            </a:pPr>
-            <a:r>
-              <a:rPr lang="fr-FR" dirty="0" err="1"/>
-              <a:t>Geostatistics</a:t>
-            </a:r>
-            <a:endParaRPr lang="fr-FR" dirty="0"/>
-          </a:p>
-        </p:txBody>
-      </p:sp>
-      <p:sp>
-        <p:nvSpPr>
-          <p:cNvPr id="4" name="Espaço Reservado para Conteúdo 3">
-            <a:extLst>
-              <a:ext uri="{FF2B5EF4-FFF2-40B4-BE49-F238E27FC236}">
-                <a16:creationId xmlns:a16="http://schemas.microsoft.com/office/drawing/2014/main" id="{C81EE1C5-4E52-4EF2-B1DD-BA135106C3BB}"/>
-              </a:ext>
-            </a:extLst>
-          </p:cNvPr>
-          <p:cNvSpPr>
-            <a:spLocks noGrp="1"/>
-          </p:cNvSpPr>
-          <p:nvPr>
-            <p:ph idx="1"/>
-          </p:nvPr>
-        </p:nvSpPr>
-        <p:spPr>
-          <a:xfrm>
-            <a:off x="457200" y="1589926"/>
-            <a:ext cx="7620000" cy="4800600"/>
-          </a:xfrm>
-        </p:spPr>
-        <p:txBody>
-          <a:bodyPr/>
-          <a:lstStyle/>
-          <a:p>
-            <a:pPr marL="114300" indent="0">
-              <a:buNone/>
-            </a:pPr>
-            <a:r>
-              <a:rPr lang="en-US" dirty="0"/>
-              <a:t>Commands if and else allow you to perform a conditional operation.</a:t>
-            </a:r>
-          </a:p>
-          <a:p>
-            <a:endParaRPr lang="en-US" dirty="0"/>
-          </a:p>
-          <a:p>
-            <a:pPr marL="114300" indent="0">
-              <a:buNone/>
-            </a:pPr>
-            <a:r>
-              <a:rPr lang="en-US" dirty="0"/>
-              <a:t>&gt;x=4</a:t>
-            </a:r>
-          </a:p>
-          <a:p>
-            <a:pPr marL="114300" indent="0">
-              <a:buNone/>
-            </a:pPr>
-            <a:r>
-              <a:rPr lang="en-US" dirty="0"/>
-              <a:t>&gt;if(x&gt;2){print("ok")} # </a:t>
-            </a:r>
-            <a:r>
-              <a:rPr lang="en-US" b="1" dirty="0"/>
-              <a:t>why “” ?</a:t>
-            </a:r>
-          </a:p>
-          <a:p>
-            <a:pPr marL="114300" indent="0">
-              <a:buNone/>
-            </a:pPr>
-            <a:r>
-              <a:rPr lang="en-US" dirty="0"/>
-              <a:t>&gt;if(x&lt;2){print("ok")}</a:t>
-            </a:r>
-          </a:p>
-          <a:p>
-            <a:pPr marL="114300" indent="0">
-              <a:buNone/>
-            </a:pPr>
-            <a:r>
-              <a:rPr lang="en-US" dirty="0"/>
-              <a:t>&gt;if(x&lt;2){print("ok")}else{print("non")}</a:t>
-            </a:r>
-          </a:p>
-          <a:p>
-            <a:pPr marL="114300" indent="0">
-              <a:buNone/>
-            </a:pPr>
-            <a:r>
-              <a:rPr lang="en-US" dirty="0"/>
-              <a:t>&gt;if(T){print("Obviously!")}</a:t>
-            </a:r>
-          </a:p>
-          <a:p>
-            <a:pPr marL="114300" indent="0">
-              <a:buNone/>
-            </a:pPr>
-            <a:endParaRPr lang="en-US" dirty="0"/>
-          </a:p>
-          <a:p>
-            <a:pPr marL="114300" indent="0">
-              <a:buNone/>
-            </a:pPr>
-            <a:r>
-              <a:rPr lang="en-US" dirty="0"/>
-              <a:t>- Example: if function for indicating for metal low, medium, high and super high grades… </a:t>
-            </a:r>
-          </a:p>
-        </p:txBody>
-      </p:sp>
-    </p:spTree>
-    <p:extLst>
-      <p:ext uri="{BB962C8B-B14F-4D97-AF65-F5344CB8AC3E}">
-        <p14:creationId xmlns:p14="http://schemas.microsoft.com/office/powerpoint/2010/main" val="3198462973"/>
-      </p:ext>
-    </p:extLst>
-  </p:cSld>
-  <p:clrMapOvr>
-    <a:masterClrMapping/>
-  </p:clrMapOvr>
-  <p:transition spd="med">
-    <p:strips dir="rd"/>
-  </p:transition>
-</p:sld>
-</file>
-
 <file path=ppt/slides/slide2.xml><?xml version="1.0" encoding="utf-8"?>
 <p:sld xmlns:a="http://schemas.openxmlformats.org/drawingml/2006/main" xmlns:r="http://schemas.openxmlformats.org/officeDocument/2006/relationships" xmlns:p="http://schemas.openxmlformats.org/presentationml/2006/main">
   <p:cSld>
@@ -7740,2965 +3897,6 @@
     <p:extLst>
       <p:ext uri="{BB962C8B-B14F-4D97-AF65-F5344CB8AC3E}">
         <p14:creationId xmlns:p14="http://schemas.microsoft.com/office/powerpoint/2010/main" val="2395098354"/>
-      </p:ext>
-    </p:extLst>
-  </p:cSld>
-  <p:clrMapOvr>
-    <a:masterClrMapping/>
-  </p:clrMapOvr>
-  <p:transition spd="med">
-    <p:strips dir="rd"/>
-  </p:transition>
-</p:sld>
-</file>
-
-<file path=ppt/slides/slide20.xml><?xml version="1.0" encoding="utf-8"?>
-<p:sld xmlns:a="http://schemas.openxmlformats.org/drawingml/2006/main" xmlns:r="http://schemas.openxmlformats.org/officeDocument/2006/relationships" xmlns:p="http://schemas.openxmlformats.org/presentationml/2006/main">
-  <p:cSld>
-    <p:spTree>
-      <p:nvGrpSpPr>
-        <p:cNvPr id="1" name=""/>
-        <p:cNvGrpSpPr/>
-        <p:nvPr/>
-      </p:nvGrpSpPr>
-      <p:grpSpPr>
-        <a:xfrm>
-          <a:off x="0" y="0"/>
-          <a:ext cx="0" cy="0"/>
-          <a:chOff x="0" y="0"/>
-          <a:chExt cx="0" cy="0"/>
-        </a:xfrm>
-      </p:grpSpPr>
-      <p:sp>
-        <p:nvSpPr>
-          <p:cNvPr id="2" name="Titre 1"/>
-          <p:cNvSpPr>
-            <a:spLocks noGrp="1"/>
-          </p:cNvSpPr>
-          <p:nvPr>
-            <p:ph type="title"/>
-          </p:nvPr>
-        </p:nvSpPr>
-        <p:spPr>
-          <a:xfrm>
-            <a:off x="457200" y="274638"/>
-            <a:ext cx="7620000" cy="1143000"/>
-          </a:xfrm>
-        </p:spPr>
-        <p:txBody>
-          <a:bodyPr/>
-          <a:lstStyle/>
-          <a:p>
-            <a:r>
-              <a:rPr lang="fr-BE" dirty="0"/>
-              <a:t>Loops</a:t>
-            </a:r>
-          </a:p>
-        </p:txBody>
-      </p:sp>
-      <p:sp>
-        <p:nvSpPr>
-          <p:cNvPr id="18" name="Footer Placeholder 4"/>
-          <p:cNvSpPr txBox="1">
-            <a:spLocks/>
-          </p:cNvSpPr>
-          <p:nvPr/>
-        </p:nvSpPr>
-        <p:spPr>
-          <a:xfrm rot="16200000">
-            <a:off x="7587456" y="4048919"/>
-            <a:ext cx="2366963" cy="365125"/>
-          </a:xfrm>
-          <a:prstGeom prst="rect">
-            <a:avLst/>
-          </a:prstGeom>
-        </p:spPr>
-        <p:txBody>
-          <a:bodyPr vert="horz" lIns="91440" tIns="45720" rIns="91440" bIns="45720" rtlCol="0" anchor="ctr"/>
-          <a:lstStyle>
-            <a:defPPr>
-              <a:defRPr lang="fr-BE"/>
-            </a:defPPr>
-            <a:lvl1pPr algn="ctr" rtl="0" fontAlgn="base">
-              <a:spcBef>
-                <a:spcPct val="0"/>
-              </a:spcBef>
-              <a:spcAft>
-                <a:spcPct val="0"/>
-              </a:spcAft>
-              <a:defRPr sz="1200" kern="1200" dirty="0" smtClean="0">
-                <a:solidFill>
-                  <a:schemeClr val="bg2"/>
-                </a:solidFill>
-                <a:latin typeface="Arial" charset="0"/>
-                <a:ea typeface="+mn-ea"/>
-                <a:cs typeface="Arial" charset="0"/>
-              </a:defRPr>
-            </a:lvl1pPr>
-            <a:lvl2pPr marL="457200" algn="ctr" rtl="0" fontAlgn="base">
-              <a:spcBef>
-                <a:spcPct val="0"/>
-              </a:spcBef>
-              <a:spcAft>
-                <a:spcPct val="0"/>
-              </a:spcAft>
-              <a:defRPr kern="1200">
-                <a:solidFill>
-                  <a:schemeClr val="tx1"/>
-                </a:solidFill>
-                <a:latin typeface="Arial" charset="0"/>
-                <a:ea typeface="+mn-ea"/>
-                <a:cs typeface="Arial" charset="0"/>
-              </a:defRPr>
-            </a:lvl2pPr>
-            <a:lvl3pPr marL="914400" algn="ctr" rtl="0" fontAlgn="base">
-              <a:spcBef>
-                <a:spcPct val="0"/>
-              </a:spcBef>
-              <a:spcAft>
-                <a:spcPct val="0"/>
-              </a:spcAft>
-              <a:defRPr kern="1200">
-                <a:solidFill>
-                  <a:schemeClr val="tx1"/>
-                </a:solidFill>
-                <a:latin typeface="Arial" charset="0"/>
-                <a:ea typeface="+mn-ea"/>
-                <a:cs typeface="Arial" charset="0"/>
-              </a:defRPr>
-            </a:lvl3pPr>
-            <a:lvl4pPr marL="1371600" algn="ctr" rtl="0" fontAlgn="base">
-              <a:spcBef>
-                <a:spcPct val="0"/>
-              </a:spcBef>
-              <a:spcAft>
-                <a:spcPct val="0"/>
-              </a:spcAft>
-              <a:defRPr kern="1200">
-                <a:solidFill>
-                  <a:schemeClr val="tx1"/>
-                </a:solidFill>
-                <a:latin typeface="Arial" charset="0"/>
-                <a:ea typeface="+mn-ea"/>
-                <a:cs typeface="Arial" charset="0"/>
-              </a:defRPr>
-            </a:lvl4pPr>
-            <a:lvl5pPr marL="1828800" algn="ctr" rtl="0" fontAlgn="base">
-              <a:spcBef>
-                <a:spcPct val="0"/>
-              </a:spcBef>
-              <a:spcAft>
-                <a:spcPct val="0"/>
-              </a:spcAft>
-              <a:defRPr kern="1200">
-                <a:solidFill>
-                  <a:schemeClr val="tx1"/>
-                </a:solidFill>
-                <a:latin typeface="Arial" charset="0"/>
-                <a:ea typeface="+mn-ea"/>
-                <a:cs typeface="Arial" charset="0"/>
-              </a:defRPr>
-            </a:lvl5pPr>
-            <a:lvl6pPr marL="2286000" algn="l" defTabSz="914400" rtl="0" eaLnBrk="1" latinLnBrk="0" hangingPunct="1">
-              <a:defRPr kern="1200">
-                <a:solidFill>
-                  <a:schemeClr val="tx1"/>
-                </a:solidFill>
-                <a:latin typeface="Arial" charset="0"/>
-                <a:ea typeface="+mn-ea"/>
-                <a:cs typeface="Arial" charset="0"/>
-              </a:defRPr>
-            </a:lvl6pPr>
-            <a:lvl7pPr marL="2743200" algn="l" defTabSz="914400" rtl="0" eaLnBrk="1" latinLnBrk="0" hangingPunct="1">
-              <a:defRPr kern="1200">
-                <a:solidFill>
-                  <a:schemeClr val="tx1"/>
-                </a:solidFill>
-                <a:latin typeface="Arial" charset="0"/>
-                <a:ea typeface="+mn-ea"/>
-                <a:cs typeface="Arial" charset="0"/>
-              </a:defRPr>
-            </a:lvl7pPr>
-            <a:lvl8pPr marL="3200400" algn="l" defTabSz="914400" rtl="0" eaLnBrk="1" latinLnBrk="0" hangingPunct="1">
-              <a:defRPr kern="1200">
-                <a:solidFill>
-                  <a:schemeClr val="tx1"/>
-                </a:solidFill>
-                <a:latin typeface="Arial" charset="0"/>
-                <a:ea typeface="+mn-ea"/>
-                <a:cs typeface="Arial" charset="0"/>
-              </a:defRPr>
-            </a:lvl8pPr>
-            <a:lvl9pPr marL="3657600" algn="l" defTabSz="914400" rtl="0" eaLnBrk="1" latinLnBrk="0" hangingPunct="1">
-              <a:defRPr kern="1200">
-                <a:solidFill>
-                  <a:schemeClr val="tx1"/>
-                </a:solidFill>
-                <a:latin typeface="Arial" charset="0"/>
-                <a:ea typeface="+mn-ea"/>
-                <a:cs typeface="Arial" charset="0"/>
-              </a:defRPr>
-            </a:lvl9pPr>
-          </a:lstStyle>
-          <a:p>
-            <a:pPr>
-              <a:defRPr/>
-            </a:pPr>
-            <a:r>
-              <a:rPr lang="fr-FR" dirty="0" err="1"/>
-              <a:t>Geostatistics</a:t>
-            </a:r>
-            <a:endParaRPr lang="fr-FR" dirty="0"/>
-          </a:p>
-        </p:txBody>
-      </p:sp>
-      <p:sp>
-        <p:nvSpPr>
-          <p:cNvPr id="4" name="Espaço Reservado para Conteúdo 3">
-            <a:extLst>
-              <a:ext uri="{FF2B5EF4-FFF2-40B4-BE49-F238E27FC236}">
-                <a16:creationId xmlns:a16="http://schemas.microsoft.com/office/drawing/2014/main" id="{C81EE1C5-4E52-4EF2-B1DD-BA135106C3BB}"/>
-              </a:ext>
-            </a:extLst>
-          </p:cNvPr>
-          <p:cNvSpPr>
-            <a:spLocks noGrp="1"/>
-          </p:cNvSpPr>
-          <p:nvPr>
-            <p:ph idx="1"/>
-          </p:nvPr>
-        </p:nvSpPr>
-        <p:spPr>
-          <a:xfrm>
-            <a:off x="457200" y="1417638"/>
-            <a:ext cx="7620000" cy="4335890"/>
-          </a:xfrm>
-        </p:spPr>
-        <p:txBody>
-          <a:bodyPr/>
-          <a:lstStyle/>
-          <a:p>
-            <a:endParaRPr lang="en-US" dirty="0"/>
-          </a:p>
-          <a:p>
-            <a:pPr marL="114300" indent="0">
-              <a:buNone/>
-            </a:pPr>
-            <a:r>
-              <a:rPr lang="en-US" dirty="0"/>
-              <a:t>Loops allow you to repeat an operation.</a:t>
-            </a:r>
-          </a:p>
-          <a:p>
-            <a:pPr marL="114300" indent="0">
-              <a:buNone/>
-            </a:pPr>
-            <a:endParaRPr lang="en-US" dirty="0"/>
-          </a:p>
-          <a:p>
-            <a:pPr marL="114300" indent="0">
-              <a:buNone/>
-            </a:pPr>
-            <a:r>
-              <a:rPr lang="nn-NO" dirty="0"/>
-              <a:t>&gt;for(i in 1:10){print(i)}</a:t>
-            </a:r>
-          </a:p>
-          <a:p>
-            <a:pPr marL="114300" indent="0">
-              <a:buNone/>
-            </a:pPr>
-            <a:r>
-              <a:rPr lang="nn-NO" dirty="0"/>
-              <a:t>&gt;for(i in 1:10){print(2*i)}</a:t>
-            </a:r>
-          </a:p>
-          <a:p>
-            <a:pPr marL="114300" indent="0">
-              <a:buNone/>
-            </a:pPr>
-            <a:r>
-              <a:rPr lang="nn-NO" dirty="0"/>
-              <a:t>&gt;for(i in 10:1){print(i)}</a:t>
-            </a:r>
-          </a:p>
-          <a:p>
-            <a:pPr marL="114300" indent="0">
-              <a:buNone/>
-            </a:pPr>
-            <a:r>
-              <a:rPr lang="en-US" dirty="0"/>
-              <a:t>&gt;x=rep(0,10)</a:t>
-            </a:r>
-          </a:p>
-          <a:p>
-            <a:pPr marL="114300" indent="0">
-              <a:buNone/>
-            </a:pPr>
-            <a:r>
-              <a:rPr lang="nn-NO" dirty="0"/>
-              <a:t>&gt;for(i in 1:10){x[i]=i}</a:t>
-            </a:r>
-          </a:p>
-          <a:p>
-            <a:pPr marL="114300" indent="0">
-              <a:buNone/>
-            </a:pPr>
-            <a:r>
-              <a:rPr lang="en-US" dirty="0"/>
-              <a:t>&gt;x</a:t>
-            </a:r>
-          </a:p>
-        </p:txBody>
-      </p:sp>
-    </p:spTree>
-    <p:extLst>
-      <p:ext uri="{BB962C8B-B14F-4D97-AF65-F5344CB8AC3E}">
-        <p14:creationId xmlns:p14="http://schemas.microsoft.com/office/powerpoint/2010/main" val="1274556999"/>
-      </p:ext>
-    </p:extLst>
-  </p:cSld>
-  <p:clrMapOvr>
-    <a:masterClrMapping/>
-  </p:clrMapOvr>
-  <p:transition spd="med">
-    <p:strips dir="rd"/>
-  </p:transition>
-</p:sld>
-</file>
-
-<file path=ppt/slides/slide21.xml><?xml version="1.0" encoding="utf-8"?>
-<p:sld xmlns:a="http://schemas.openxmlformats.org/drawingml/2006/main" xmlns:r="http://schemas.openxmlformats.org/officeDocument/2006/relationships" xmlns:p="http://schemas.openxmlformats.org/presentationml/2006/main">
-  <p:cSld>
-    <p:spTree>
-      <p:nvGrpSpPr>
-        <p:cNvPr id="1" name=""/>
-        <p:cNvGrpSpPr/>
-        <p:nvPr/>
-      </p:nvGrpSpPr>
-      <p:grpSpPr>
-        <a:xfrm>
-          <a:off x="0" y="0"/>
-          <a:ext cx="0" cy="0"/>
-          <a:chOff x="0" y="0"/>
-          <a:chExt cx="0" cy="0"/>
-        </a:xfrm>
-      </p:grpSpPr>
-      <p:sp>
-        <p:nvSpPr>
-          <p:cNvPr id="2" name="Titre 1"/>
-          <p:cNvSpPr>
-            <a:spLocks noGrp="1"/>
-          </p:cNvSpPr>
-          <p:nvPr>
-            <p:ph type="title"/>
-          </p:nvPr>
-        </p:nvSpPr>
-        <p:spPr>
-          <a:xfrm>
-            <a:off x="457200" y="274638"/>
-            <a:ext cx="7620000" cy="1143000"/>
-          </a:xfrm>
-        </p:spPr>
-        <p:txBody>
-          <a:bodyPr/>
-          <a:lstStyle/>
-          <a:p>
-            <a:r>
-              <a:rPr lang="fr-BE" dirty="0"/>
-              <a:t>Other usefull functions</a:t>
-            </a:r>
-          </a:p>
-        </p:txBody>
-      </p:sp>
-      <p:sp>
-        <p:nvSpPr>
-          <p:cNvPr id="18" name="Footer Placeholder 4"/>
-          <p:cNvSpPr txBox="1">
-            <a:spLocks/>
-          </p:cNvSpPr>
-          <p:nvPr/>
-        </p:nvSpPr>
-        <p:spPr>
-          <a:xfrm rot="16200000">
-            <a:off x="7587456" y="4048919"/>
-            <a:ext cx="2366963" cy="365125"/>
-          </a:xfrm>
-          <a:prstGeom prst="rect">
-            <a:avLst/>
-          </a:prstGeom>
-        </p:spPr>
-        <p:txBody>
-          <a:bodyPr vert="horz" lIns="91440" tIns="45720" rIns="91440" bIns="45720" rtlCol="0" anchor="ctr"/>
-          <a:lstStyle>
-            <a:defPPr>
-              <a:defRPr lang="fr-BE"/>
-            </a:defPPr>
-            <a:lvl1pPr algn="ctr" rtl="0" fontAlgn="base">
-              <a:spcBef>
-                <a:spcPct val="0"/>
-              </a:spcBef>
-              <a:spcAft>
-                <a:spcPct val="0"/>
-              </a:spcAft>
-              <a:defRPr sz="1200" kern="1200" dirty="0" smtClean="0">
-                <a:solidFill>
-                  <a:schemeClr val="bg2"/>
-                </a:solidFill>
-                <a:latin typeface="Arial" charset="0"/>
-                <a:ea typeface="+mn-ea"/>
-                <a:cs typeface="Arial" charset="0"/>
-              </a:defRPr>
-            </a:lvl1pPr>
-            <a:lvl2pPr marL="457200" algn="ctr" rtl="0" fontAlgn="base">
-              <a:spcBef>
-                <a:spcPct val="0"/>
-              </a:spcBef>
-              <a:spcAft>
-                <a:spcPct val="0"/>
-              </a:spcAft>
-              <a:defRPr kern="1200">
-                <a:solidFill>
-                  <a:schemeClr val="tx1"/>
-                </a:solidFill>
-                <a:latin typeface="Arial" charset="0"/>
-                <a:ea typeface="+mn-ea"/>
-                <a:cs typeface="Arial" charset="0"/>
-              </a:defRPr>
-            </a:lvl2pPr>
-            <a:lvl3pPr marL="914400" algn="ctr" rtl="0" fontAlgn="base">
-              <a:spcBef>
-                <a:spcPct val="0"/>
-              </a:spcBef>
-              <a:spcAft>
-                <a:spcPct val="0"/>
-              </a:spcAft>
-              <a:defRPr kern="1200">
-                <a:solidFill>
-                  <a:schemeClr val="tx1"/>
-                </a:solidFill>
-                <a:latin typeface="Arial" charset="0"/>
-                <a:ea typeface="+mn-ea"/>
-                <a:cs typeface="Arial" charset="0"/>
-              </a:defRPr>
-            </a:lvl3pPr>
-            <a:lvl4pPr marL="1371600" algn="ctr" rtl="0" fontAlgn="base">
-              <a:spcBef>
-                <a:spcPct val="0"/>
-              </a:spcBef>
-              <a:spcAft>
-                <a:spcPct val="0"/>
-              </a:spcAft>
-              <a:defRPr kern="1200">
-                <a:solidFill>
-                  <a:schemeClr val="tx1"/>
-                </a:solidFill>
-                <a:latin typeface="Arial" charset="0"/>
-                <a:ea typeface="+mn-ea"/>
-                <a:cs typeface="Arial" charset="0"/>
-              </a:defRPr>
-            </a:lvl4pPr>
-            <a:lvl5pPr marL="1828800" algn="ctr" rtl="0" fontAlgn="base">
-              <a:spcBef>
-                <a:spcPct val="0"/>
-              </a:spcBef>
-              <a:spcAft>
-                <a:spcPct val="0"/>
-              </a:spcAft>
-              <a:defRPr kern="1200">
-                <a:solidFill>
-                  <a:schemeClr val="tx1"/>
-                </a:solidFill>
-                <a:latin typeface="Arial" charset="0"/>
-                <a:ea typeface="+mn-ea"/>
-                <a:cs typeface="Arial" charset="0"/>
-              </a:defRPr>
-            </a:lvl5pPr>
-            <a:lvl6pPr marL="2286000" algn="l" defTabSz="914400" rtl="0" eaLnBrk="1" latinLnBrk="0" hangingPunct="1">
-              <a:defRPr kern="1200">
-                <a:solidFill>
-                  <a:schemeClr val="tx1"/>
-                </a:solidFill>
-                <a:latin typeface="Arial" charset="0"/>
-                <a:ea typeface="+mn-ea"/>
-                <a:cs typeface="Arial" charset="0"/>
-              </a:defRPr>
-            </a:lvl6pPr>
-            <a:lvl7pPr marL="2743200" algn="l" defTabSz="914400" rtl="0" eaLnBrk="1" latinLnBrk="0" hangingPunct="1">
-              <a:defRPr kern="1200">
-                <a:solidFill>
-                  <a:schemeClr val="tx1"/>
-                </a:solidFill>
-                <a:latin typeface="Arial" charset="0"/>
-                <a:ea typeface="+mn-ea"/>
-                <a:cs typeface="Arial" charset="0"/>
-              </a:defRPr>
-            </a:lvl7pPr>
-            <a:lvl8pPr marL="3200400" algn="l" defTabSz="914400" rtl="0" eaLnBrk="1" latinLnBrk="0" hangingPunct="1">
-              <a:defRPr kern="1200">
-                <a:solidFill>
-                  <a:schemeClr val="tx1"/>
-                </a:solidFill>
-                <a:latin typeface="Arial" charset="0"/>
-                <a:ea typeface="+mn-ea"/>
-                <a:cs typeface="Arial" charset="0"/>
-              </a:defRPr>
-            </a:lvl8pPr>
-            <a:lvl9pPr marL="3657600" algn="l" defTabSz="914400" rtl="0" eaLnBrk="1" latinLnBrk="0" hangingPunct="1">
-              <a:defRPr kern="1200">
-                <a:solidFill>
-                  <a:schemeClr val="tx1"/>
-                </a:solidFill>
-                <a:latin typeface="Arial" charset="0"/>
-                <a:ea typeface="+mn-ea"/>
-                <a:cs typeface="Arial" charset="0"/>
-              </a:defRPr>
-            </a:lvl9pPr>
-          </a:lstStyle>
-          <a:p>
-            <a:pPr>
-              <a:defRPr/>
-            </a:pPr>
-            <a:r>
-              <a:rPr lang="fr-FR" dirty="0" err="1"/>
-              <a:t>Geostatistics</a:t>
-            </a:r>
-            <a:endParaRPr lang="fr-FR" dirty="0"/>
-          </a:p>
-        </p:txBody>
-      </p:sp>
-      <p:sp>
-        <p:nvSpPr>
-          <p:cNvPr id="4" name="Espaço Reservado para Conteúdo 3">
-            <a:extLst>
-              <a:ext uri="{FF2B5EF4-FFF2-40B4-BE49-F238E27FC236}">
-                <a16:creationId xmlns:a16="http://schemas.microsoft.com/office/drawing/2014/main" id="{C81EE1C5-4E52-4EF2-B1DD-BA135106C3BB}"/>
-              </a:ext>
-            </a:extLst>
-          </p:cNvPr>
-          <p:cNvSpPr>
-            <a:spLocks noGrp="1"/>
-          </p:cNvSpPr>
-          <p:nvPr>
-            <p:ph idx="1"/>
-          </p:nvPr>
-        </p:nvSpPr>
-        <p:spPr>
-          <a:xfrm>
-            <a:off x="457200" y="1600200"/>
-            <a:ext cx="7531100" cy="4800600"/>
-          </a:xfrm>
-        </p:spPr>
-        <p:txBody>
-          <a:bodyPr/>
-          <a:lstStyle/>
-          <a:p>
-            <a:r>
-              <a:rPr lang="en-US" dirty="0"/>
-              <a:t>? Or </a:t>
-            </a:r>
-            <a:r>
-              <a:rPr lang="en-US" sz="2800" b="1" dirty="0"/>
-              <a:t>help</a:t>
-            </a:r>
-            <a:r>
-              <a:rPr lang="en-US" dirty="0"/>
-              <a:t>() – to know what the function is used for</a:t>
-            </a:r>
-          </a:p>
-          <a:p>
-            <a:endParaRPr lang="en-US" dirty="0"/>
-          </a:p>
-          <a:p>
-            <a:endParaRPr lang="en-US" dirty="0"/>
-          </a:p>
-        </p:txBody>
-      </p:sp>
-      <p:pic>
-        <p:nvPicPr>
-          <p:cNvPr id="3" name="Imagem 2">
-            <a:extLst>
-              <a:ext uri="{FF2B5EF4-FFF2-40B4-BE49-F238E27FC236}">
-                <a16:creationId xmlns:a16="http://schemas.microsoft.com/office/drawing/2014/main" id="{EFC76704-99B1-423A-B238-531A24888518}"/>
-              </a:ext>
-            </a:extLst>
-          </p:cNvPr>
-          <p:cNvPicPr>
-            <a:picLocks noChangeAspect="1"/>
-          </p:cNvPicPr>
-          <p:nvPr/>
-        </p:nvPicPr>
-        <p:blipFill>
-          <a:blip r:embed="rId2"/>
-          <a:stretch>
-            <a:fillRect/>
-          </a:stretch>
-        </p:blipFill>
-        <p:spPr>
-          <a:xfrm>
-            <a:off x="1907722" y="2292204"/>
-            <a:ext cx="4125350" cy="4409648"/>
-          </a:xfrm>
-          <a:prstGeom prst="rect">
-            <a:avLst/>
-          </a:prstGeom>
-        </p:spPr>
-      </p:pic>
-    </p:spTree>
-    <p:extLst>
-      <p:ext uri="{BB962C8B-B14F-4D97-AF65-F5344CB8AC3E}">
-        <p14:creationId xmlns:p14="http://schemas.microsoft.com/office/powerpoint/2010/main" val="4129481668"/>
-      </p:ext>
-    </p:extLst>
-  </p:cSld>
-  <p:clrMapOvr>
-    <a:masterClrMapping/>
-  </p:clrMapOvr>
-  <p:transition spd="med">
-    <p:strips dir="rd"/>
-  </p:transition>
-</p:sld>
-</file>
-
-<file path=ppt/slides/slide22.xml><?xml version="1.0" encoding="utf-8"?>
-<p:sld xmlns:a="http://schemas.openxmlformats.org/drawingml/2006/main" xmlns:r="http://schemas.openxmlformats.org/officeDocument/2006/relationships" xmlns:p="http://schemas.openxmlformats.org/presentationml/2006/main">
-  <p:cSld>
-    <p:spTree>
-      <p:nvGrpSpPr>
-        <p:cNvPr id="1" name=""/>
-        <p:cNvGrpSpPr/>
-        <p:nvPr/>
-      </p:nvGrpSpPr>
-      <p:grpSpPr>
-        <a:xfrm>
-          <a:off x="0" y="0"/>
-          <a:ext cx="0" cy="0"/>
-          <a:chOff x="0" y="0"/>
-          <a:chExt cx="0" cy="0"/>
-        </a:xfrm>
-      </p:grpSpPr>
-      <p:sp>
-        <p:nvSpPr>
-          <p:cNvPr id="2" name="Titre 1"/>
-          <p:cNvSpPr>
-            <a:spLocks noGrp="1"/>
-          </p:cNvSpPr>
-          <p:nvPr>
-            <p:ph type="title"/>
-          </p:nvPr>
-        </p:nvSpPr>
-        <p:spPr>
-          <a:xfrm>
-            <a:off x="457200" y="274638"/>
-            <a:ext cx="7620000" cy="1143000"/>
-          </a:xfrm>
-        </p:spPr>
-        <p:txBody>
-          <a:bodyPr/>
-          <a:lstStyle/>
-          <a:p>
-            <a:r>
-              <a:rPr lang="fr-BE" dirty="0"/>
-              <a:t>Other usefull functions</a:t>
-            </a:r>
-          </a:p>
-        </p:txBody>
-      </p:sp>
-      <p:sp>
-        <p:nvSpPr>
-          <p:cNvPr id="18" name="Footer Placeholder 4"/>
-          <p:cNvSpPr txBox="1">
-            <a:spLocks/>
-          </p:cNvSpPr>
-          <p:nvPr/>
-        </p:nvSpPr>
-        <p:spPr>
-          <a:xfrm rot="16200000">
-            <a:off x="7587456" y="4048919"/>
-            <a:ext cx="2366963" cy="365125"/>
-          </a:xfrm>
-          <a:prstGeom prst="rect">
-            <a:avLst/>
-          </a:prstGeom>
-        </p:spPr>
-        <p:txBody>
-          <a:bodyPr vert="horz" lIns="91440" tIns="45720" rIns="91440" bIns="45720" rtlCol="0" anchor="ctr"/>
-          <a:lstStyle>
-            <a:defPPr>
-              <a:defRPr lang="fr-BE"/>
-            </a:defPPr>
-            <a:lvl1pPr algn="ctr" rtl="0" fontAlgn="base">
-              <a:spcBef>
-                <a:spcPct val="0"/>
-              </a:spcBef>
-              <a:spcAft>
-                <a:spcPct val="0"/>
-              </a:spcAft>
-              <a:defRPr sz="1200" kern="1200" dirty="0" smtClean="0">
-                <a:solidFill>
-                  <a:schemeClr val="bg2"/>
-                </a:solidFill>
-                <a:latin typeface="Arial" charset="0"/>
-                <a:ea typeface="+mn-ea"/>
-                <a:cs typeface="Arial" charset="0"/>
-              </a:defRPr>
-            </a:lvl1pPr>
-            <a:lvl2pPr marL="457200" algn="ctr" rtl="0" fontAlgn="base">
-              <a:spcBef>
-                <a:spcPct val="0"/>
-              </a:spcBef>
-              <a:spcAft>
-                <a:spcPct val="0"/>
-              </a:spcAft>
-              <a:defRPr kern="1200">
-                <a:solidFill>
-                  <a:schemeClr val="tx1"/>
-                </a:solidFill>
-                <a:latin typeface="Arial" charset="0"/>
-                <a:ea typeface="+mn-ea"/>
-                <a:cs typeface="Arial" charset="0"/>
-              </a:defRPr>
-            </a:lvl2pPr>
-            <a:lvl3pPr marL="914400" algn="ctr" rtl="0" fontAlgn="base">
-              <a:spcBef>
-                <a:spcPct val="0"/>
-              </a:spcBef>
-              <a:spcAft>
-                <a:spcPct val="0"/>
-              </a:spcAft>
-              <a:defRPr kern="1200">
-                <a:solidFill>
-                  <a:schemeClr val="tx1"/>
-                </a:solidFill>
-                <a:latin typeface="Arial" charset="0"/>
-                <a:ea typeface="+mn-ea"/>
-                <a:cs typeface="Arial" charset="0"/>
-              </a:defRPr>
-            </a:lvl3pPr>
-            <a:lvl4pPr marL="1371600" algn="ctr" rtl="0" fontAlgn="base">
-              <a:spcBef>
-                <a:spcPct val="0"/>
-              </a:spcBef>
-              <a:spcAft>
-                <a:spcPct val="0"/>
-              </a:spcAft>
-              <a:defRPr kern="1200">
-                <a:solidFill>
-                  <a:schemeClr val="tx1"/>
-                </a:solidFill>
-                <a:latin typeface="Arial" charset="0"/>
-                <a:ea typeface="+mn-ea"/>
-                <a:cs typeface="Arial" charset="0"/>
-              </a:defRPr>
-            </a:lvl4pPr>
-            <a:lvl5pPr marL="1828800" algn="ctr" rtl="0" fontAlgn="base">
-              <a:spcBef>
-                <a:spcPct val="0"/>
-              </a:spcBef>
-              <a:spcAft>
-                <a:spcPct val="0"/>
-              </a:spcAft>
-              <a:defRPr kern="1200">
-                <a:solidFill>
-                  <a:schemeClr val="tx1"/>
-                </a:solidFill>
-                <a:latin typeface="Arial" charset="0"/>
-                <a:ea typeface="+mn-ea"/>
-                <a:cs typeface="Arial" charset="0"/>
-              </a:defRPr>
-            </a:lvl5pPr>
-            <a:lvl6pPr marL="2286000" algn="l" defTabSz="914400" rtl="0" eaLnBrk="1" latinLnBrk="0" hangingPunct="1">
-              <a:defRPr kern="1200">
-                <a:solidFill>
-                  <a:schemeClr val="tx1"/>
-                </a:solidFill>
-                <a:latin typeface="Arial" charset="0"/>
-                <a:ea typeface="+mn-ea"/>
-                <a:cs typeface="Arial" charset="0"/>
-              </a:defRPr>
-            </a:lvl6pPr>
-            <a:lvl7pPr marL="2743200" algn="l" defTabSz="914400" rtl="0" eaLnBrk="1" latinLnBrk="0" hangingPunct="1">
-              <a:defRPr kern="1200">
-                <a:solidFill>
-                  <a:schemeClr val="tx1"/>
-                </a:solidFill>
-                <a:latin typeface="Arial" charset="0"/>
-                <a:ea typeface="+mn-ea"/>
-                <a:cs typeface="Arial" charset="0"/>
-              </a:defRPr>
-            </a:lvl7pPr>
-            <a:lvl8pPr marL="3200400" algn="l" defTabSz="914400" rtl="0" eaLnBrk="1" latinLnBrk="0" hangingPunct="1">
-              <a:defRPr kern="1200">
-                <a:solidFill>
-                  <a:schemeClr val="tx1"/>
-                </a:solidFill>
-                <a:latin typeface="Arial" charset="0"/>
-                <a:ea typeface="+mn-ea"/>
-                <a:cs typeface="Arial" charset="0"/>
-              </a:defRPr>
-            </a:lvl8pPr>
-            <a:lvl9pPr marL="3657600" algn="l" defTabSz="914400" rtl="0" eaLnBrk="1" latinLnBrk="0" hangingPunct="1">
-              <a:defRPr kern="1200">
-                <a:solidFill>
-                  <a:schemeClr val="tx1"/>
-                </a:solidFill>
-                <a:latin typeface="Arial" charset="0"/>
-                <a:ea typeface="+mn-ea"/>
-                <a:cs typeface="Arial" charset="0"/>
-              </a:defRPr>
-            </a:lvl9pPr>
-          </a:lstStyle>
-          <a:p>
-            <a:pPr>
-              <a:defRPr/>
-            </a:pPr>
-            <a:r>
-              <a:rPr lang="fr-FR" dirty="0" err="1"/>
-              <a:t>Geostatistics</a:t>
-            </a:r>
-            <a:endParaRPr lang="fr-FR" dirty="0"/>
-          </a:p>
-        </p:txBody>
-      </p:sp>
-      <p:sp>
-        <p:nvSpPr>
-          <p:cNvPr id="4" name="Espaço Reservado para Conteúdo 3">
-            <a:extLst>
-              <a:ext uri="{FF2B5EF4-FFF2-40B4-BE49-F238E27FC236}">
-                <a16:creationId xmlns:a16="http://schemas.microsoft.com/office/drawing/2014/main" id="{C81EE1C5-4E52-4EF2-B1DD-BA135106C3BB}"/>
-              </a:ext>
-            </a:extLst>
-          </p:cNvPr>
-          <p:cNvSpPr>
-            <a:spLocks noGrp="1"/>
-          </p:cNvSpPr>
-          <p:nvPr>
-            <p:ph idx="1"/>
-          </p:nvPr>
-        </p:nvSpPr>
-        <p:spPr>
-          <a:xfrm>
-            <a:off x="457200" y="2021440"/>
-            <a:ext cx="6436760" cy="1143000"/>
-          </a:xfrm>
-        </p:spPr>
-        <p:txBody>
-          <a:bodyPr/>
-          <a:lstStyle/>
-          <a:p>
-            <a:r>
-              <a:rPr lang="en-US" sz="2400" dirty="0"/>
-              <a:t>Assignment operator: </a:t>
-            </a:r>
-            <a:r>
-              <a:rPr lang="en-US" sz="2800" b="1" dirty="0"/>
-              <a:t>= </a:t>
-            </a:r>
-            <a:r>
-              <a:rPr lang="en-US" sz="2400" dirty="0"/>
-              <a:t>or </a:t>
-            </a:r>
-            <a:r>
-              <a:rPr lang="en-US" sz="2800" b="1" dirty="0"/>
-              <a:t>&lt;-</a:t>
-            </a:r>
-          </a:p>
-          <a:p>
-            <a:r>
-              <a:rPr lang="en-US" sz="2400" dirty="0"/>
-              <a:t>Comment </a:t>
-            </a:r>
-            <a:r>
-              <a:rPr lang="en-US" sz="2800" b="1" dirty="0"/>
-              <a:t>#</a:t>
-            </a:r>
-            <a:endParaRPr lang="en-US" sz="2400" b="1" dirty="0"/>
-          </a:p>
-          <a:p>
-            <a:pPr marL="114300" indent="0">
-              <a:buNone/>
-            </a:pPr>
-            <a:endParaRPr lang="en-US" sz="2400" dirty="0"/>
-          </a:p>
-        </p:txBody>
-      </p:sp>
-    </p:spTree>
-    <p:extLst>
-      <p:ext uri="{BB962C8B-B14F-4D97-AF65-F5344CB8AC3E}">
-        <p14:creationId xmlns:p14="http://schemas.microsoft.com/office/powerpoint/2010/main" val="7933689"/>
-      </p:ext>
-    </p:extLst>
-  </p:cSld>
-  <p:clrMapOvr>
-    <a:masterClrMapping/>
-  </p:clrMapOvr>
-  <p:transition spd="med">
-    <p:strips dir="rd"/>
-  </p:transition>
-</p:sld>
-</file>
-
-<file path=ppt/slides/slide23.xml><?xml version="1.0" encoding="utf-8"?>
-<p:sld xmlns:a="http://schemas.openxmlformats.org/drawingml/2006/main" xmlns:r="http://schemas.openxmlformats.org/officeDocument/2006/relationships" xmlns:p="http://schemas.openxmlformats.org/presentationml/2006/main">
-  <p:cSld>
-    <p:spTree>
-      <p:nvGrpSpPr>
-        <p:cNvPr id="1" name=""/>
-        <p:cNvGrpSpPr/>
-        <p:nvPr/>
-      </p:nvGrpSpPr>
-      <p:grpSpPr>
-        <a:xfrm>
-          <a:off x="0" y="0"/>
-          <a:ext cx="0" cy="0"/>
-          <a:chOff x="0" y="0"/>
-          <a:chExt cx="0" cy="0"/>
-        </a:xfrm>
-      </p:grpSpPr>
-      <p:sp>
-        <p:nvSpPr>
-          <p:cNvPr id="2" name="Titre 1"/>
-          <p:cNvSpPr>
-            <a:spLocks noGrp="1"/>
-          </p:cNvSpPr>
-          <p:nvPr>
-            <p:ph type="title"/>
-          </p:nvPr>
-        </p:nvSpPr>
-        <p:spPr>
-          <a:xfrm>
-            <a:off x="457200" y="274638"/>
-            <a:ext cx="7620000" cy="1143000"/>
-          </a:xfrm>
-        </p:spPr>
-        <p:txBody>
-          <a:bodyPr/>
-          <a:lstStyle/>
-          <a:p>
-            <a:r>
-              <a:rPr lang="fr-BE" dirty="0" err="1"/>
-              <a:t>Statistics</a:t>
-            </a:r>
-            <a:r>
-              <a:rPr lang="fr-BE" dirty="0"/>
-              <a:t>- Packages</a:t>
-            </a:r>
-          </a:p>
-        </p:txBody>
-      </p:sp>
-      <p:sp>
-        <p:nvSpPr>
-          <p:cNvPr id="18" name="Footer Placeholder 4"/>
-          <p:cNvSpPr txBox="1">
-            <a:spLocks/>
-          </p:cNvSpPr>
-          <p:nvPr/>
-        </p:nvSpPr>
-        <p:spPr>
-          <a:xfrm rot="16200000">
-            <a:off x="7587456" y="4048919"/>
-            <a:ext cx="2366963" cy="365125"/>
-          </a:xfrm>
-          <a:prstGeom prst="rect">
-            <a:avLst/>
-          </a:prstGeom>
-        </p:spPr>
-        <p:txBody>
-          <a:bodyPr vert="horz" lIns="91440" tIns="45720" rIns="91440" bIns="45720" rtlCol="0" anchor="ctr"/>
-          <a:lstStyle>
-            <a:defPPr>
-              <a:defRPr lang="fr-BE"/>
-            </a:defPPr>
-            <a:lvl1pPr algn="ctr" rtl="0" fontAlgn="base">
-              <a:spcBef>
-                <a:spcPct val="0"/>
-              </a:spcBef>
-              <a:spcAft>
-                <a:spcPct val="0"/>
-              </a:spcAft>
-              <a:defRPr sz="1200" kern="1200" dirty="0" smtClean="0">
-                <a:solidFill>
-                  <a:schemeClr val="bg2"/>
-                </a:solidFill>
-                <a:latin typeface="Arial" charset="0"/>
-                <a:ea typeface="+mn-ea"/>
-                <a:cs typeface="Arial" charset="0"/>
-              </a:defRPr>
-            </a:lvl1pPr>
-            <a:lvl2pPr marL="457200" algn="ctr" rtl="0" fontAlgn="base">
-              <a:spcBef>
-                <a:spcPct val="0"/>
-              </a:spcBef>
-              <a:spcAft>
-                <a:spcPct val="0"/>
-              </a:spcAft>
-              <a:defRPr kern="1200">
-                <a:solidFill>
-                  <a:schemeClr val="tx1"/>
-                </a:solidFill>
-                <a:latin typeface="Arial" charset="0"/>
-                <a:ea typeface="+mn-ea"/>
-                <a:cs typeface="Arial" charset="0"/>
-              </a:defRPr>
-            </a:lvl2pPr>
-            <a:lvl3pPr marL="914400" algn="ctr" rtl="0" fontAlgn="base">
-              <a:spcBef>
-                <a:spcPct val="0"/>
-              </a:spcBef>
-              <a:spcAft>
-                <a:spcPct val="0"/>
-              </a:spcAft>
-              <a:defRPr kern="1200">
-                <a:solidFill>
-                  <a:schemeClr val="tx1"/>
-                </a:solidFill>
-                <a:latin typeface="Arial" charset="0"/>
-                <a:ea typeface="+mn-ea"/>
-                <a:cs typeface="Arial" charset="0"/>
-              </a:defRPr>
-            </a:lvl3pPr>
-            <a:lvl4pPr marL="1371600" algn="ctr" rtl="0" fontAlgn="base">
-              <a:spcBef>
-                <a:spcPct val="0"/>
-              </a:spcBef>
-              <a:spcAft>
-                <a:spcPct val="0"/>
-              </a:spcAft>
-              <a:defRPr kern="1200">
-                <a:solidFill>
-                  <a:schemeClr val="tx1"/>
-                </a:solidFill>
-                <a:latin typeface="Arial" charset="0"/>
-                <a:ea typeface="+mn-ea"/>
-                <a:cs typeface="Arial" charset="0"/>
-              </a:defRPr>
-            </a:lvl4pPr>
-            <a:lvl5pPr marL="1828800" algn="ctr" rtl="0" fontAlgn="base">
-              <a:spcBef>
-                <a:spcPct val="0"/>
-              </a:spcBef>
-              <a:spcAft>
-                <a:spcPct val="0"/>
-              </a:spcAft>
-              <a:defRPr kern="1200">
-                <a:solidFill>
-                  <a:schemeClr val="tx1"/>
-                </a:solidFill>
-                <a:latin typeface="Arial" charset="0"/>
-                <a:ea typeface="+mn-ea"/>
-                <a:cs typeface="Arial" charset="0"/>
-              </a:defRPr>
-            </a:lvl5pPr>
-            <a:lvl6pPr marL="2286000" algn="l" defTabSz="914400" rtl="0" eaLnBrk="1" latinLnBrk="0" hangingPunct="1">
-              <a:defRPr kern="1200">
-                <a:solidFill>
-                  <a:schemeClr val="tx1"/>
-                </a:solidFill>
-                <a:latin typeface="Arial" charset="0"/>
-                <a:ea typeface="+mn-ea"/>
-                <a:cs typeface="Arial" charset="0"/>
-              </a:defRPr>
-            </a:lvl6pPr>
-            <a:lvl7pPr marL="2743200" algn="l" defTabSz="914400" rtl="0" eaLnBrk="1" latinLnBrk="0" hangingPunct="1">
-              <a:defRPr kern="1200">
-                <a:solidFill>
-                  <a:schemeClr val="tx1"/>
-                </a:solidFill>
-                <a:latin typeface="Arial" charset="0"/>
-                <a:ea typeface="+mn-ea"/>
-                <a:cs typeface="Arial" charset="0"/>
-              </a:defRPr>
-            </a:lvl7pPr>
-            <a:lvl8pPr marL="3200400" algn="l" defTabSz="914400" rtl="0" eaLnBrk="1" latinLnBrk="0" hangingPunct="1">
-              <a:defRPr kern="1200">
-                <a:solidFill>
-                  <a:schemeClr val="tx1"/>
-                </a:solidFill>
-                <a:latin typeface="Arial" charset="0"/>
-                <a:ea typeface="+mn-ea"/>
-                <a:cs typeface="Arial" charset="0"/>
-              </a:defRPr>
-            </a:lvl8pPr>
-            <a:lvl9pPr marL="3657600" algn="l" defTabSz="914400" rtl="0" eaLnBrk="1" latinLnBrk="0" hangingPunct="1">
-              <a:defRPr kern="1200">
-                <a:solidFill>
-                  <a:schemeClr val="tx1"/>
-                </a:solidFill>
-                <a:latin typeface="Arial" charset="0"/>
-                <a:ea typeface="+mn-ea"/>
-                <a:cs typeface="Arial" charset="0"/>
-              </a:defRPr>
-            </a:lvl9pPr>
-          </a:lstStyle>
-          <a:p>
-            <a:pPr>
-              <a:defRPr/>
-            </a:pPr>
-            <a:r>
-              <a:rPr lang="fr-FR" dirty="0" err="1"/>
-              <a:t>Geostatistics</a:t>
-            </a:r>
-            <a:endParaRPr lang="fr-FR" dirty="0"/>
-          </a:p>
-        </p:txBody>
-      </p:sp>
-      <p:pic>
-        <p:nvPicPr>
-          <p:cNvPr id="2050" name="Picture 2" descr="R Packages - javatpoint">
-            <a:extLst>
-              <a:ext uri="{FF2B5EF4-FFF2-40B4-BE49-F238E27FC236}">
-                <a16:creationId xmlns:a16="http://schemas.microsoft.com/office/drawing/2014/main" id="{94615407-4D65-4D89-8CA8-53F9F61F3950}"/>
-              </a:ext>
-            </a:extLst>
-          </p:cNvPr>
-          <p:cNvPicPr>
-            <a:picLocks noChangeAspect="1" noChangeArrowheads="1"/>
-          </p:cNvPicPr>
-          <p:nvPr/>
-        </p:nvPicPr>
-        <p:blipFill>
-          <a:blip r:embed="rId3">
-            <a:extLst>
-              <a:ext uri="{28A0092B-C50C-407E-A947-70E740481C1C}">
-                <a14:useLocalDpi xmlns:a14="http://schemas.microsoft.com/office/drawing/2010/main" val="0"/>
-              </a:ext>
-            </a:extLst>
-          </a:blip>
-          <a:srcRect/>
-          <a:stretch>
-            <a:fillRect/>
-          </a:stretch>
-        </p:blipFill>
-        <p:spPr bwMode="auto">
-          <a:xfrm>
-            <a:off x="868165" y="1600778"/>
-            <a:ext cx="6179905" cy="3656443"/>
-          </a:xfrm>
-          <a:prstGeom prst="rect">
-            <a:avLst/>
-          </a:prstGeom>
-          <a:noFill/>
-          <a:extLst>
-            <a:ext uri="{909E8E84-426E-40DD-AFC4-6F175D3DCCD1}">
-              <a14:hiddenFill xmlns:a14="http://schemas.microsoft.com/office/drawing/2010/main">
-                <a:solidFill>
-                  <a:srgbClr val="FFFFFF"/>
-                </a:solidFill>
-              </a14:hiddenFill>
-            </a:ext>
-          </a:extLst>
-        </p:spPr>
-      </p:pic>
-      <p:sp>
-        <p:nvSpPr>
-          <p:cNvPr id="9" name="Espaço Reservado para Conteúdo 3">
-            <a:extLst>
-              <a:ext uri="{FF2B5EF4-FFF2-40B4-BE49-F238E27FC236}">
-                <a16:creationId xmlns:a16="http://schemas.microsoft.com/office/drawing/2014/main" id="{A16ED2E1-2DAC-4EAD-B7DA-054F0E68D278}"/>
-              </a:ext>
-            </a:extLst>
-          </p:cNvPr>
-          <p:cNvSpPr>
-            <a:spLocks noGrp="1"/>
-          </p:cNvSpPr>
-          <p:nvPr>
-            <p:ph idx="1"/>
-          </p:nvPr>
-        </p:nvSpPr>
-        <p:spPr>
-          <a:xfrm>
-            <a:off x="49658" y="5140325"/>
-            <a:ext cx="8435083" cy="1717675"/>
-          </a:xfrm>
-        </p:spPr>
-        <p:txBody>
-          <a:bodyPr/>
-          <a:lstStyle/>
-          <a:p>
-            <a:pPr>
-              <a:buFontTx/>
-              <a:buChar char="-"/>
-            </a:pPr>
-            <a:r>
-              <a:rPr lang="pt-BR" b="1" dirty="0"/>
-              <a:t>Base packages </a:t>
-            </a:r>
-            <a:r>
-              <a:rPr lang="pt-BR" dirty="0"/>
-              <a:t>(CRAN) : plot3D, corrplot, lattice...</a:t>
-            </a:r>
-          </a:p>
-          <a:p>
-            <a:pPr>
-              <a:buFontTx/>
-              <a:buChar char="-"/>
-            </a:pPr>
-            <a:r>
-              <a:rPr lang="pt-BR" b="1" dirty="0"/>
-              <a:t>Contributed packages </a:t>
-            </a:r>
-            <a:r>
-              <a:rPr lang="pt-BR" dirty="0"/>
-              <a:t>(Github, purpose specific sources): </a:t>
-            </a:r>
-            <a:r>
-              <a:rPr lang="pt-BR" b="1" dirty="0"/>
-              <a:t>RGeostats </a:t>
-            </a:r>
-            <a:r>
-              <a:rPr lang="pt-BR" dirty="0"/>
-              <a:t>#</a:t>
-            </a:r>
-            <a:r>
-              <a:rPr lang="pt-BR" b="1" dirty="0"/>
-              <a:t> </a:t>
-            </a:r>
-            <a:r>
-              <a:rPr lang="pt-BR" dirty="0"/>
-              <a:t>Note: Installing Rtools is required prior to installing contributed packages to R </a:t>
-            </a:r>
-          </a:p>
-          <a:p>
-            <a:pPr marL="114300" indent="0">
-              <a:buNone/>
-            </a:pPr>
-            <a:endParaRPr lang="pt-BR" dirty="0"/>
-          </a:p>
-        </p:txBody>
-      </p:sp>
-    </p:spTree>
-    <p:extLst>
-      <p:ext uri="{BB962C8B-B14F-4D97-AF65-F5344CB8AC3E}">
-        <p14:creationId xmlns:p14="http://schemas.microsoft.com/office/powerpoint/2010/main" val="3787923534"/>
-      </p:ext>
-    </p:extLst>
-  </p:cSld>
-  <p:clrMapOvr>
-    <a:masterClrMapping/>
-  </p:clrMapOvr>
-  <p:transition spd="med">
-    <p:strips dir="rd"/>
-  </p:transition>
-</p:sld>
-</file>
-
-<file path=ppt/slides/slide24.xml><?xml version="1.0" encoding="utf-8"?>
-<p:sld xmlns:a="http://schemas.openxmlformats.org/drawingml/2006/main" xmlns:r="http://schemas.openxmlformats.org/officeDocument/2006/relationships" xmlns:p="http://schemas.openxmlformats.org/presentationml/2006/main">
-  <p:cSld>
-    <p:spTree>
-      <p:nvGrpSpPr>
-        <p:cNvPr id="1" name=""/>
-        <p:cNvGrpSpPr/>
-        <p:nvPr/>
-      </p:nvGrpSpPr>
-      <p:grpSpPr>
-        <a:xfrm>
-          <a:off x="0" y="0"/>
-          <a:ext cx="0" cy="0"/>
-          <a:chOff x="0" y="0"/>
-          <a:chExt cx="0" cy="0"/>
-        </a:xfrm>
-      </p:grpSpPr>
-      <p:sp>
-        <p:nvSpPr>
-          <p:cNvPr id="2" name="Titre 1"/>
-          <p:cNvSpPr>
-            <a:spLocks noGrp="1"/>
-          </p:cNvSpPr>
-          <p:nvPr>
-            <p:ph type="title"/>
-          </p:nvPr>
-        </p:nvSpPr>
-        <p:spPr>
-          <a:xfrm>
-            <a:off x="457200" y="274638"/>
-            <a:ext cx="7620000" cy="1143000"/>
-          </a:xfrm>
-        </p:spPr>
-        <p:txBody>
-          <a:bodyPr/>
-          <a:lstStyle/>
-          <a:p>
-            <a:r>
-              <a:rPr lang="fr-BE" dirty="0" err="1"/>
-              <a:t>Statistics</a:t>
-            </a:r>
-            <a:r>
-              <a:rPr lang="fr-BE" dirty="0"/>
-              <a:t>- Packages</a:t>
-            </a:r>
-          </a:p>
-        </p:txBody>
-      </p:sp>
-      <p:sp>
-        <p:nvSpPr>
-          <p:cNvPr id="18" name="Footer Placeholder 4"/>
-          <p:cNvSpPr txBox="1">
-            <a:spLocks/>
-          </p:cNvSpPr>
-          <p:nvPr/>
-        </p:nvSpPr>
-        <p:spPr>
-          <a:xfrm rot="16200000">
-            <a:off x="7587456" y="4048919"/>
-            <a:ext cx="2366963" cy="365125"/>
-          </a:xfrm>
-          <a:prstGeom prst="rect">
-            <a:avLst/>
-          </a:prstGeom>
-        </p:spPr>
-        <p:txBody>
-          <a:bodyPr vert="horz" lIns="91440" tIns="45720" rIns="91440" bIns="45720" rtlCol="0" anchor="ctr"/>
-          <a:lstStyle>
-            <a:defPPr>
-              <a:defRPr lang="fr-BE"/>
-            </a:defPPr>
-            <a:lvl1pPr algn="ctr" rtl="0" fontAlgn="base">
-              <a:spcBef>
-                <a:spcPct val="0"/>
-              </a:spcBef>
-              <a:spcAft>
-                <a:spcPct val="0"/>
-              </a:spcAft>
-              <a:defRPr sz="1200" kern="1200" dirty="0" smtClean="0">
-                <a:solidFill>
-                  <a:schemeClr val="bg2"/>
-                </a:solidFill>
-                <a:latin typeface="Arial" charset="0"/>
-                <a:ea typeface="+mn-ea"/>
-                <a:cs typeface="Arial" charset="0"/>
-              </a:defRPr>
-            </a:lvl1pPr>
-            <a:lvl2pPr marL="457200" algn="ctr" rtl="0" fontAlgn="base">
-              <a:spcBef>
-                <a:spcPct val="0"/>
-              </a:spcBef>
-              <a:spcAft>
-                <a:spcPct val="0"/>
-              </a:spcAft>
-              <a:defRPr kern="1200">
-                <a:solidFill>
-                  <a:schemeClr val="tx1"/>
-                </a:solidFill>
-                <a:latin typeface="Arial" charset="0"/>
-                <a:ea typeface="+mn-ea"/>
-                <a:cs typeface="Arial" charset="0"/>
-              </a:defRPr>
-            </a:lvl2pPr>
-            <a:lvl3pPr marL="914400" algn="ctr" rtl="0" fontAlgn="base">
-              <a:spcBef>
-                <a:spcPct val="0"/>
-              </a:spcBef>
-              <a:spcAft>
-                <a:spcPct val="0"/>
-              </a:spcAft>
-              <a:defRPr kern="1200">
-                <a:solidFill>
-                  <a:schemeClr val="tx1"/>
-                </a:solidFill>
-                <a:latin typeface="Arial" charset="0"/>
-                <a:ea typeface="+mn-ea"/>
-                <a:cs typeface="Arial" charset="0"/>
-              </a:defRPr>
-            </a:lvl3pPr>
-            <a:lvl4pPr marL="1371600" algn="ctr" rtl="0" fontAlgn="base">
-              <a:spcBef>
-                <a:spcPct val="0"/>
-              </a:spcBef>
-              <a:spcAft>
-                <a:spcPct val="0"/>
-              </a:spcAft>
-              <a:defRPr kern="1200">
-                <a:solidFill>
-                  <a:schemeClr val="tx1"/>
-                </a:solidFill>
-                <a:latin typeface="Arial" charset="0"/>
-                <a:ea typeface="+mn-ea"/>
-                <a:cs typeface="Arial" charset="0"/>
-              </a:defRPr>
-            </a:lvl4pPr>
-            <a:lvl5pPr marL="1828800" algn="ctr" rtl="0" fontAlgn="base">
-              <a:spcBef>
-                <a:spcPct val="0"/>
-              </a:spcBef>
-              <a:spcAft>
-                <a:spcPct val="0"/>
-              </a:spcAft>
-              <a:defRPr kern="1200">
-                <a:solidFill>
-                  <a:schemeClr val="tx1"/>
-                </a:solidFill>
-                <a:latin typeface="Arial" charset="0"/>
-                <a:ea typeface="+mn-ea"/>
-                <a:cs typeface="Arial" charset="0"/>
-              </a:defRPr>
-            </a:lvl5pPr>
-            <a:lvl6pPr marL="2286000" algn="l" defTabSz="914400" rtl="0" eaLnBrk="1" latinLnBrk="0" hangingPunct="1">
-              <a:defRPr kern="1200">
-                <a:solidFill>
-                  <a:schemeClr val="tx1"/>
-                </a:solidFill>
-                <a:latin typeface="Arial" charset="0"/>
-                <a:ea typeface="+mn-ea"/>
-                <a:cs typeface="Arial" charset="0"/>
-              </a:defRPr>
-            </a:lvl6pPr>
-            <a:lvl7pPr marL="2743200" algn="l" defTabSz="914400" rtl="0" eaLnBrk="1" latinLnBrk="0" hangingPunct="1">
-              <a:defRPr kern="1200">
-                <a:solidFill>
-                  <a:schemeClr val="tx1"/>
-                </a:solidFill>
-                <a:latin typeface="Arial" charset="0"/>
-                <a:ea typeface="+mn-ea"/>
-                <a:cs typeface="Arial" charset="0"/>
-              </a:defRPr>
-            </a:lvl7pPr>
-            <a:lvl8pPr marL="3200400" algn="l" defTabSz="914400" rtl="0" eaLnBrk="1" latinLnBrk="0" hangingPunct="1">
-              <a:defRPr kern="1200">
-                <a:solidFill>
-                  <a:schemeClr val="tx1"/>
-                </a:solidFill>
-                <a:latin typeface="Arial" charset="0"/>
-                <a:ea typeface="+mn-ea"/>
-                <a:cs typeface="Arial" charset="0"/>
-              </a:defRPr>
-            </a:lvl8pPr>
-            <a:lvl9pPr marL="3657600" algn="l" defTabSz="914400" rtl="0" eaLnBrk="1" latinLnBrk="0" hangingPunct="1">
-              <a:defRPr kern="1200">
-                <a:solidFill>
-                  <a:schemeClr val="tx1"/>
-                </a:solidFill>
-                <a:latin typeface="Arial" charset="0"/>
-                <a:ea typeface="+mn-ea"/>
-                <a:cs typeface="Arial" charset="0"/>
-              </a:defRPr>
-            </a:lvl9pPr>
-          </a:lstStyle>
-          <a:p>
-            <a:pPr>
-              <a:defRPr/>
-            </a:pPr>
-            <a:r>
-              <a:rPr lang="fr-FR" dirty="0" err="1"/>
-              <a:t>Geostatistics</a:t>
-            </a:r>
-            <a:endParaRPr lang="fr-FR" dirty="0"/>
-          </a:p>
-        </p:txBody>
-      </p:sp>
-      <p:sp>
-        <p:nvSpPr>
-          <p:cNvPr id="4" name="Espaço Reservado para Conteúdo 3">
-            <a:extLst>
-              <a:ext uri="{FF2B5EF4-FFF2-40B4-BE49-F238E27FC236}">
-                <a16:creationId xmlns:a16="http://schemas.microsoft.com/office/drawing/2014/main" id="{C81EE1C5-4E52-4EF2-B1DD-BA135106C3BB}"/>
-              </a:ext>
-            </a:extLst>
-          </p:cNvPr>
-          <p:cNvSpPr>
-            <a:spLocks noGrp="1"/>
-          </p:cNvSpPr>
-          <p:nvPr>
-            <p:ph idx="1"/>
-          </p:nvPr>
-        </p:nvSpPr>
-        <p:spPr>
-          <a:xfrm>
-            <a:off x="457200" y="1600200"/>
-            <a:ext cx="7620000" cy="5257800"/>
-          </a:xfrm>
-        </p:spPr>
-        <p:txBody>
-          <a:bodyPr/>
-          <a:lstStyle/>
-          <a:p>
-            <a:pPr marL="114300" indent="0">
-              <a:buNone/>
-            </a:pPr>
-            <a:r>
-              <a:rPr lang="pt-BR" dirty="0" err="1"/>
-              <a:t>Needs</a:t>
-            </a:r>
-            <a:r>
-              <a:rPr lang="pt-BR" dirty="0"/>
-              <a:t> to </a:t>
-            </a:r>
-            <a:r>
-              <a:rPr lang="pt-BR" dirty="0" err="1"/>
-              <a:t>install</a:t>
-            </a:r>
-            <a:r>
-              <a:rPr lang="pt-BR" dirty="0"/>
-              <a:t> </a:t>
-            </a:r>
-            <a:r>
-              <a:rPr lang="pt-BR" dirty="0" err="1"/>
-              <a:t>contributed</a:t>
-            </a:r>
-            <a:r>
-              <a:rPr lang="pt-BR" dirty="0"/>
-              <a:t> R </a:t>
-            </a:r>
-            <a:r>
-              <a:rPr lang="pt-BR" dirty="0" err="1"/>
-              <a:t>packages</a:t>
-            </a:r>
-            <a:r>
-              <a:rPr lang="pt-BR" dirty="0"/>
-              <a:t>:</a:t>
-            </a:r>
-          </a:p>
-          <a:p>
-            <a:pPr marL="114300" indent="0">
-              <a:buNone/>
-            </a:pPr>
-            <a:r>
-              <a:rPr lang="pt-BR" dirty="0"/>
-              <a:t>Use </a:t>
-            </a:r>
-            <a:r>
-              <a:rPr lang="pt-BR" dirty="0" err="1"/>
-              <a:t>install.packages</a:t>
-            </a:r>
-            <a:r>
-              <a:rPr lang="pt-BR" dirty="0"/>
-              <a:t>() </a:t>
-            </a:r>
-            <a:r>
-              <a:rPr lang="pt-BR" dirty="0" err="1"/>
-              <a:t>function</a:t>
-            </a:r>
-            <a:r>
-              <a:rPr lang="pt-BR" dirty="0"/>
-              <a:t> </a:t>
-            </a:r>
-            <a:r>
-              <a:rPr lang="pt-BR" dirty="0" err="1"/>
-              <a:t>or</a:t>
-            </a:r>
-            <a:r>
-              <a:rPr lang="pt-BR" dirty="0"/>
-              <a:t> </a:t>
-            </a:r>
-            <a:r>
-              <a:rPr lang="pt-BR" dirty="0" err="1"/>
-              <a:t>Install</a:t>
-            </a:r>
-            <a:r>
-              <a:rPr lang="pt-BR" dirty="0"/>
-              <a:t> toolbar </a:t>
-            </a:r>
-            <a:r>
-              <a:rPr lang="pt-BR" dirty="0" err="1"/>
-              <a:t>button</a:t>
-            </a:r>
-            <a:endParaRPr lang="pt-BR" dirty="0"/>
-          </a:p>
-          <a:p>
-            <a:pPr marL="114300" indent="0">
-              <a:buNone/>
-            </a:pPr>
-            <a:endParaRPr lang="pt-BR" dirty="0"/>
-          </a:p>
-          <a:p>
-            <a:pPr marL="114300" indent="0">
-              <a:buNone/>
-            </a:pPr>
-            <a:endParaRPr lang="pt-BR" dirty="0"/>
-          </a:p>
-          <a:p>
-            <a:pPr marL="114300" indent="0">
-              <a:buNone/>
-            </a:pPr>
-            <a:endParaRPr lang="pt-BR" dirty="0"/>
-          </a:p>
-          <a:p>
-            <a:pPr marL="114300" indent="0">
-              <a:buNone/>
-            </a:pPr>
-            <a:endParaRPr lang="pt-BR" dirty="0"/>
-          </a:p>
-          <a:p>
-            <a:r>
-              <a:rPr lang="pt-BR" dirty="0" err="1"/>
-              <a:t>Usefull</a:t>
-            </a:r>
-            <a:r>
-              <a:rPr lang="pt-BR" dirty="0"/>
-              <a:t> </a:t>
-            </a:r>
-            <a:r>
-              <a:rPr lang="pt-BR" dirty="0" err="1"/>
-              <a:t>packages</a:t>
-            </a:r>
-            <a:r>
-              <a:rPr lang="pt-BR" dirty="0"/>
-              <a:t> for </a:t>
-            </a:r>
-          </a:p>
-          <a:p>
-            <a:pPr marL="114300" indent="0">
-              <a:buNone/>
-            </a:pPr>
-            <a:r>
-              <a:rPr lang="pt-BR" dirty="0" err="1"/>
-              <a:t>descriptive</a:t>
-            </a:r>
-            <a:r>
-              <a:rPr lang="pt-BR" dirty="0"/>
-              <a:t> </a:t>
-            </a:r>
-            <a:r>
-              <a:rPr lang="pt-BR" dirty="0" err="1"/>
-              <a:t>statistics</a:t>
-            </a:r>
-            <a:r>
-              <a:rPr lang="pt-BR" dirty="0"/>
-              <a:t>:</a:t>
-            </a:r>
-          </a:p>
-          <a:p>
-            <a:pPr marL="114300" indent="0">
-              <a:buNone/>
-            </a:pPr>
-            <a:r>
-              <a:rPr lang="pt-BR" dirty="0"/>
-              <a:t>“plot3D”, “</a:t>
-            </a:r>
-            <a:r>
-              <a:rPr lang="pt-BR" dirty="0" err="1"/>
-              <a:t>corrplot</a:t>
-            </a:r>
-            <a:r>
-              <a:rPr lang="pt-BR" dirty="0"/>
-              <a:t>”, </a:t>
-            </a:r>
-          </a:p>
-          <a:p>
-            <a:pPr marL="114300" indent="0">
-              <a:buNone/>
-            </a:pPr>
-            <a:r>
-              <a:rPr lang="pt-BR" dirty="0"/>
-              <a:t>“</a:t>
-            </a:r>
-            <a:r>
-              <a:rPr lang="pt-BR" dirty="0" err="1"/>
-              <a:t>lattice</a:t>
-            </a:r>
-            <a:r>
-              <a:rPr lang="pt-BR" dirty="0"/>
-              <a:t>”, “</a:t>
-            </a:r>
-            <a:r>
-              <a:rPr lang="pt-BR" dirty="0" err="1"/>
-              <a:t>fields</a:t>
-            </a:r>
-            <a:r>
-              <a:rPr lang="pt-BR" dirty="0"/>
-              <a:t>”</a:t>
-            </a:r>
-          </a:p>
-          <a:p>
-            <a:pPr marL="114300" indent="0">
-              <a:buNone/>
-            </a:pPr>
-            <a:endParaRPr lang="pt-BR" dirty="0"/>
-          </a:p>
-          <a:p>
-            <a:pPr marL="114300" indent="0">
-              <a:buNone/>
-            </a:pPr>
-            <a:endParaRPr lang="pt-BR" dirty="0"/>
-          </a:p>
-          <a:p>
-            <a:pPr marL="114300" indent="0">
-              <a:buNone/>
-            </a:pPr>
-            <a:endParaRPr lang="pt-BR" dirty="0"/>
-          </a:p>
-          <a:p>
-            <a:pPr marL="114300" indent="0">
-              <a:buNone/>
-            </a:pPr>
-            <a:endParaRPr lang="pt-BR" dirty="0"/>
-          </a:p>
-          <a:p>
-            <a:pPr marL="114300" indent="0">
-              <a:buNone/>
-            </a:pPr>
-            <a:endParaRPr lang="pt-BR" dirty="0"/>
-          </a:p>
-          <a:p>
-            <a:pPr marL="114300" indent="0">
-              <a:buNone/>
-            </a:pPr>
-            <a:endParaRPr lang="pt-BR" dirty="0"/>
-          </a:p>
-          <a:p>
-            <a:pPr marL="114300" indent="0">
-              <a:buNone/>
-            </a:pPr>
-            <a:endParaRPr lang="pt-BR" dirty="0"/>
-          </a:p>
-          <a:p>
-            <a:pPr marL="114300" indent="0">
-              <a:buNone/>
-            </a:pPr>
-            <a:endParaRPr lang="pt-BR" dirty="0"/>
-          </a:p>
-          <a:p>
-            <a:pPr marL="114300" indent="0">
-              <a:buNone/>
-            </a:pPr>
-            <a:endParaRPr lang="pt-BR" dirty="0"/>
-          </a:p>
-          <a:p>
-            <a:pPr marL="114300" indent="0">
-              <a:buNone/>
-            </a:pPr>
-            <a:endParaRPr lang="pt-BR" dirty="0"/>
-          </a:p>
-        </p:txBody>
-      </p:sp>
-      <p:pic>
-        <p:nvPicPr>
-          <p:cNvPr id="3" name="Imagem 2">
-            <a:extLst>
-              <a:ext uri="{FF2B5EF4-FFF2-40B4-BE49-F238E27FC236}">
-                <a16:creationId xmlns:a16="http://schemas.microsoft.com/office/drawing/2014/main" id="{F6EEB90B-2E42-4409-ABAE-694244E34465}"/>
-              </a:ext>
-            </a:extLst>
-          </p:cNvPr>
-          <p:cNvPicPr>
-            <a:picLocks noChangeAspect="1"/>
-          </p:cNvPicPr>
-          <p:nvPr/>
-        </p:nvPicPr>
-        <p:blipFill rotWithShape="1">
-          <a:blip r:embed="rId3"/>
-          <a:srcRect r="46097"/>
-          <a:stretch/>
-        </p:blipFill>
-        <p:spPr>
-          <a:xfrm>
-            <a:off x="3868057" y="2421778"/>
-            <a:ext cx="4209143" cy="4161584"/>
-          </a:xfrm>
-          <a:prstGeom prst="rect">
-            <a:avLst/>
-          </a:prstGeom>
-        </p:spPr>
-      </p:pic>
-      <p:sp>
-        <p:nvSpPr>
-          <p:cNvPr id="6" name="Retângulo 5">
-            <a:extLst>
-              <a:ext uri="{FF2B5EF4-FFF2-40B4-BE49-F238E27FC236}">
-                <a16:creationId xmlns:a16="http://schemas.microsoft.com/office/drawing/2014/main" id="{1DB9162B-EB88-4B7F-B66D-DAFEF254A28D}"/>
-              </a:ext>
-            </a:extLst>
-          </p:cNvPr>
-          <p:cNvSpPr/>
-          <p:nvPr/>
-        </p:nvSpPr>
-        <p:spPr>
-          <a:xfrm>
-            <a:off x="6134100" y="2531579"/>
-            <a:ext cx="247650" cy="190500"/>
-          </a:xfrm>
-          <a:prstGeom prst="rect">
-            <a:avLst/>
-          </a:prstGeom>
-          <a:noFill/>
-          <a:ln>
-            <a:solidFill>
-              <a:schemeClr val="accent1"/>
-            </a:solidFill>
-          </a:ln>
-        </p:spPr>
-        <p:style>
-          <a:lnRef idx="2">
-            <a:schemeClr val="accent1">
-              <a:shade val="50000"/>
-            </a:schemeClr>
-          </a:lnRef>
-          <a:fillRef idx="1">
-            <a:schemeClr val="accent1"/>
-          </a:fillRef>
-          <a:effectRef idx="0">
-            <a:schemeClr val="accent1"/>
-          </a:effectRef>
-          <a:fontRef idx="minor">
-            <a:schemeClr val="lt1"/>
-          </a:fontRef>
-        </p:style>
-        <p:txBody>
-          <a:bodyPr rtlCol="0" anchor="ctr"/>
-          <a:lstStyle/>
-          <a:p>
-            <a:pPr algn="ctr"/>
-            <a:endParaRPr lang="en-US"/>
-          </a:p>
-        </p:txBody>
-      </p:sp>
-    </p:spTree>
-    <p:extLst>
-      <p:ext uri="{BB962C8B-B14F-4D97-AF65-F5344CB8AC3E}">
-        <p14:creationId xmlns:p14="http://schemas.microsoft.com/office/powerpoint/2010/main" val="1541845361"/>
-      </p:ext>
-    </p:extLst>
-  </p:cSld>
-  <p:clrMapOvr>
-    <a:masterClrMapping/>
-  </p:clrMapOvr>
-  <p:transition spd="med">
-    <p:strips dir="rd"/>
-  </p:transition>
-</p:sld>
-</file>
-
-<file path=ppt/slides/slide25.xml><?xml version="1.0" encoding="utf-8"?>
-<p:sld xmlns:a="http://schemas.openxmlformats.org/drawingml/2006/main" xmlns:r="http://schemas.openxmlformats.org/officeDocument/2006/relationships" xmlns:p="http://schemas.openxmlformats.org/presentationml/2006/main">
-  <p:cSld>
-    <p:spTree>
-      <p:nvGrpSpPr>
-        <p:cNvPr id="1" name=""/>
-        <p:cNvGrpSpPr/>
-        <p:nvPr/>
-      </p:nvGrpSpPr>
-      <p:grpSpPr>
-        <a:xfrm>
-          <a:off x="0" y="0"/>
-          <a:ext cx="0" cy="0"/>
-          <a:chOff x="0" y="0"/>
-          <a:chExt cx="0" cy="0"/>
-        </a:xfrm>
-      </p:grpSpPr>
-      <p:sp>
-        <p:nvSpPr>
-          <p:cNvPr id="2" name="Titre 1"/>
-          <p:cNvSpPr>
-            <a:spLocks noGrp="1"/>
-          </p:cNvSpPr>
-          <p:nvPr>
-            <p:ph type="title"/>
-          </p:nvPr>
-        </p:nvSpPr>
-        <p:spPr>
-          <a:xfrm>
-            <a:off x="457200" y="274638"/>
-            <a:ext cx="7620000" cy="1143000"/>
-          </a:xfrm>
-        </p:spPr>
-        <p:txBody>
-          <a:bodyPr/>
-          <a:lstStyle/>
-          <a:p>
-            <a:r>
-              <a:rPr lang="fr-BE" dirty="0"/>
-              <a:t>Statistics</a:t>
-            </a:r>
-          </a:p>
-        </p:txBody>
-      </p:sp>
-      <p:sp>
-        <p:nvSpPr>
-          <p:cNvPr id="18" name="Footer Placeholder 4"/>
-          <p:cNvSpPr txBox="1">
-            <a:spLocks/>
-          </p:cNvSpPr>
-          <p:nvPr/>
-        </p:nvSpPr>
-        <p:spPr>
-          <a:xfrm rot="16200000">
-            <a:off x="7587456" y="4048919"/>
-            <a:ext cx="2366963" cy="365125"/>
-          </a:xfrm>
-          <a:prstGeom prst="rect">
-            <a:avLst/>
-          </a:prstGeom>
-        </p:spPr>
-        <p:txBody>
-          <a:bodyPr vert="horz" lIns="91440" tIns="45720" rIns="91440" bIns="45720" rtlCol="0" anchor="ctr"/>
-          <a:lstStyle>
-            <a:defPPr>
-              <a:defRPr lang="fr-BE"/>
-            </a:defPPr>
-            <a:lvl1pPr algn="ctr" rtl="0" fontAlgn="base">
-              <a:spcBef>
-                <a:spcPct val="0"/>
-              </a:spcBef>
-              <a:spcAft>
-                <a:spcPct val="0"/>
-              </a:spcAft>
-              <a:defRPr sz="1200" kern="1200" dirty="0" smtClean="0">
-                <a:solidFill>
-                  <a:schemeClr val="bg2"/>
-                </a:solidFill>
-                <a:latin typeface="Arial" charset="0"/>
-                <a:ea typeface="+mn-ea"/>
-                <a:cs typeface="Arial" charset="0"/>
-              </a:defRPr>
-            </a:lvl1pPr>
-            <a:lvl2pPr marL="457200" algn="ctr" rtl="0" fontAlgn="base">
-              <a:spcBef>
-                <a:spcPct val="0"/>
-              </a:spcBef>
-              <a:spcAft>
-                <a:spcPct val="0"/>
-              </a:spcAft>
-              <a:defRPr kern="1200">
-                <a:solidFill>
-                  <a:schemeClr val="tx1"/>
-                </a:solidFill>
-                <a:latin typeface="Arial" charset="0"/>
-                <a:ea typeface="+mn-ea"/>
-                <a:cs typeface="Arial" charset="0"/>
-              </a:defRPr>
-            </a:lvl2pPr>
-            <a:lvl3pPr marL="914400" algn="ctr" rtl="0" fontAlgn="base">
-              <a:spcBef>
-                <a:spcPct val="0"/>
-              </a:spcBef>
-              <a:spcAft>
-                <a:spcPct val="0"/>
-              </a:spcAft>
-              <a:defRPr kern="1200">
-                <a:solidFill>
-                  <a:schemeClr val="tx1"/>
-                </a:solidFill>
-                <a:latin typeface="Arial" charset="0"/>
-                <a:ea typeface="+mn-ea"/>
-                <a:cs typeface="Arial" charset="0"/>
-              </a:defRPr>
-            </a:lvl3pPr>
-            <a:lvl4pPr marL="1371600" algn="ctr" rtl="0" fontAlgn="base">
-              <a:spcBef>
-                <a:spcPct val="0"/>
-              </a:spcBef>
-              <a:spcAft>
-                <a:spcPct val="0"/>
-              </a:spcAft>
-              <a:defRPr kern="1200">
-                <a:solidFill>
-                  <a:schemeClr val="tx1"/>
-                </a:solidFill>
-                <a:latin typeface="Arial" charset="0"/>
-                <a:ea typeface="+mn-ea"/>
-                <a:cs typeface="Arial" charset="0"/>
-              </a:defRPr>
-            </a:lvl4pPr>
-            <a:lvl5pPr marL="1828800" algn="ctr" rtl="0" fontAlgn="base">
-              <a:spcBef>
-                <a:spcPct val="0"/>
-              </a:spcBef>
-              <a:spcAft>
-                <a:spcPct val="0"/>
-              </a:spcAft>
-              <a:defRPr kern="1200">
-                <a:solidFill>
-                  <a:schemeClr val="tx1"/>
-                </a:solidFill>
-                <a:latin typeface="Arial" charset="0"/>
-                <a:ea typeface="+mn-ea"/>
-                <a:cs typeface="Arial" charset="0"/>
-              </a:defRPr>
-            </a:lvl5pPr>
-            <a:lvl6pPr marL="2286000" algn="l" defTabSz="914400" rtl="0" eaLnBrk="1" latinLnBrk="0" hangingPunct="1">
-              <a:defRPr kern="1200">
-                <a:solidFill>
-                  <a:schemeClr val="tx1"/>
-                </a:solidFill>
-                <a:latin typeface="Arial" charset="0"/>
-                <a:ea typeface="+mn-ea"/>
-                <a:cs typeface="Arial" charset="0"/>
-              </a:defRPr>
-            </a:lvl6pPr>
-            <a:lvl7pPr marL="2743200" algn="l" defTabSz="914400" rtl="0" eaLnBrk="1" latinLnBrk="0" hangingPunct="1">
-              <a:defRPr kern="1200">
-                <a:solidFill>
-                  <a:schemeClr val="tx1"/>
-                </a:solidFill>
-                <a:latin typeface="Arial" charset="0"/>
-                <a:ea typeface="+mn-ea"/>
-                <a:cs typeface="Arial" charset="0"/>
-              </a:defRPr>
-            </a:lvl7pPr>
-            <a:lvl8pPr marL="3200400" algn="l" defTabSz="914400" rtl="0" eaLnBrk="1" latinLnBrk="0" hangingPunct="1">
-              <a:defRPr kern="1200">
-                <a:solidFill>
-                  <a:schemeClr val="tx1"/>
-                </a:solidFill>
-                <a:latin typeface="Arial" charset="0"/>
-                <a:ea typeface="+mn-ea"/>
-                <a:cs typeface="Arial" charset="0"/>
-              </a:defRPr>
-            </a:lvl8pPr>
-            <a:lvl9pPr marL="3657600" algn="l" defTabSz="914400" rtl="0" eaLnBrk="1" latinLnBrk="0" hangingPunct="1">
-              <a:defRPr kern="1200">
-                <a:solidFill>
-                  <a:schemeClr val="tx1"/>
-                </a:solidFill>
-                <a:latin typeface="Arial" charset="0"/>
-                <a:ea typeface="+mn-ea"/>
-                <a:cs typeface="Arial" charset="0"/>
-              </a:defRPr>
-            </a:lvl9pPr>
-          </a:lstStyle>
-          <a:p>
-            <a:pPr>
-              <a:defRPr/>
-            </a:pPr>
-            <a:r>
-              <a:rPr lang="fr-FR" dirty="0" err="1"/>
-              <a:t>Geostatistics</a:t>
-            </a:r>
-            <a:endParaRPr lang="fr-FR" dirty="0"/>
-          </a:p>
-        </p:txBody>
-      </p:sp>
-      <p:sp>
-        <p:nvSpPr>
-          <p:cNvPr id="4" name="Espaço Reservado para Conteúdo 3">
-            <a:extLst>
-              <a:ext uri="{FF2B5EF4-FFF2-40B4-BE49-F238E27FC236}">
-                <a16:creationId xmlns:a16="http://schemas.microsoft.com/office/drawing/2014/main" id="{C81EE1C5-4E52-4EF2-B1DD-BA135106C3BB}"/>
-              </a:ext>
-            </a:extLst>
-          </p:cNvPr>
-          <p:cNvSpPr>
-            <a:spLocks noGrp="1"/>
-          </p:cNvSpPr>
-          <p:nvPr>
-            <p:ph idx="1"/>
-          </p:nvPr>
-        </p:nvSpPr>
-        <p:spPr>
-          <a:xfrm>
-            <a:off x="457200" y="1600200"/>
-            <a:ext cx="7620000" cy="5257800"/>
-          </a:xfrm>
-        </p:spPr>
-        <p:txBody>
-          <a:bodyPr/>
-          <a:lstStyle/>
-          <a:p>
-            <a:pPr marL="114300" indent="0">
-              <a:buNone/>
-            </a:pPr>
-            <a:r>
-              <a:rPr lang="en-US" dirty="0"/>
-              <a:t>Questions you should address:</a:t>
-            </a:r>
-          </a:p>
-          <a:p>
-            <a:pPr lvl="1"/>
-            <a:r>
-              <a:rPr lang="en-US" sz="1800" dirty="0"/>
-              <a:t>Describe the distribution of the variable. Is it symmetric or skewed? Does it appear to come from one population? Do there appear to be any “outliers”?</a:t>
-            </a:r>
-          </a:p>
-          <a:p>
-            <a:endParaRPr lang="en-US" sz="2000" dirty="0"/>
-          </a:p>
-          <a:p>
-            <a:pPr lvl="1"/>
-            <a:r>
-              <a:rPr lang="en-US" sz="1800" dirty="0"/>
-              <a:t>What are the minimum, median, std deviation in the sample set?</a:t>
-            </a:r>
-          </a:p>
-          <a:p>
-            <a:endParaRPr lang="en-US" sz="2000" dirty="0"/>
-          </a:p>
-          <a:p>
-            <a:pPr lvl="1"/>
-            <a:r>
-              <a:rPr lang="en-US" sz="1800" dirty="0"/>
-              <a:t>Compare the mean and median. What does this imply about the distribution of the variable?</a:t>
-            </a:r>
-          </a:p>
-          <a:p>
-            <a:pPr marL="114300" indent="0">
-              <a:buNone/>
-            </a:pPr>
-            <a:endParaRPr lang="en-US" sz="2000" dirty="0"/>
-          </a:p>
-          <a:p>
-            <a:pPr marL="114300" indent="0">
-              <a:buNone/>
-            </a:pPr>
-            <a:r>
-              <a:rPr lang="en-US" sz="2000" dirty="0"/>
-              <a:t>The distribution of metal concentrations usually are far from symmetrical. A common transform for a highly-skewed distribution is the logarithm.</a:t>
-            </a:r>
-          </a:p>
-          <a:p>
-            <a:pPr lvl="1"/>
-            <a:r>
-              <a:rPr lang="en-US" sz="1800" dirty="0"/>
-              <a:t>Is the transformed variable more symmetric? What happened to the presumed outliers?</a:t>
-            </a:r>
-            <a:endParaRPr lang="pt-BR" sz="1800" dirty="0"/>
-          </a:p>
-          <a:p>
-            <a:endParaRPr lang="pt-BR" dirty="0"/>
-          </a:p>
-          <a:p>
-            <a:pPr marL="114300" indent="0">
-              <a:buNone/>
-            </a:pPr>
-            <a:endParaRPr lang="pt-BR" dirty="0"/>
-          </a:p>
-          <a:p>
-            <a:pPr marL="114300" indent="0">
-              <a:buNone/>
-            </a:pPr>
-            <a:endParaRPr lang="pt-BR" dirty="0"/>
-          </a:p>
-          <a:p>
-            <a:pPr marL="114300" indent="0">
-              <a:buNone/>
-            </a:pPr>
-            <a:endParaRPr lang="pt-BR" dirty="0"/>
-          </a:p>
-          <a:p>
-            <a:pPr marL="114300" indent="0">
-              <a:buNone/>
-            </a:pPr>
-            <a:endParaRPr lang="pt-BR" dirty="0"/>
-          </a:p>
-          <a:p>
-            <a:pPr marL="114300" indent="0">
-              <a:buNone/>
-            </a:pPr>
-            <a:endParaRPr lang="pt-BR" dirty="0"/>
-          </a:p>
-          <a:p>
-            <a:pPr marL="114300" indent="0">
-              <a:buNone/>
-            </a:pPr>
-            <a:endParaRPr lang="pt-BR" dirty="0"/>
-          </a:p>
-          <a:p>
-            <a:pPr marL="114300" indent="0">
-              <a:buNone/>
-            </a:pPr>
-            <a:endParaRPr lang="pt-BR" dirty="0"/>
-          </a:p>
-          <a:p>
-            <a:pPr marL="114300" indent="0">
-              <a:buNone/>
-            </a:pPr>
-            <a:endParaRPr lang="pt-BR" dirty="0"/>
-          </a:p>
-        </p:txBody>
-      </p:sp>
-    </p:spTree>
-    <p:extLst>
-      <p:ext uri="{BB962C8B-B14F-4D97-AF65-F5344CB8AC3E}">
-        <p14:creationId xmlns:p14="http://schemas.microsoft.com/office/powerpoint/2010/main" val="638743631"/>
-      </p:ext>
-    </p:extLst>
-  </p:cSld>
-  <p:clrMapOvr>
-    <a:masterClrMapping/>
-  </p:clrMapOvr>
-  <p:transition spd="med">
-    <p:strips dir="rd"/>
-  </p:transition>
-</p:sld>
-</file>
-
-<file path=ppt/slides/slide26.xml><?xml version="1.0" encoding="utf-8"?>
-<p:sld xmlns:a="http://schemas.openxmlformats.org/drawingml/2006/main" xmlns:r="http://schemas.openxmlformats.org/officeDocument/2006/relationships" xmlns:p="http://schemas.openxmlformats.org/presentationml/2006/main">
-  <p:cSld>
-    <p:spTree>
-      <p:nvGrpSpPr>
-        <p:cNvPr id="1" name=""/>
-        <p:cNvGrpSpPr/>
-        <p:nvPr/>
-      </p:nvGrpSpPr>
-      <p:grpSpPr>
-        <a:xfrm>
-          <a:off x="0" y="0"/>
-          <a:ext cx="0" cy="0"/>
-          <a:chOff x="0" y="0"/>
-          <a:chExt cx="0" cy="0"/>
-        </a:xfrm>
-      </p:grpSpPr>
-      <p:sp>
-        <p:nvSpPr>
-          <p:cNvPr id="2" name="Espaço Reservado para Conteúdo 1">
-            <a:extLst>
-              <a:ext uri="{FF2B5EF4-FFF2-40B4-BE49-F238E27FC236}">
-                <a16:creationId xmlns:a16="http://schemas.microsoft.com/office/drawing/2014/main" id="{26F3CBDC-F5D7-48D5-B779-2FBCC4446E29}"/>
-              </a:ext>
-            </a:extLst>
-          </p:cNvPr>
-          <p:cNvSpPr>
-            <a:spLocks noGrp="1"/>
-          </p:cNvSpPr>
-          <p:nvPr>
-            <p:ph idx="1"/>
-          </p:nvPr>
-        </p:nvSpPr>
-        <p:spPr/>
-        <p:txBody>
-          <a:bodyPr/>
-          <a:lstStyle/>
-          <a:p>
-            <a:r>
-              <a:rPr lang="fr-FR" dirty="0"/>
-              <a:t>plot(data$zinc ~ data$copper)</a:t>
-            </a:r>
-          </a:p>
-          <a:p>
-            <a:r>
-              <a:rPr lang="pt-BR" dirty="0" err="1"/>
-              <a:t>pairs</a:t>
-            </a:r>
-            <a:r>
-              <a:rPr lang="pt-BR" dirty="0"/>
-              <a:t>(</a:t>
-            </a:r>
-            <a:r>
-              <a:rPr lang="pt-BR" dirty="0" err="1"/>
-              <a:t>meuse</a:t>
-            </a:r>
-            <a:r>
-              <a:rPr lang="pt-BR" dirty="0"/>
-              <a:t>[, 15:18])</a:t>
-            </a:r>
-          </a:p>
-          <a:p>
-            <a:endParaRPr lang="fr-FR" dirty="0"/>
-          </a:p>
-          <a:p>
-            <a:pPr marL="114300" indent="0">
-              <a:buNone/>
-            </a:pPr>
-            <a:r>
-              <a:rPr lang="en-US" dirty="0"/>
-              <a:t>Questions you should address:</a:t>
-            </a:r>
-          </a:p>
-          <a:p>
-            <a:pPr lvl="1">
-              <a:buFont typeface="Arial" panose="020B0604020202020204" pitchFamily="34" charset="0"/>
-              <a:buChar char="•"/>
-            </a:pPr>
-            <a:r>
-              <a:rPr lang="en-US" dirty="0"/>
-              <a:t>Do the two variables appear to be related in feature space?</a:t>
-            </a:r>
-          </a:p>
-          <a:p>
-            <a:pPr lvl="1">
-              <a:buFont typeface="Arial" panose="020B0604020202020204" pitchFamily="34" charset="0"/>
-              <a:buChar char="•"/>
-            </a:pPr>
-            <a:endParaRPr lang="en-US" dirty="0"/>
-          </a:p>
-          <a:p>
-            <a:pPr lvl="1">
-              <a:buFont typeface="Arial" panose="020B0604020202020204" pitchFamily="34" charset="0"/>
-              <a:buChar char="•"/>
-            </a:pPr>
-            <a:r>
-              <a:rPr lang="en-US" dirty="0"/>
-              <a:t>Find the observations that do not fit the general pattern of the copper vs. zinc relation</a:t>
-            </a:r>
-          </a:p>
-          <a:p>
-            <a:pPr marL="114300" indent="0">
-              <a:buNone/>
-            </a:pPr>
-            <a:endParaRPr lang="fr-FR" dirty="0"/>
-          </a:p>
-          <a:p>
-            <a:endParaRPr lang="fr-FR" dirty="0"/>
-          </a:p>
-          <a:p>
-            <a:endParaRPr lang="en-US" dirty="0"/>
-          </a:p>
-        </p:txBody>
-      </p:sp>
-      <p:sp>
-        <p:nvSpPr>
-          <p:cNvPr id="3" name="Título 2">
-            <a:extLst>
-              <a:ext uri="{FF2B5EF4-FFF2-40B4-BE49-F238E27FC236}">
-                <a16:creationId xmlns:a16="http://schemas.microsoft.com/office/drawing/2014/main" id="{F6F779E7-74C6-45EF-BCC0-78FAFEC2FDAD}"/>
-              </a:ext>
-            </a:extLst>
-          </p:cNvPr>
-          <p:cNvSpPr>
-            <a:spLocks noGrp="1"/>
-          </p:cNvSpPr>
-          <p:nvPr>
-            <p:ph type="title"/>
-          </p:nvPr>
-        </p:nvSpPr>
-        <p:spPr/>
-        <p:txBody>
-          <a:bodyPr/>
-          <a:lstStyle/>
-          <a:p>
-            <a:r>
-              <a:rPr lang="en-US" dirty="0"/>
-              <a:t>Bivariate EDA</a:t>
-            </a:r>
-          </a:p>
-        </p:txBody>
-      </p:sp>
-    </p:spTree>
-    <p:extLst>
-      <p:ext uri="{BB962C8B-B14F-4D97-AF65-F5344CB8AC3E}">
-        <p14:creationId xmlns:p14="http://schemas.microsoft.com/office/powerpoint/2010/main" val="3875867579"/>
-      </p:ext>
-    </p:extLst>
-  </p:cSld>
-  <p:clrMapOvr>
-    <a:masterClrMapping/>
-  </p:clrMapOvr>
-  <p:transition spd="med">
-    <p:strips dir="rd"/>
-  </p:transition>
-</p:sld>
-</file>
-
-<file path=ppt/slides/slide27.xml><?xml version="1.0" encoding="utf-8"?>
-<p:sld xmlns:a="http://schemas.openxmlformats.org/drawingml/2006/main" xmlns:r="http://schemas.openxmlformats.org/officeDocument/2006/relationships" xmlns:p="http://schemas.openxmlformats.org/presentationml/2006/main">
-  <p:cSld>
-    <p:spTree>
-      <p:nvGrpSpPr>
-        <p:cNvPr id="1" name=""/>
-        <p:cNvGrpSpPr/>
-        <p:nvPr/>
-      </p:nvGrpSpPr>
-      <p:grpSpPr>
-        <a:xfrm>
-          <a:off x="0" y="0"/>
-          <a:ext cx="0" cy="0"/>
-          <a:chOff x="0" y="0"/>
-          <a:chExt cx="0" cy="0"/>
-        </a:xfrm>
-      </p:grpSpPr>
-      <p:sp>
-        <p:nvSpPr>
-          <p:cNvPr id="2" name="Titre 1"/>
-          <p:cNvSpPr>
-            <a:spLocks noGrp="1"/>
-          </p:cNvSpPr>
-          <p:nvPr>
-            <p:ph type="title"/>
-          </p:nvPr>
-        </p:nvSpPr>
-        <p:spPr>
-          <a:xfrm>
-            <a:off x="457200" y="274638"/>
-            <a:ext cx="7620000" cy="1143000"/>
-          </a:xfrm>
-        </p:spPr>
-        <p:txBody>
-          <a:bodyPr/>
-          <a:lstStyle/>
-          <a:p>
-            <a:r>
-              <a:rPr lang="fr-BE" dirty="0"/>
-              <a:t>Geostatistics</a:t>
-            </a:r>
-          </a:p>
-        </p:txBody>
-      </p:sp>
-      <p:sp>
-        <p:nvSpPr>
-          <p:cNvPr id="18" name="Footer Placeholder 4"/>
-          <p:cNvSpPr txBox="1">
-            <a:spLocks/>
-          </p:cNvSpPr>
-          <p:nvPr/>
-        </p:nvSpPr>
-        <p:spPr>
-          <a:xfrm rot="16200000">
-            <a:off x="7587456" y="4048919"/>
-            <a:ext cx="2366963" cy="365125"/>
-          </a:xfrm>
-          <a:prstGeom prst="rect">
-            <a:avLst/>
-          </a:prstGeom>
-        </p:spPr>
-        <p:txBody>
-          <a:bodyPr vert="horz" lIns="91440" tIns="45720" rIns="91440" bIns="45720" rtlCol="0" anchor="ctr"/>
-          <a:lstStyle>
-            <a:defPPr>
-              <a:defRPr lang="fr-BE"/>
-            </a:defPPr>
-            <a:lvl1pPr algn="ctr" rtl="0" fontAlgn="base">
-              <a:spcBef>
-                <a:spcPct val="0"/>
-              </a:spcBef>
-              <a:spcAft>
-                <a:spcPct val="0"/>
-              </a:spcAft>
-              <a:defRPr sz="1200" kern="1200" dirty="0" smtClean="0">
-                <a:solidFill>
-                  <a:schemeClr val="bg2"/>
-                </a:solidFill>
-                <a:latin typeface="Arial" charset="0"/>
-                <a:ea typeface="+mn-ea"/>
-                <a:cs typeface="Arial" charset="0"/>
-              </a:defRPr>
-            </a:lvl1pPr>
-            <a:lvl2pPr marL="457200" algn="ctr" rtl="0" fontAlgn="base">
-              <a:spcBef>
-                <a:spcPct val="0"/>
-              </a:spcBef>
-              <a:spcAft>
-                <a:spcPct val="0"/>
-              </a:spcAft>
-              <a:defRPr kern="1200">
-                <a:solidFill>
-                  <a:schemeClr val="tx1"/>
-                </a:solidFill>
-                <a:latin typeface="Arial" charset="0"/>
-                <a:ea typeface="+mn-ea"/>
-                <a:cs typeface="Arial" charset="0"/>
-              </a:defRPr>
-            </a:lvl2pPr>
-            <a:lvl3pPr marL="914400" algn="ctr" rtl="0" fontAlgn="base">
-              <a:spcBef>
-                <a:spcPct val="0"/>
-              </a:spcBef>
-              <a:spcAft>
-                <a:spcPct val="0"/>
-              </a:spcAft>
-              <a:defRPr kern="1200">
-                <a:solidFill>
-                  <a:schemeClr val="tx1"/>
-                </a:solidFill>
-                <a:latin typeface="Arial" charset="0"/>
-                <a:ea typeface="+mn-ea"/>
-                <a:cs typeface="Arial" charset="0"/>
-              </a:defRPr>
-            </a:lvl3pPr>
-            <a:lvl4pPr marL="1371600" algn="ctr" rtl="0" fontAlgn="base">
-              <a:spcBef>
-                <a:spcPct val="0"/>
-              </a:spcBef>
-              <a:spcAft>
-                <a:spcPct val="0"/>
-              </a:spcAft>
-              <a:defRPr kern="1200">
-                <a:solidFill>
-                  <a:schemeClr val="tx1"/>
-                </a:solidFill>
-                <a:latin typeface="Arial" charset="0"/>
-                <a:ea typeface="+mn-ea"/>
-                <a:cs typeface="Arial" charset="0"/>
-              </a:defRPr>
-            </a:lvl4pPr>
-            <a:lvl5pPr marL="1828800" algn="ctr" rtl="0" fontAlgn="base">
-              <a:spcBef>
-                <a:spcPct val="0"/>
-              </a:spcBef>
-              <a:spcAft>
-                <a:spcPct val="0"/>
-              </a:spcAft>
-              <a:defRPr kern="1200">
-                <a:solidFill>
-                  <a:schemeClr val="tx1"/>
-                </a:solidFill>
-                <a:latin typeface="Arial" charset="0"/>
-                <a:ea typeface="+mn-ea"/>
-                <a:cs typeface="Arial" charset="0"/>
-              </a:defRPr>
-            </a:lvl5pPr>
-            <a:lvl6pPr marL="2286000" algn="l" defTabSz="914400" rtl="0" eaLnBrk="1" latinLnBrk="0" hangingPunct="1">
-              <a:defRPr kern="1200">
-                <a:solidFill>
-                  <a:schemeClr val="tx1"/>
-                </a:solidFill>
-                <a:latin typeface="Arial" charset="0"/>
-                <a:ea typeface="+mn-ea"/>
-                <a:cs typeface="Arial" charset="0"/>
-              </a:defRPr>
-            </a:lvl6pPr>
-            <a:lvl7pPr marL="2743200" algn="l" defTabSz="914400" rtl="0" eaLnBrk="1" latinLnBrk="0" hangingPunct="1">
-              <a:defRPr kern="1200">
-                <a:solidFill>
-                  <a:schemeClr val="tx1"/>
-                </a:solidFill>
-                <a:latin typeface="Arial" charset="0"/>
-                <a:ea typeface="+mn-ea"/>
-                <a:cs typeface="Arial" charset="0"/>
-              </a:defRPr>
-            </a:lvl7pPr>
-            <a:lvl8pPr marL="3200400" algn="l" defTabSz="914400" rtl="0" eaLnBrk="1" latinLnBrk="0" hangingPunct="1">
-              <a:defRPr kern="1200">
-                <a:solidFill>
-                  <a:schemeClr val="tx1"/>
-                </a:solidFill>
-                <a:latin typeface="Arial" charset="0"/>
-                <a:ea typeface="+mn-ea"/>
-                <a:cs typeface="Arial" charset="0"/>
-              </a:defRPr>
-            </a:lvl8pPr>
-            <a:lvl9pPr marL="3657600" algn="l" defTabSz="914400" rtl="0" eaLnBrk="1" latinLnBrk="0" hangingPunct="1">
-              <a:defRPr kern="1200">
-                <a:solidFill>
-                  <a:schemeClr val="tx1"/>
-                </a:solidFill>
-                <a:latin typeface="Arial" charset="0"/>
-                <a:ea typeface="+mn-ea"/>
-                <a:cs typeface="Arial" charset="0"/>
-              </a:defRPr>
-            </a:lvl9pPr>
-          </a:lstStyle>
-          <a:p>
-            <a:pPr>
-              <a:defRPr/>
-            </a:pPr>
-            <a:r>
-              <a:rPr lang="fr-FR" dirty="0" err="1"/>
-              <a:t>Geostatistics</a:t>
-            </a:r>
-            <a:endParaRPr lang="fr-FR" dirty="0"/>
-          </a:p>
-        </p:txBody>
-      </p:sp>
-      <p:sp>
-        <p:nvSpPr>
-          <p:cNvPr id="4" name="Espaço Reservado para Conteúdo 3">
-            <a:extLst>
-              <a:ext uri="{FF2B5EF4-FFF2-40B4-BE49-F238E27FC236}">
-                <a16:creationId xmlns:a16="http://schemas.microsoft.com/office/drawing/2014/main" id="{C81EE1C5-4E52-4EF2-B1DD-BA135106C3BB}"/>
-              </a:ext>
-            </a:extLst>
-          </p:cNvPr>
-          <p:cNvSpPr>
-            <a:spLocks noGrp="1"/>
-          </p:cNvSpPr>
-          <p:nvPr>
-            <p:ph idx="1"/>
-          </p:nvPr>
-        </p:nvSpPr>
-        <p:spPr>
-          <a:xfrm>
-            <a:off x="457200" y="1600200"/>
-            <a:ext cx="7620000" cy="5257800"/>
-          </a:xfrm>
-        </p:spPr>
-        <p:txBody>
-          <a:bodyPr/>
-          <a:lstStyle/>
-          <a:p>
-            <a:endParaRPr lang="pt-BR" dirty="0"/>
-          </a:p>
-          <a:p>
-            <a:endParaRPr lang="pt-BR" dirty="0"/>
-          </a:p>
-          <a:p>
-            <a:r>
-              <a:rPr lang="pt-BR" dirty="0" err="1"/>
-              <a:t>Needs</a:t>
-            </a:r>
-            <a:r>
-              <a:rPr lang="pt-BR" dirty="0"/>
-              <a:t> to </a:t>
-            </a:r>
-            <a:r>
-              <a:rPr lang="pt-BR" dirty="0" err="1"/>
-              <a:t>install</a:t>
-            </a:r>
-            <a:r>
-              <a:rPr lang="pt-BR" dirty="0"/>
-              <a:t> </a:t>
-            </a:r>
-            <a:r>
-              <a:rPr lang="pt-BR" b="1" u="sng" dirty="0" err="1"/>
-              <a:t>RGeostats</a:t>
-            </a:r>
-            <a:r>
-              <a:rPr lang="pt-BR" dirty="0"/>
-              <a:t> </a:t>
-            </a:r>
-            <a:r>
-              <a:rPr lang="pt-BR" dirty="0" err="1"/>
-              <a:t>package</a:t>
-            </a:r>
-            <a:r>
-              <a:rPr lang="pt-BR" dirty="0"/>
-              <a:t>:</a:t>
-            </a:r>
-          </a:p>
-          <a:p>
-            <a:endParaRPr lang="pt-BR" dirty="0"/>
-          </a:p>
-          <a:p>
-            <a:r>
-              <a:rPr lang="en-US" dirty="0"/>
-              <a:t>Install the package </a:t>
-            </a:r>
-            <a:r>
-              <a:rPr lang="en-US" b="1" dirty="0" err="1"/>
-              <a:t>Rcpp</a:t>
-            </a:r>
-            <a:r>
-              <a:rPr lang="en-US" dirty="0"/>
-              <a:t>: </a:t>
-            </a:r>
-            <a:r>
-              <a:rPr lang="en-US" dirty="0" err="1"/>
-              <a:t>install.package</a:t>
-            </a:r>
-            <a:r>
-              <a:rPr lang="en-US" dirty="0"/>
-              <a:t>(“</a:t>
-            </a:r>
-            <a:r>
-              <a:rPr lang="en-US" dirty="0" err="1"/>
-              <a:t>Rcpp</a:t>
-            </a:r>
-            <a:r>
-              <a:rPr lang="en-US" dirty="0"/>
-              <a:t>”)</a:t>
-            </a:r>
-          </a:p>
-          <a:p>
-            <a:endParaRPr lang="pt-BR" dirty="0"/>
-          </a:p>
-          <a:p>
-            <a:r>
-              <a:rPr lang="pt-BR" dirty="0">
-                <a:hlinkClick r:id="rId3"/>
-              </a:rPr>
-              <a:t>http://rgeostats.free.fr/download.php</a:t>
-            </a:r>
-            <a:r>
-              <a:rPr lang="pt-BR" dirty="0"/>
-              <a:t> </a:t>
-            </a:r>
-          </a:p>
-          <a:p>
-            <a:endParaRPr lang="pt-BR" dirty="0"/>
-          </a:p>
-          <a:p>
-            <a:r>
-              <a:rPr lang="pt-BR" dirty="0" err="1"/>
-              <a:t>Install</a:t>
-            </a:r>
-            <a:r>
-              <a:rPr lang="pt-BR" dirty="0"/>
-              <a:t> </a:t>
-            </a:r>
-            <a:r>
-              <a:rPr lang="pt-BR" dirty="0" err="1"/>
-              <a:t>the</a:t>
-            </a:r>
-            <a:r>
-              <a:rPr lang="pt-BR" dirty="0"/>
-              <a:t> </a:t>
-            </a:r>
-            <a:r>
-              <a:rPr lang="pt-BR" dirty="0" err="1"/>
-              <a:t>package</a:t>
-            </a:r>
-            <a:r>
-              <a:rPr lang="pt-BR" dirty="0"/>
-              <a:t> </a:t>
-            </a:r>
-            <a:r>
-              <a:rPr lang="pt-BR" dirty="0" err="1"/>
-              <a:t>manually</a:t>
-            </a:r>
-            <a:r>
-              <a:rPr lang="pt-BR" dirty="0"/>
-              <a:t> (Tools – </a:t>
-            </a:r>
-            <a:r>
-              <a:rPr lang="pt-BR" dirty="0" err="1"/>
-              <a:t>Install</a:t>
-            </a:r>
-            <a:r>
-              <a:rPr lang="pt-BR" dirty="0"/>
-              <a:t> </a:t>
-            </a:r>
-            <a:r>
-              <a:rPr lang="pt-BR" dirty="0" err="1"/>
-              <a:t>packages</a:t>
-            </a:r>
-            <a:r>
-              <a:rPr lang="pt-BR" dirty="0"/>
-              <a:t>)</a:t>
-            </a:r>
-          </a:p>
-          <a:p>
-            <a:endParaRPr lang="pt-BR" dirty="0"/>
-          </a:p>
-          <a:p>
-            <a:endParaRPr lang="pt-BR" dirty="0"/>
-          </a:p>
-          <a:p>
-            <a:endParaRPr lang="en-US" dirty="0"/>
-          </a:p>
-          <a:p>
-            <a:endParaRPr lang="pt-BR" dirty="0"/>
-          </a:p>
-        </p:txBody>
-      </p:sp>
-    </p:spTree>
-    <p:extLst>
-      <p:ext uri="{BB962C8B-B14F-4D97-AF65-F5344CB8AC3E}">
-        <p14:creationId xmlns:p14="http://schemas.microsoft.com/office/powerpoint/2010/main" val="3899890957"/>
-      </p:ext>
-    </p:extLst>
-  </p:cSld>
-  <p:clrMapOvr>
-    <a:masterClrMapping/>
-  </p:clrMapOvr>
-  <p:transition spd="med">
-    <p:strips dir="rd"/>
-  </p:transition>
-</p:sld>
-</file>
-
-<file path=ppt/slides/slide28.xml><?xml version="1.0" encoding="utf-8"?>
-<p:sld xmlns:a="http://schemas.openxmlformats.org/drawingml/2006/main" xmlns:r="http://schemas.openxmlformats.org/officeDocument/2006/relationships" xmlns:p="http://schemas.openxmlformats.org/presentationml/2006/main">
-  <p:cSld>
-    <p:spTree>
-      <p:nvGrpSpPr>
-        <p:cNvPr id="1" name=""/>
-        <p:cNvGrpSpPr/>
-        <p:nvPr/>
-      </p:nvGrpSpPr>
-      <p:grpSpPr>
-        <a:xfrm>
-          <a:off x="0" y="0"/>
-          <a:ext cx="0" cy="0"/>
-          <a:chOff x="0" y="0"/>
-          <a:chExt cx="0" cy="0"/>
-        </a:xfrm>
-      </p:grpSpPr>
-      <p:sp>
-        <p:nvSpPr>
-          <p:cNvPr id="2" name="Titre 1"/>
-          <p:cNvSpPr>
-            <a:spLocks noGrp="1"/>
-          </p:cNvSpPr>
-          <p:nvPr>
-            <p:ph type="title"/>
-          </p:nvPr>
-        </p:nvSpPr>
-        <p:spPr>
-          <a:xfrm>
-            <a:off x="457200" y="274638"/>
-            <a:ext cx="7620000" cy="1143000"/>
-          </a:xfrm>
-        </p:spPr>
-        <p:txBody>
-          <a:bodyPr/>
-          <a:lstStyle/>
-          <a:p>
-            <a:r>
-              <a:rPr lang="fr-BE" dirty="0"/>
-              <a:t>Geostatistics</a:t>
-            </a:r>
-          </a:p>
-        </p:txBody>
-      </p:sp>
-      <p:sp>
-        <p:nvSpPr>
-          <p:cNvPr id="18" name="Footer Placeholder 4"/>
-          <p:cNvSpPr txBox="1">
-            <a:spLocks/>
-          </p:cNvSpPr>
-          <p:nvPr/>
-        </p:nvSpPr>
-        <p:spPr>
-          <a:xfrm rot="16200000">
-            <a:off x="7587456" y="4048919"/>
-            <a:ext cx="2366963" cy="365125"/>
-          </a:xfrm>
-          <a:prstGeom prst="rect">
-            <a:avLst/>
-          </a:prstGeom>
-        </p:spPr>
-        <p:txBody>
-          <a:bodyPr vert="horz" lIns="91440" tIns="45720" rIns="91440" bIns="45720" rtlCol="0" anchor="ctr"/>
-          <a:lstStyle>
-            <a:defPPr>
-              <a:defRPr lang="fr-BE"/>
-            </a:defPPr>
-            <a:lvl1pPr algn="ctr" rtl="0" fontAlgn="base">
-              <a:spcBef>
-                <a:spcPct val="0"/>
-              </a:spcBef>
-              <a:spcAft>
-                <a:spcPct val="0"/>
-              </a:spcAft>
-              <a:defRPr sz="1200" kern="1200" dirty="0" smtClean="0">
-                <a:solidFill>
-                  <a:schemeClr val="bg2"/>
-                </a:solidFill>
-                <a:latin typeface="Arial" charset="0"/>
-                <a:ea typeface="+mn-ea"/>
-                <a:cs typeface="Arial" charset="0"/>
-              </a:defRPr>
-            </a:lvl1pPr>
-            <a:lvl2pPr marL="457200" algn="ctr" rtl="0" fontAlgn="base">
-              <a:spcBef>
-                <a:spcPct val="0"/>
-              </a:spcBef>
-              <a:spcAft>
-                <a:spcPct val="0"/>
-              </a:spcAft>
-              <a:defRPr kern="1200">
-                <a:solidFill>
-                  <a:schemeClr val="tx1"/>
-                </a:solidFill>
-                <a:latin typeface="Arial" charset="0"/>
-                <a:ea typeface="+mn-ea"/>
-                <a:cs typeface="Arial" charset="0"/>
-              </a:defRPr>
-            </a:lvl2pPr>
-            <a:lvl3pPr marL="914400" algn="ctr" rtl="0" fontAlgn="base">
-              <a:spcBef>
-                <a:spcPct val="0"/>
-              </a:spcBef>
-              <a:spcAft>
-                <a:spcPct val="0"/>
-              </a:spcAft>
-              <a:defRPr kern="1200">
-                <a:solidFill>
-                  <a:schemeClr val="tx1"/>
-                </a:solidFill>
-                <a:latin typeface="Arial" charset="0"/>
-                <a:ea typeface="+mn-ea"/>
-                <a:cs typeface="Arial" charset="0"/>
-              </a:defRPr>
-            </a:lvl3pPr>
-            <a:lvl4pPr marL="1371600" algn="ctr" rtl="0" fontAlgn="base">
-              <a:spcBef>
-                <a:spcPct val="0"/>
-              </a:spcBef>
-              <a:spcAft>
-                <a:spcPct val="0"/>
-              </a:spcAft>
-              <a:defRPr kern="1200">
-                <a:solidFill>
-                  <a:schemeClr val="tx1"/>
-                </a:solidFill>
-                <a:latin typeface="Arial" charset="0"/>
-                <a:ea typeface="+mn-ea"/>
-                <a:cs typeface="Arial" charset="0"/>
-              </a:defRPr>
-            </a:lvl4pPr>
-            <a:lvl5pPr marL="1828800" algn="ctr" rtl="0" fontAlgn="base">
-              <a:spcBef>
-                <a:spcPct val="0"/>
-              </a:spcBef>
-              <a:spcAft>
-                <a:spcPct val="0"/>
-              </a:spcAft>
-              <a:defRPr kern="1200">
-                <a:solidFill>
-                  <a:schemeClr val="tx1"/>
-                </a:solidFill>
-                <a:latin typeface="Arial" charset="0"/>
-                <a:ea typeface="+mn-ea"/>
-                <a:cs typeface="Arial" charset="0"/>
-              </a:defRPr>
-            </a:lvl5pPr>
-            <a:lvl6pPr marL="2286000" algn="l" defTabSz="914400" rtl="0" eaLnBrk="1" latinLnBrk="0" hangingPunct="1">
-              <a:defRPr kern="1200">
-                <a:solidFill>
-                  <a:schemeClr val="tx1"/>
-                </a:solidFill>
-                <a:latin typeface="Arial" charset="0"/>
-                <a:ea typeface="+mn-ea"/>
-                <a:cs typeface="Arial" charset="0"/>
-              </a:defRPr>
-            </a:lvl6pPr>
-            <a:lvl7pPr marL="2743200" algn="l" defTabSz="914400" rtl="0" eaLnBrk="1" latinLnBrk="0" hangingPunct="1">
-              <a:defRPr kern="1200">
-                <a:solidFill>
-                  <a:schemeClr val="tx1"/>
-                </a:solidFill>
-                <a:latin typeface="Arial" charset="0"/>
-                <a:ea typeface="+mn-ea"/>
-                <a:cs typeface="Arial" charset="0"/>
-              </a:defRPr>
-            </a:lvl7pPr>
-            <a:lvl8pPr marL="3200400" algn="l" defTabSz="914400" rtl="0" eaLnBrk="1" latinLnBrk="0" hangingPunct="1">
-              <a:defRPr kern="1200">
-                <a:solidFill>
-                  <a:schemeClr val="tx1"/>
-                </a:solidFill>
-                <a:latin typeface="Arial" charset="0"/>
-                <a:ea typeface="+mn-ea"/>
-                <a:cs typeface="Arial" charset="0"/>
-              </a:defRPr>
-            </a:lvl8pPr>
-            <a:lvl9pPr marL="3657600" algn="l" defTabSz="914400" rtl="0" eaLnBrk="1" latinLnBrk="0" hangingPunct="1">
-              <a:defRPr kern="1200">
-                <a:solidFill>
-                  <a:schemeClr val="tx1"/>
-                </a:solidFill>
-                <a:latin typeface="Arial" charset="0"/>
-                <a:ea typeface="+mn-ea"/>
-                <a:cs typeface="Arial" charset="0"/>
-              </a:defRPr>
-            </a:lvl9pPr>
-          </a:lstStyle>
-          <a:p>
-            <a:pPr>
-              <a:defRPr/>
-            </a:pPr>
-            <a:r>
-              <a:rPr lang="fr-FR" dirty="0" err="1"/>
-              <a:t>Geostatistics</a:t>
-            </a:r>
-            <a:endParaRPr lang="fr-FR" dirty="0"/>
-          </a:p>
-        </p:txBody>
-      </p:sp>
-      <p:pic>
-        <p:nvPicPr>
-          <p:cNvPr id="7" name="Imagem 6">
-            <a:extLst>
-              <a:ext uri="{FF2B5EF4-FFF2-40B4-BE49-F238E27FC236}">
-                <a16:creationId xmlns:a16="http://schemas.microsoft.com/office/drawing/2014/main" id="{C036292E-302C-4EC2-82E1-7AC0D90D3295}"/>
-              </a:ext>
-            </a:extLst>
-          </p:cNvPr>
-          <p:cNvPicPr>
-            <a:picLocks noChangeAspect="1"/>
-          </p:cNvPicPr>
-          <p:nvPr/>
-        </p:nvPicPr>
-        <p:blipFill>
-          <a:blip r:embed="rId3"/>
-          <a:stretch>
-            <a:fillRect/>
-          </a:stretch>
-        </p:blipFill>
-        <p:spPr>
-          <a:xfrm>
-            <a:off x="1875361" y="1548911"/>
-            <a:ext cx="5252597" cy="5117368"/>
-          </a:xfrm>
-          <a:prstGeom prst="rect">
-            <a:avLst/>
-          </a:prstGeom>
-        </p:spPr>
-      </p:pic>
-    </p:spTree>
-    <p:extLst>
-      <p:ext uri="{BB962C8B-B14F-4D97-AF65-F5344CB8AC3E}">
-        <p14:creationId xmlns:p14="http://schemas.microsoft.com/office/powerpoint/2010/main" val="2617551927"/>
       </p:ext>
     </p:extLst>
   </p:cSld>
